--- a/Appointments_Presentation.pptx
+++ b/Appointments_Presentation.pptx
@@ -2,17 +2,20 @@
 <file path=ppt/presentation.xml><?xml version="1.0" encoding="utf-8"?>
 <p:presentation xmlns:a="http://schemas.openxmlformats.org/drawingml/2006/main" xmlns:r="http://schemas.openxmlformats.org/officeDocument/2006/relationships" xmlns:p="http://schemas.openxmlformats.org/presentationml/2006/main" saveSubsetFonts="1" autoCompressPictures="0">
   <p:sldMasterIdLst>
-    <p:sldMasterId id="2147483648" r:id="rId1"/>
+    <p:sldMasterId id="2147483879" r:id="rId1"/>
   </p:sldMasterIdLst>
+  <p:notesMasterIdLst>
+    <p:notesMasterId r:id="rId13"/>
+  </p:notesMasterIdLst>
   <p:sldIdLst>
     <p:sldId id="256" r:id="rId2"/>
     <p:sldId id="257" r:id="rId3"/>
     <p:sldId id="258" r:id="rId4"/>
     <p:sldId id="268" r:id="rId5"/>
-    <p:sldId id="259" r:id="rId6"/>
-    <p:sldId id="260" r:id="rId7"/>
-    <p:sldId id="261" r:id="rId8"/>
-    <p:sldId id="263" r:id="rId9"/>
+    <p:sldId id="270" r:id="rId6"/>
+    <p:sldId id="259" r:id="rId7"/>
+    <p:sldId id="260" r:id="rId8"/>
+    <p:sldId id="271" r:id="rId9"/>
     <p:sldId id="267" r:id="rId10"/>
     <p:sldId id="269" r:id="rId11"/>
     <p:sldId id="265" r:id="rId12"/>
@@ -122,6 +125,439 @@
 </p:presentation>
 </file>
 
+<file path=ppt/notesMasters/notesMaster1.xml><?xml version="1.0" encoding="utf-8"?>
+<p:notesMaster xmlns:a="http://schemas.openxmlformats.org/drawingml/2006/main" xmlns:r="http://schemas.openxmlformats.org/officeDocument/2006/relationships" xmlns:p="http://schemas.openxmlformats.org/presentationml/2006/main">
+  <p:cSld>
+    <p:bg>
+      <p:bgRef idx="1001">
+        <a:schemeClr val="bg1"/>
+      </p:bgRef>
+    </p:bg>
+    <p:spTree>
+      <p:nvGrpSpPr>
+        <p:cNvPr id="1" name=""/>
+        <p:cNvGrpSpPr/>
+        <p:nvPr/>
+      </p:nvGrpSpPr>
+      <p:grpSpPr>
+        <a:xfrm>
+          <a:off x="0" y="0"/>
+          <a:ext cx="0" cy="0"/>
+          <a:chOff x="0" y="0"/>
+          <a:chExt cx="0" cy="0"/>
+        </a:xfrm>
+      </p:grpSpPr>
+      <p:sp>
+        <p:nvSpPr>
+          <p:cNvPr id="2" name="Header Placeholder 1"/>
+          <p:cNvSpPr>
+            <a:spLocks noGrp="1"/>
+          </p:cNvSpPr>
+          <p:nvPr>
+            <p:ph type="hdr" sz="quarter"/>
+          </p:nvPr>
+        </p:nvSpPr>
+        <p:spPr>
+          <a:xfrm>
+            <a:off x="0" y="0"/>
+            <a:ext cx="2971800" cy="458788"/>
+          </a:xfrm>
+          <a:prstGeom prst="rect">
+            <a:avLst/>
+          </a:prstGeom>
+        </p:spPr>
+        <p:txBody>
+          <a:bodyPr vert="horz" lIns="91440" tIns="45720" rIns="91440" bIns="45720" rtlCol="0"/>
+          <a:lstStyle>
+            <a:lvl1pPr algn="l">
+              <a:defRPr sz="1200"/>
+            </a:lvl1pPr>
+          </a:lstStyle>
+          <a:p>
+            <a:endParaRPr lang="en-US"/>
+          </a:p>
+        </p:txBody>
+      </p:sp>
+      <p:sp>
+        <p:nvSpPr>
+          <p:cNvPr id="3" name="Date Placeholder 2"/>
+          <p:cNvSpPr>
+            <a:spLocks noGrp="1"/>
+          </p:cNvSpPr>
+          <p:nvPr>
+            <p:ph type="dt" idx="1"/>
+          </p:nvPr>
+        </p:nvSpPr>
+        <p:spPr>
+          <a:xfrm>
+            <a:off x="3884613" y="0"/>
+            <a:ext cx="2971800" cy="458788"/>
+          </a:xfrm>
+          <a:prstGeom prst="rect">
+            <a:avLst/>
+          </a:prstGeom>
+        </p:spPr>
+        <p:txBody>
+          <a:bodyPr vert="horz" lIns="91440" tIns="45720" rIns="91440" bIns="45720" rtlCol="0"/>
+          <a:lstStyle>
+            <a:lvl1pPr algn="r">
+              <a:defRPr sz="1200"/>
+            </a:lvl1pPr>
+          </a:lstStyle>
+          <a:p>
+            <a:fld id="{449C69C6-4B58-0740-AA0F-3FAB58D812FB}" type="datetimeFigureOut">
+              <a:rPr lang="en-US" smtClean="0"/>
+              <a:t>4/29/18</a:t>
+            </a:fld>
+            <a:endParaRPr lang="en-US"/>
+          </a:p>
+        </p:txBody>
+      </p:sp>
+      <p:sp>
+        <p:nvSpPr>
+          <p:cNvPr id="4" name="Slide Image Placeholder 3"/>
+          <p:cNvSpPr>
+            <a:spLocks noGrp="1" noRot="1" noChangeAspect="1"/>
+          </p:cNvSpPr>
+          <p:nvPr>
+            <p:ph type="sldImg" idx="2"/>
+          </p:nvPr>
+        </p:nvSpPr>
+        <p:spPr>
+          <a:xfrm>
+            <a:off x="685800" y="1143000"/>
+            <a:ext cx="5486400" cy="3086100"/>
+          </a:xfrm>
+          <a:prstGeom prst="rect">
+            <a:avLst/>
+          </a:prstGeom>
+          <a:noFill/>
+          <a:ln w="12700">
+            <a:solidFill>
+              <a:prstClr val="black"/>
+            </a:solidFill>
+          </a:ln>
+        </p:spPr>
+        <p:txBody>
+          <a:bodyPr vert="horz" lIns="91440" tIns="45720" rIns="91440" bIns="45720" rtlCol="0" anchor="ctr"/>
+          <a:lstStyle/>
+          <a:p>
+            <a:endParaRPr lang="en-US"/>
+          </a:p>
+        </p:txBody>
+      </p:sp>
+      <p:sp>
+        <p:nvSpPr>
+          <p:cNvPr id="5" name="Notes Placeholder 4"/>
+          <p:cNvSpPr>
+            <a:spLocks noGrp="1"/>
+          </p:cNvSpPr>
+          <p:nvPr>
+            <p:ph type="body" sz="quarter" idx="3"/>
+          </p:nvPr>
+        </p:nvSpPr>
+        <p:spPr>
+          <a:xfrm>
+            <a:off x="685800" y="4400550"/>
+            <a:ext cx="5486400" cy="3600450"/>
+          </a:xfrm>
+          <a:prstGeom prst="rect">
+            <a:avLst/>
+          </a:prstGeom>
+        </p:spPr>
+        <p:txBody>
+          <a:bodyPr vert="horz" lIns="91440" tIns="45720" rIns="91440" bIns="45720" rtlCol="0"/>
+          <a:lstStyle/>
+          <a:p>
+            <a:pPr lvl="0"/>
+            <a:r>
+              <a:rPr lang="en-US"/>
+              <a:t>Edit Master text styles</a:t>
+            </a:r>
+          </a:p>
+          <a:p>
+            <a:pPr lvl="1"/>
+            <a:r>
+              <a:rPr lang="en-US"/>
+              <a:t>Second level</a:t>
+            </a:r>
+          </a:p>
+          <a:p>
+            <a:pPr lvl="2"/>
+            <a:r>
+              <a:rPr lang="en-US"/>
+              <a:t>Third level</a:t>
+            </a:r>
+          </a:p>
+          <a:p>
+            <a:pPr lvl="3"/>
+            <a:r>
+              <a:rPr lang="en-US"/>
+              <a:t>Fourth level</a:t>
+            </a:r>
+          </a:p>
+          <a:p>
+            <a:pPr lvl="4"/>
+            <a:r>
+              <a:rPr lang="en-US"/>
+              <a:t>Fifth level</a:t>
+            </a:r>
+          </a:p>
+        </p:txBody>
+      </p:sp>
+      <p:sp>
+        <p:nvSpPr>
+          <p:cNvPr id="6" name="Footer Placeholder 5"/>
+          <p:cNvSpPr>
+            <a:spLocks noGrp="1"/>
+          </p:cNvSpPr>
+          <p:nvPr>
+            <p:ph type="ftr" sz="quarter" idx="4"/>
+          </p:nvPr>
+        </p:nvSpPr>
+        <p:spPr>
+          <a:xfrm>
+            <a:off x="0" y="8685213"/>
+            <a:ext cx="2971800" cy="458787"/>
+          </a:xfrm>
+          <a:prstGeom prst="rect">
+            <a:avLst/>
+          </a:prstGeom>
+        </p:spPr>
+        <p:txBody>
+          <a:bodyPr vert="horz" lIns="91440" tIns="45720" rIns="91440" bIns="45720" rtlCol="0" anchor="b"/>
+          <a:lstStyle>
+            <a:lvl1pPr algn="l">
+              <a:defRPr sz="1200"/>
+            </a:lvl1pPr>
+          </a:lstStyle>
+          <a:p>
+            <a:endParaRPr lang="en-US"/>
+          </a:p>
+        </p:txBody>
+      </p:sp>
+      <p:sp>
+        <p:nvSpPr>
+          <p:cNvPr id="7" name="Slide Number Placeholder 6"/>
+          <p:cNvSpPr>
+            <a:spLocks noGrp="1"/>
+          </p:cNvSpPr>
+          <p:nvPr>
+            <p:ph type="sldNum" sz="quarter" idx="5"/>
+          </p:nvPr>
+        </p:nvSpPr>
+        <p:spPr>
+          <a:xfrm>
+            <a:off x="3884613" y="8685213"/>
+            <a:ext cx="2971800" cy="458787"/>
+          </a:xfrm>
+          <a:prstGeom prst="rect">
+            <a:avLst/>
+          </a:prstGeom>
+        </p:spPr>
+        <p:txBody>
+          <a:bodyPr vert="horz" lIns="91440" tIns="45720" rIns="91440" bIns="45720" rtlCol="0" anchor="b"/>
+          <a:lstStyle>
+            <a:lvl1pPr algn="r">
+              <a:defRPr sz="1200"/>
+            </a:lvl1pPr>
+          </a:lstStyle>
+          <a:p>
+            <a:fld id="{B39125DA-AB1A-6D43-8D0B-C159119E55AC}" type="slidenum">
+              <a:rPr lang="en-US" smtClean="0"/>
+              <a:t>‹#›</a:t>
+            </a:fld>
+            <a:endParaRPr lang="en-US"/>
+          </a:p>
+        </p:txBody>
+      </p:sp>
+    </p:spTree>
+    <p:extLst>
+      <p:ext uri="{BB962C8B-B14F-4D97-AF65-F5344CB8AC3E}">
+        <p14:creationId xmlns:p14="http://schemas.microsoft.com/office/powerpoint/2010/main" val="1805306049"/>
+      </p:ext>
+    </p:extLst>
+  </p:cSld>
+  <p:clrMap bg1="lt1" tx1="dk1" bg2="lt2" tx2="dk2" accent1="accent1" accent2="accent2" accent3="accent3" accent4="accent4" accent5="accent5" accent6="accent6" hlink="hlink" folHlink="folHlink"/>
+  <p:notesStyle>
+    <a:lvl1pPr marL="0" algn="l" defTabSz="914400" rtl="0" eaLnBrk="1" latinLnBrk="0" hangingPunct="1">
+      <a:defRPr sz="1200" kern="1200">
+        <a:solidFill>
+          <a:schemeClr val="tx1"/>
+        </a:solidFill>
+        <a:latin typeface="+mn-lt"/>
+        <a:ea typeface="+mn-ea"/>
+        <a:cs typeface="+mn-cs"/>
+      </a:defRPr>
+    </a:lvl1pPr>
+    <a:lvl2pPr marL="457200" algn="l" defTabSz="914400" rtl="0" eaLnBrk="1" latinLnBrk="0" hangingPunct="1">
+      <a:defRPr sz="1200" kern="1200">
+        <a:solidFill>
+          <a:schemeClr val="tx1"/>
+        </a:solidFill>
+        <a:latin typeface="+mn-lt"/>
+        <a:ea typeface="+mn-ea"/>
+        <a:cs typeface="+mn-cs"/>
+      </a:defRPr>
+    </a:lvl2pPr>
+    <a:lvl3pPr marL="914400" algn="l" defTabSz="914400" rtl="0" eaLnBrk="1" latinLnBrk="0" hangingPunct="1">
+      <a:defRPr sz="1200" kern="1200">
+        <a:solidFill>
+          <a:schemeClr val="tx1"/>
+        </a:solidFill>
+        <a:latin typeface="+mn-lt"/>
+        <a:ea typeface="+mn-ea"/>
+        <a:cs typeface="+mn-cs"/>
+      </a:defRPr>
+    </a:lvl3pPr>
+    <a:lvl4pPr marL="1371600" algn="l" defTabSz="914400" rtl="0" eaLnBrk="1" latinLnBrk="0" hangingPunct="1">
+      <a:defRPr sz="1200" kern="1200">
+        <a:solidFill>
+          <a:schemeClr val="tx1"/>
+        </a:solidFill>
+        <a:latin typeface="+mn-lt"/>
+        <a:ea typeface="+mn-ea"/>
+        <a:cs typeface="+mn-cs"/>
+      </a:defRPr>
+    </a:lvl4pPr>
+    <a:lvl5pPr marL="1828800" algn="l" defTabSz="914400" rtl="0" eaLnBrk="1" latinLnBrk="0" hangingPunct="1">
+      <a:defRPr sz="1200" kern="1200">
+        <a:solidFill>
+          <a:schemeClr val="tx1"/>
+        </a:solidFill>
+        <a:latin typeface="+mn-lt"/>
+        <a:ea typeface="+mn-ea"/>
+        <a:cs typeface="+mn-cs"/>
+      </a:defRPr>
+    </a:lvl5pPr>
+    <a:lvl6pPr marL="2286000" algn="l" defTabSz="914400" rtl="0" eaLnBrk="1" latinLnBrk="0" hangingPunct="1">
+      <a:defRPr sz="1200" kern="1200">
+        <a:solidFill>
+          <a:schemeClr val="tx1"/>
+        </a:solidFill>
+        <a:latin typeface="+mn-lt"/>
+        <a:ea typeface="+mn-ea"/>
+        <a:cs typeface="+mn-cs"/>
+      </a:defRPr>
+    </a:lvl6pPr>
+    <a:lvl7pPr marL="2743200" algn="l" defTabSz="914400" rtl="0" eaLnBrk="1" latinLnBrk="0" hangingPunct="1">
+      <a:defRPr sz="1200" kern="1200">
+        <a:solidFill>
+          <a:schemeClr val="tx1"/>
+        </a:solidFill>
+        <a:latin typeface="+mn-lt"/>
+        <a:ea typeface="+mn-ea"/>
+        <a:cs typeface="+mn-cs"/>
+      </a:defRPr>
+    </a:lvl7pPr>
+    <a:lvl8pPr marL="3200400" algn="l" defTabSz="914400" rtl="0" eaLnBrk="1" latinLnBrk="0" hangingPunct="1">
+      <a:defRPr sz="1200" kern="1200">
+        <a:solidFill>
+          <a:schemeClr val="tx1"/>
+        </a:solidFill>
+        <a:latin typeface="+mn-lt"/>
+        <a:ea typeface="+mn-ea"/>
+        <a:cs typeface="+mn-cs"/>
+      </a:defRPr>
+    </a:lvl8pPr>
+    <a:lvl9pPr marL="3657600" algn="l" defTabSz="914400" rtl="0" eaLnBrk="1" latinLnBrk="0" hangingPunct="1">
+      <a:defRPr sz="1200" kern="1200">
+        <a:solidFill>
+          <a:schemeClr val="tx1"/>
+        </a:solidFill>
+        <a:latin typeface="+mn-lt"/>
+        <a:ea typeface="+mn-ea"/>
+        <a:cs typeface="+mn-cs"/>
+      </a:defRPr>
+    </a:lvl9pPr>
+  </p:notesStyle>
+</p:notesMaster>
+</file>
+
+<file path=ppt/notesSlides/notesSlide1.xml><?xml version="1.0" encoding="utf-8"?>
+<p:notes xmlns:a="http://schemas.openxmlformats.org/drawingml/2006/main" xmlns:r="http://schemas.openxmlformats.org/officeDocument/2006/relationships" xmlns:p="http://schemas.openxmlformats.org/presentationml/2006/main">
+  <p:cSld>
+    <p:spTree>
+      <p:nvGrpSpPr>
+        <p:cNvPr id="1" name=""/>
+        <p:cNvGrpSpPr/>
+        <p:nvPr/>
+      </p:nvGrpSpPr>
+      <p:grpSpPr>
+        <a:xfrm>
+          <a:off x="0" y="0"/>
+          <a:ext cx="0" cy="0"/>
+          <a:chOff x="0" y="0"/>
+          <a:chExt cx="0" cy="0"/>
+        </a:xfrm>
+      </p:grpSpPr>
+      <p:sp>
+        <p:nvSpPr>
+          <p:cNvPr id="2" name="Slide Image Placeholder 1"/>
+          <p:cNvSpPr>
+            <a:spLocks noGrp="1" noRot="1" noChangeAspect="1"/>
+          </p:cNvSpPr>
+          <p:nvPr>
+            <p:ph type="sldImg"/>
+          </p:nvPr>
+        </p:nvSpPr>
+        <p:spPr/>
+      </p:sp>
+      <p:sp>
+        <p:nvSpPr>
+          <p:cNvPr id="3" name="Notes Placeholder 2"/>
+          <p:cNvSpPr>
+            <a:spLocks noGrp="1"/>
+          </p:cNvSpPr>
+          <p:nvPr>
+            <p:ph type="body" idx="1"/>
+          </p:nvPr>
+        </p:nvSpPr>
+        <p:spPr/>
+        <p:txBody>
+          <a:bodyPr/>
+          <a:lstStyle/>
+          <a:p>
+            <a:endParaRPr lang="en-US" dirty="0"/>
+          </a:p>
+        </p:txBody>
+      </p:sp>
+      <p:sp>
+        <p:nvSpPr>
+          <p:cNvPr id="4" name="Slide Number Placeholder 3"/>
+          <p:cNvSpPr>
+            <a:spLocks noGrp="1"/>
+          </p:cNvSpPr>
+          <p:nvPr>
+            <p:ph type="sldNum" sz="quarter" idx="10"/>
+          </p:nvPr>
+        </p:nvSpPr>
+        <p:spPr/>
+        <p:txBody>
+          <a:bodyPr/>
+          <a:lstStyle/>
+          <a:p>
+            <a:fld id="{B39125DA-AB1A-6D43-8D0B-C159119E55AC}" type="slidenum">
+              <a:rPr lang="en-US" smtClean="0"/>
+              <a:t>5</a:t>
+            </a:fld>
+            <a:endParaRPr lang="en-US"/>
+          </a:p>
+        </p:txBody>
+      </p:sp>
+    </p:spTree>
+    <p:extLst>
+      <p:ext uri="{BB962C8B-B14F-4D97-AF65-F5344CB8AC3E}">
+        <p14:creationId xmlns:p14="http://schemas.microsoft.com/office/powerpoint/2010/main" val="2477870025"/>
+      </p:ext>
+    </p:extLst>
+  </p:cSld>
+  <p:clrMapOvr>
+    <a:masterClrMapping/>
+  </p:clrMapOvr>
+</p:notes>
+</file>
+
 <file path=ppt/slideLayouts/slideLayout1.xml><?xml version="1.0" encoding="utf-8"?>
 <p:sldLayout xmlns:a="http://schemas.openxmlformats.org/drawingml/2006/main" xmlns:r="http://schemas.openxmlformats.org/officeDocument/2006/relationships" xmlns:p="http://schemas.openxmlformats.org/presentationml/2006/main" type="title" preserve="1">
   <p:cSld name="Title Slide">
@@ -141,185 +577,303 @@
       </p:grpSpPr>
       <p:sp>
         <p:nvSpPr>
-          <p:cNvPr id="2" name="Title 1">
-            <a:extLst>
-              <a:ext uri="{FF2B5EF4-FFF2-40B4-BE49-F238E27FC236}">
-                <a16:creationId xmlns:a16="http://schemas.microsoft.com/office/drawing/2014/main" id="{789BBB0F-2C8E-1C4E-98B0-1389262E2762}"/>
-              </a:ext>
-            </a:extLst>
-          </p:cNvPr>
-          <p:cNvSpPr>
-            <a:spLocks noGrp="1"/>
-          </p:cNvSpPr>
-          <p:nvPr>
-            <p:ph type="ctrTitle"/>
-          </p:nvPr>
+          <p:cNvPr id="7" name="Rectangle 6"/>
+          <p:cNvSpPr/>
+          <p:nvPr/>
         </p:nvSpPr>
         <p:spPr>
           <a:xfrm>
-            <a:off x="1524000" y="1122363"/>
-            <a:ext cx="9144000" cy="2387600"/>
+            <a:off x="446534" y="3085765"/>
+            <a:ext cx="11262866" cy="3304800"/>
+          </a:xfrm>
+          <a:prstGeom prst="rect">
+            <a:avLst/>
+          </a:prstGeom>
+          <a:solidFill>
+            <a:schemeClr val="accent1"/>
+          </a:solidFill>
+          <a:ln>
+            <a:noFill/>
+          </a:ln>
+          <a:effectLst/>
+        </p:spPr>
+        <p:style>
+          <a:lnRef idx="1">
+            <a:schemeClr val="accent1"/>
+          </a:lnRef>
+          <a:fillRef idx="3">
+            <a:schemeClr val="accent1"/>
+          </a:fillRef>
+          <a:effectRef idx="2">
+            <a:schemeClr val="accent1"/>
+          </a:effectRef>
+          <a:fontRef idx="minor">
+            <a:schemeClr val="lt1"/>
+          </a:fontRef>
+        </p:style>
+      </p:sp>
+      <p:sp>
+        <p:nvSpPr>
+          <p:cNvPr id="2" name="Title 1"/>
+          <p:cNvSpPr>
+            <a:spLocks noGrp="1"/>
+          </p:cNvSpPr>
+          <p:nvPr>
+            <p:ph type="ctrTitle"/>
+          </p:nvPr>
+        </p:nvSpPr>
+        <p:spPr>
+          <a:xfrm>
+            <a:off x="581191" y="1020431"/>
+            <a:ext cx="10993549" cy="1475013"/>
+          </a:xfrm>
+          <a:effectLst/>
+        </p:spPr>
+        <p:txBody>
+          <a:bodyPr anchor="b">
+            <a:normAutofit/>
+          </a:bodyPr>
+          <a:lstStyle>
+            <a:lvl1pPr>
+              <a:defRPr sz="3600">
+                <a:solidFill>
+                  <a:schemeClr val="accent1"/>
+                </a:solidFill>
+              </a:defRPr>
+            </a:lvl1pPr>
+          </a:lstStyle>
+          <a:p>
+            <a:r>
+              <a:rPr lang="en-US"/>
+              <a:t>Click to edit Master title style</a:t>
+            </a:r>
+            <a:endParaRPr lang="en-US" dirty="0"/>
+          </a:p>
+        </p:txBody>
+      </p:sp>
+      <p:sp>
+        <p:nvSpPr>
+          <p:cNvPr id="3" name="Subtitle 2"/>
+          <p:cNvSpPr>
+            <a:spLocks noGrp="1"/>
+          </p:cNvSpPr>
+          <p:nvPr>
+            <p:ph type="subTitle" idx="1"/>
+          </p:nvPr>
+        </p:nvSpPr>
+        <p:spPr>
+          <a:xfrm>
+            <a:off x="581194" y="2495445"/>
+            <a:ext cx="10993546" cy="590321"/>
           </a:xfrm>
         </p:spPr>
         <p:txBody>
-          <a:bodyPr anchor="b"/>
+          <a:bodyPr anchor="t">
+            <a:normAutofit/>
+          </a:bodyPr>
           <a:lstStyle>
-            <a:lvl1pPr algn="ctr">
-              <a:defRPr sz="6000"/>
+            <a:lvl1pPr marL="0" indent="0" algn="l">
+              <a:buNone/>
+              <a:defRPr sz="1600" cap="all">
+                <a:solidFill>
+                  <a:schemeClr val="accent2"/>
+                </a:solidFill>
+              </a:defRPr>
+            </a:lvl1pPr>
+            <a:lvl2pPr marL="457200" indent="0" algn="ctr">
+              <a:buNone/>
+              <a:defRPr>
+                <a:solidFill>
+                  <a:schemeClr val="tx1">
+                    <a:tint val="75000"/>
+                  </a:schemeClr>
+                </a:solidFill>
+              </a:defRPr>
+            </a:lvl2pPr>
+            <a:lvl3pPr marL="914400" indent="0" algn="ctr">
+              <a:buNone/>
+              <a:defRPr>
+                <a:solidFill>
+                  <a:schemeClr val="tx1">
+                    <a:tint val="75000"/>
+                  </a:schemeClr>
+                </a:solidFill>
+              </a:defRPr>
+            </a:lvl3pPr>
+            <a:lvl4pPr marL="1371600" indent="0" algn="ctr">
+              <a:buNone/>
+              <a:defRPr>
+                <a:solidFill>
+                  <a:schemeClr val="tx1">
+                    <a:tint val="75000"/>
+                  </a:schemeClr>
+                </a:solidFill>
+              </a:defRPr>
+            </a:lvl4pPr>
+            <a:lvl5pPr marL="1828800" indent="0" algn="ctr">
+              <a:buNone/>
+              <a:defRPr>
+                <a:solidFill>
+                  <a:schemeClr val="tx1">
+                    <a:tint val="75000"/>
+                  </a:schemeClr>
+                </a:solidFill>
+              </a:defRPr>
+            </a:lvl5pPr>
+            <a:lvl6pPr marL="2286000" indent="0" algn="ctr">
+              <a:buNone/>
+              <a:defRPr>
+                <a:solidFill>
+                  <a:schemeClr val="tx1">
+                    <a:tint val="75000"/>
+                  </a:schemeClr>
+                </a:solidFill>
+              </a:defRPr>
+            </a:lvl6pPr>
+            <a:lvl7pPr marL="2743200" indent="0" algn="ctr">
+              <a:buNone/>
+              <a:defRPr>
+                <a:solidFill>
+                  <a:schemeClr val="tx1">
+                    <a:tint val="75000"/>
+                  </a:schemeClr>
+                </a:solidFill>
+              </a:defRPr>
+            </a:lvl7pPr>
+            <a:lvl8pPr marL="3200400" indent="0" algn="ctr">
+              <a:buNone/>
+              <a:defRPr>
+                <a:solidFill>
+                  <a:schemeClr val="tx1">
+                    <a:tint val="75000"/>
+                  </a:schemeClr>
+                </a:solidFill>
+              </a:defRPr>
+            </a:lvl8pPr>
+            <a:lvl9pPr marL="3657600" indent="0" algn="ctr">
+              <a:buNone/>
+              <a:defRPr>
+                <a:solidFill>
+                  <a:schemeClr val="tx1">
+                    <a:tint val="75000"/>
+                  </a:schemeClr>
+                </a:solidFill>
+              </a:defRPr>
+            </a:lvl9pPr>
+          </a:lstStyle>
+          <a:p>
+            <a:r>
+              <a:rPr lang="en-US"/>
+              <a:t>Click to edit Master subtitle style</a:t>
+            </a:r>
+            <a:endParaRPr lang="en-US" dirty="0"/>
+          </a:p>
+        </p:txBody>
+      </p:sp>
+      <p:sp>
+        <p:nvSpPr>
+          <p:cNvPr id="4" name="Date Placeholder 3"/>
+          <p:cNvSpPr>
+            <a:spLocks noGrp="1"/>
+          </p:cNvSpPr>
+          <p:nvPr>
+            <p:ph type="dt" sz="half" idx="10"/>
+          </p:nvPr>
+        </p:nvSpPr>
+        <p:spPr>
+          <a:xfrm>
+            <a:off x="7605951" y="5956137"/>
+            <a:ext cx="2844800" cy="365125"/>
+          </a:xfrm>
+        </p:spPr>
+        <p:txBody>
+          <a:bodyPr/>
+          <a:lstStyle>
+            <a:lvl1pPr>
+              <a:defRPr>
+                <a:solidFill>
+                  <a:schemeClr val="accent1">
+                    <a:lumMod val="75000"/>
+                    <a:lumOff val="25000"/>
+                  </a:schemeClr>
+                </a:solidFill>
+              </a:defRPr>
             </a:lvl1pPr>
           </a:lstStyle>
           <a:p>
-            <a:r>
-              <a:rPr lang="en-US"/>
-              <a:t>Click to edit Master title style</a:t>
-            </a:r>
-          </a:p>
-        </p:txBody>
-      </p:sp>
-      <p:sp>
-        <p:nvSpPr>
-          <p:cNvPr id="3" name="Subtitle 2">
-            <a:extLst>
-              <a:ext uri="{FF2B5EF4-FFF2-40B4-BE49-F238E27FC236}">
-                <a16:creationId xmlns:a16="http://schemas.microsoft.com/office/drawing/2014/main" id="{384EB705-9DA5-4E4F-9A61-14BBBC2453D0}"/>
-              </a:ext>
-            </a:extLst>
-          </p:cNvPr>
-          <p:cNvSpPr>
-            <a:spLocks noGrp="1"/>
-          </p:cNvSpPr>
-          <p:nvPr>
-            <p:ph type="subTitle" idx="1"/>
+            <a:fld id="{39319B69-E452-7F41-9A32-F6B459F74D11}" type="datetimeFigureOut">
+              <a:rPr lang="en-US" smtClean="0"/>
+              <a:t>4/29/18</a:t>
+            </a:fld>
+            <a:endParaRPr lang="en-US"/>
+          </a:p>
+        </p:txBody>
+      </p:sp>
+      <p:sp>
+        <p:nvSpPr>
+          <p:cNvPr id="5" name="Footer Placeholder 4"/>
+          <p:cNvSpPr>
+            <a:spLocks noGrp="1"/>
+          </p:cNvSpPr>
+          <p:nvPr>
+            <p:ph type="ftr" sz="quarter" idx="11"/>
           </p:nvPr>
         </p:nvSpPr>
         <p:spPr>
           <a:xfrm>
-            <a:off x="1524000" y="3602038"/>
-            <a:ext cx="9144000" cy="1655762"/>
+            <a:off x="581192" y="5951811"/>
+            <a:ext cx="6917210" cy="365125"/>
           </a:xfrm>
         </p:spPr>
         <p:txBody>
           <a:bodyPr/>
           <a:lstStyle>
-            <a:lvl1pPr marL="0" indent="0" algn="ctr">
-              <a:buNone/>
-              <a:defRPr sz="2400"/>
+            <a:lvl1pPr>
+              <a:defRPr>
+                <a:solidFill>
+                  <a:schemeClr val="accent1">
+                    <a:lumMod val="75000"/>
+                    <a:lumOff val="25000"/>
+                  </a:schemeClr>
+                </a:solidFill>
+              </a:defRPr>
             </a:lvl1pPr>
-            <a:lvl2pPr marL="457200" indent="0" algn="ctr">
-              <a:buNone/>
-              <a:defRPr sz="2000"/>
-            </a:lvl2pPr>
-            <a:lvl3pPr marL="914400" indent="0" algn="ctr">
-              <a:buNone/>
-              <a:defRPr sz="1800"/>
-            </a:lvl3pPr>
-            <a:lvl4pPr marL="1371600" indent="0" algn="ctr">
-              <a:buNone/>
-              <a:defRPr sz="1600"/>
-            </a:lvl4pPr>
-            <a:lvl5pPr marL="1828800" indent="0" algn="ctr">
-              <a:buNone/>
-              <a:defRPr sz="1600"/>
-            </a:lvl5pPr>
-            <a:lvl6pPr marL="2286000" indent="0" algn="ctr">
-              <a:buNone/>
-              <a:defRPr sz="1600"/>
-            </a:lvl6pPr>
-            <a:lvl7pPr marL="2743200" indent="0" algn="ctr">
-              <a:buNone/>
-              <a:defRPr sz="1600"/>
-            </a:lvl7pPr>
-            <a:lvl8pPr marL="3200400" indent="0" algn="ctr">
-              <a:buNone/>
-              <a:defRPr sz="1600"/>
-            </a:lvl8pPr>
-            <a:lvl9pPr marL="3657600" indent="0" algn="ctr">
-              <a:buNone/>
-              <a:defRPr sz="1600"/>
-            </a:lvl9pPr>
           </a:lstStyle>
           <a:p>
-            <a:r>
-              <a:rPr lang="en-US"/>
-              <a:t>Click to edit Master subtitle style</a:t>
-            </a:r>
-          </a:p>
-        </p:txBody>
-      </p:sp>
-      <p:sp>
-        <p:nvSpPr>
-          <p:cNvPr id="4" name="Date Placeholder 3">
-            <a:extLst>
-              <a:ext uri="{FF2B5EF4-FFF2-40B4-BE49-F238E27FC236}">
-                <a16:creationId xmlns:a16="http://schemas.microsoft.com/office/drawing/2014/main" id="{2B1F5A4F-73E0-BC49-84E6-681D164659DF}"/>
-              </a:ext>
-            </a:extLst>
-          </p:cNvPr>
-          <p:cNvSpPr>
-            <a:spLocks noGrp="1"/>
-          </p:cNvSpPr>
-          <p:nvPr>
-            <p:ph type="dt" sz="half" idx="10"/>
-          </p:nvPr>
-        </p:nvSpPr>
-        <p:spPr/>
+            <a:endParaRPr lang="en-US"/>
+          </a:p>
+        </p:txBody>
+      </p:sp>
+      <p:sp>
+        <p:nvSpPr>
+          <p:cNvPr id="6" name="Slide Number Placeholder 5"/>
+          <p:cNvSpPr>
+            <a:spLocks noGrp="1"/>
+          </p:cNvSpPr>
+          <p:nvPr>
+            <p:ph type="sldNum" sz="quarter" idx="12"/>
+          </p:nvPr>
+        </p:nvSpPr>
+        <p:spPr>
+          <a:xfrm>
+            <a:off x="10558300" y="5956137"/>
+            <a:ext cx="1016440" cy="365125"/>
+          </a:xfrm>
+        </p:spPr>
         <p:txBody>
           <a:bodyPr/>
-          <a:lstStyle/>
-          <a:p>
-            <a:fld id="{39319B69-E452-7F41-9A32-F6B459F74D11}" type="datetimeFigureOut">
-              <a:rPr lang="en-US" smtClean="0"/>
-              <a:t>4/26/18</a:t>
-            </a:fld>
-            <a:endParaRPr lang="en-US"/>
-          </a:p>
-        </p:txBody>
-      </p:sp>
-      <p:sp>
-        <p:nvSpPr>
-          <p:cNvPr id="5" name="Footer Placeholder 4">
-            <a:extLst>
-              <a:ext uri="{FF2B5EF4-FFF2-40B4-BE49-F238E27FC236}">
-                <a16:creationId xmlns:a16="http://schemas.microsoft.com/office/drawing/2014/main" id="{E0C3B116-2E3A-C34F-9084-8846F6D7948B}"/>
-              </a:ext>
-            </a:extLst>
-          </p:cNvPr>
-          <p:cNvSpPr>
-            <a:spLocks noGrp="1"/>
-          </p:cNvSpPr>
-          <p:nvPr>
-            <p:ph type="ftr" sz="quarter" idx="11"/>
-          </p:nvPr>
-        </p:nvSpPr>
-        <p:spPr/>
-        <p:txBody>
-          <a:bodyPr/>
-          <a:lstStyle/>
-          <a:p>
-            <a:endParaRPr lang="en-US"/>
-          </a:p>
-        </p:txBody>
-      </p:sp>
-      <p:sp>
-        <p:nvSpPr>
-          <p:cNvPr id="6" name="Slide Number Placeholder 5">
-            <a:extLst>
-              <a:ext uri="{FF2B5EF4-FFF2-40B4-BE49-F238E27FC236}">
-                <a16:creationId xmlns:a16="http://schemas.microsoft.com/office/drawing/2014/main" id="{9612D4B1-4D34-2249-9EA9-F4B349BB4076}"/>
-              </a:ext>
-            </a:extLst>
-          </p:cNvPr>
-          <p:cNvSpPr>
-            <a:spLocks noGrp="1"/>
-          </p:cNvSpPr>
-          <p:nvPr>
-            <p:ph type="sldNum" sz="quarter" idx="12"/>
-          </p:nvPr>
-        </p:nvSpPr>
-        <p:spPr/>
-        <p:txBody>
-          <a:bodyPr/>
-          <a:lstStyle/>
+          <a:lstStyle>
+            <a:lvl1pPr>
+              <a:defRPr>
+                <a:solidFill>
+                  <a:schemeClr val="accent1">
+                    <a:lumMod val="75000"/>
+                    <a:lumOff val="25000"/>
+                  </a:schemeClr>
+                </a:solidFill>
+              </a:defRPr>
+            </a:lvl1pPr>
+          </a:lstStyle>
           <a:p>
             <a:fld id="{0133C027-2CB3-C042-9075-F1F49B6D1BD2}" type="slidenum">
               <a:rPr lang="en-US" smtClean="0"/>
@@ -332,7 +886,7 @@
     </p:spTree>
     <p:extLst>
       <p:ext uri="{BB962C8B-B14F-4D97-AF65-F5344CB8AC3E}">
-        <p14:creationId xmlns:p14="http://schemas.microsoft.com/office/powerpoint/2010/main" val="3694786215"/>
+        <p14:creationId xmlns:p14="http://schemas.microsoft.com/office/powerpoint/2010/main" val="3967513823"/>
       </p:ext>
     </p:extLst>
   </p:cSld>
@@ -361,13 +915,46 @@
       </p:grpSpPr>
       <p:sp>
         <p:nvSpPr>
-          <p:cNvPr id="2" name="Title 1">
-            <a:extLst>
-              <a:ext uri="{FF2B5EF4-FFF2-40B4-BE49-F238E27FC236}">
-                <a16:creationId xmlns:a16="http://schemas.microsoft.com/office/drawing/2014/main" id="{F6593AAD-3485-C646-88AE-6C6A6AA598B8}"/>
-              </a:ext>
-            </a:extLst>
-          </p:cNvPr>
+          <p:cNvPr id="8" name="Rectangle 7"/>
+          <p:cNvSpPr>
+            <a:spLocks noChangeAspect="1"/>
+          </p:cNvSpPr>
+          <p:nvPr/>
+        </p:nvSpPr>
+        <p:spPr>
+          <a:xfrm>
+            <a:off x="440286" y="614407"/>
+            <a:ext cx="11309338" cy="1189298"/>
+          </a:xfrm>
+          <a:prstGeom prst="rect">
+            <a:avLst/>
+          </a:prstGeom>
+          <a:solidFill>
+            <a:schemeClr val="accent1"/>
+          </a:solidFill>
+          <a:ln>
+            <a:noFill/>
+          </a:ln>
+          <a:effectLst/>
+        </p:spPr>
+        <p:style>
+          <a:lnRef idx="1">
+            <a:schemeClr val="accent1"/>
+          </a:lnRef>
+          <a:fillRef idx="3">
+            <a:schemeClr val="accent1"/>
+          </a:fillRef>
+          <a:effectRef idx="2">
+            <a:schemeClr val="accent1"/>
+          </a:effectRef>
+          <a:fontRef idx="minor">
+            <a:schemeClr val="lt1"/>
+          </a:fontRef>
+        </p:style>
+      </p:sp>
+      <p:sp>
+        <p:nvSpPr>
+          <p:cNvPr id="9" name="Title 1"/>
           <p:cNvSpPr>
             <a:spLocks noGrp="1"/>
           </p:cNvSpPr>
@@ -375,7 +962,12 @@
             <p:ph type="title"/>
           </p:nvPr>
         </p:nvSpPr>
-        <p:spPr/>
+        <p:spPr>
+          <a:xfrm>
+            <a:off x="581192" y="702156"/>
+            <a:ext cx="11029616" cy="1013800"/>
+          </a:xfrm>
+        </p:spPr>
         <p:txBody>
           <a:bodyPr/>
           <a:lstStyle/>
@@ -384,18 +976,13 @@
               <a:rPr lang="en-US"/>
               <a:t>Click to edit Master title style</a:t>
             </a:r>
-          </a:p>
-        </p:txBody>
-      </p:sp>
-      <p:sp>
-        <p:nvSpPr>
-          <p:cNvPr id="3" name="Vertical Text Placeholder 2">
-            <a:extLst>
-              <a:ext uri="{FF2B5EF4-FFF2-40B4-BE49-F238E27FC236}">
-                <a16:creationId xmlns:a16="http://schemas.microsoft.com/office/drawing/2014/main" id="{FCC6F4C0-AC90-0743-9820-ECE589F309EC}"/>
-              </a:ext>
-            </a:extLst>
-          </p:cNvPr>
+            <a:endParaRPr lang="en-US" dirty="0"/>
+          </a:p>
+        </p:txBody>
+      </p:sp>
+      <p:sp>
+        <p:nvSpPr>
+          <p:cNvPr id="3" name="Vertical Text Placeholder 2"/>
           <p:cNvSpPr>
             <a:spLocks noGrp="1"/>
           </p:cNvSpPr>
@@ -405,8 +992,24 @@
         </p:nvSpPr>
         <p:spPr/>
         <p:txBody>
-          <a:bodyPr vert="eaVert"/>
-          <a:lstStyle/>
+          <a:bodyPr vert="eaVert" anchor="t"/>
+          <a:lstStyle>
+            <a:lvl1pPr algn="l">
+              <a:defRPr/>
+            </a:lvl1pPr>
+            <a:lvl2pPr algn="l">
+              <a:defRPr/>
+            </a:lvl2pPr>
+            <a:lvl3pPr algn="l">
+              <a:defRPr/>
+            </a:lvl3pPr>
+            <a:lvl4pPr algn="l">
+              <a:defRPr/>
+            </a:lvl4pPr>
+            <a:lvl5pPr algn="l">
+              <a:defRPr/>
+            </a:lvl5pPr>
+          </a:lstStyle>
           <a:p>
             <a:pPr lvl="0"/>
             <a:r>
@@ -441,18 +1044,13 @@
               <a:rPr lang="en-US"/>
               <a:t>Fifth level</a:t>
             </a:r>
-          </a:p>
-        </p:txBody>
-      </p:sp>
-      <p:sp>
-        <p:nvSpPr>
-          <p:cNvPr id="4" name="Date Placeholder 3">
-            <a:extLst>
-              <a:ext uri="{FF2B5EF4-FFF2-40B4-BE49-F238E27FC236}">
-                <a16:creationId xmlns:a16="http://schemas.microsoft.com/office/drawing/2014/main" id="{EF187413-6B98-AB43-AE72-2312B55A56A9}"/>
-              </a:ext>
-            </a:extLst>
-          </p:cNvPr>
+            <a:endParaRPr lang="en-US" dirty="0"/>
+          </a:p>
+        </p:txBody>
+      </p:sp>
+      <p:sp>
+        <p:nvSpPr>
+          <p:cNvPr id="4" name="Date Placeholder 3"/>
           <p:cNvSpPr>
             <a:spLocks noGrp="1"/>
           </p:cNvSpPr>
@@ -467,7 +1065,7 @@
           <a:p>
             <a:fld id="{39319B69-E452-7F41-9A32-F6B459F74D11}" type="datetimeFigureOut">
               <a:rPr lang="en-US" smtClean="0"/>
-              <a:t>4/26/18</a:t>
+              <a:t>4/29/18</a:t>
             </a:fld>
             <a:endParaRPr lang="en-US"/>
           </a:p>
@@ -475,13 +1073,7 @@
       </p:sp>
       <p:sp>
         <p:nvSpPr>
-          <p:cNvPr id="5" name="Footer Placeholder 4">
-            <a:extLst>
-              <a:ext uri="{FF2B5EF4-FFF2-40B4-BE49-F238E27FC236}">
-                <a16:creationId xmlns:a16="http://schemas.microsoft.com/office/drawing/2014/main" id="{33055CF1-A9AC-CD41-87C3-EC72D96057ED}"/>
-              </a:ext>
-            </a:extLst>
-          </p:cNvPr>
+          <p:cNvPr id="5" name="Footer Placeholder 4"/>
           <p:cNvSpPr>
             <a:spLocks noGrp="1"/>
           </p:cNvSpPr>
@@ -500,13 +1092,7 @@
       </p:sp>
       <p:sp>
         <p:nvSpPr>
-          <p:cNvPr id="6" name="Slide Number Placeholder 5">
-            <a:extLst>
-              <a:ext uri="{FF2B5EF4-FFF2-40B4-BE49-F238E27FC236}">
-                <a16:creationId xmlns:a16="http://schemas.microsoft.com/office/drawing/2014/main" id="{05FEF0C9-5F97-A548-94FC-85C5A3D9C570}"/>
-              </a:ext>
-            </a:extLst>
-          </p:cNvPr>
+          <p:cNvPr id="6" name="Slide Number Placeholder 5"/>
           <p:cNvSpPr>
             <a:spLocks noGrp="1"/>
           </p:cNvSpPr>
@@ -530,7 +1116,7 @@
     </p:spTree>
     <p:extLst>
       <p:ext uri="{BB962C8B-B14F-4D97-AF65-F5344CB8AC3E}">
-        <p14:creationId xmlns:p14="http://schemas.microsoft.com/office/powerpoint/2010/main" val="1340969169"/>
+        <p14:creationId xmlns:p14="http://schemas.microsoft.com/office/powerpoint/2010/main" val="2054676858"/>
       </p:ext>
     </p:extLst>
   </p:cSld>
@@ -559,24 +1145,57 @@
       </p:grpSpPr>
       <p:sp>
         <p:nvSpPr>
-          <p:cNvPr id="2" name="Vertical Title 1">
-            <a:extLst>
-              <a:ext uri="{FF2B5EF4-FFF2-40B4-BE49-F238E27FC236}">
-                <a16:creationId xmlns:a16="http://schemas.microsoft.com/office/drawing/2014/main" id="{3699D797-4820-C548-9FE0-F6E3A6FA5AEB}"/>
-              </a:ext>
-            </a:extLst>
-          </p:cNvPr>
-          <p:cNvSpPr>
-            <a:spLocks noGrp="1"/>
-          </p:cNvSpPr>
-          <p:nvPr>
-            <p:ph type="title" orient="vert"/>
-          </p:nvPr>
+          <p:cNvPr id="7" name="Rectangle 6"/>
+          <p:cNvSpPr>
+            <a:spLocks noChangeAspect="1"/>
+          </p:cNvSpPr>
+          <p:nvPr/>
         </p:nvSpPr>
         <p:spPr>
           <a:xfrm>
-            <a:off x="8724900" y="365125"/>
-            <a:ext cx="2628900" cy="5811838"/>
+            <a:off x="8839201" y="599725"/>
+            <a:ext cx="2906817" cy="5816950"/>
+          </a:xfrm>
+          <a:prstGeom prst="rect">
+            <a:avLst/>
+          </a:prstGeom>
+          <a:solidFill>
+            <a:schemeClr val="accent1"/>
+          </a:solidFill>
+          <a:ln>
+            <a:noFill/>
+          </a:ln>
+          <a:effectLst/>
+        </p:spPr>
+        <p:style>
+          <a:lnRef idx="1">
+            <a:schemeClr val="accent1"/>
+          </a:lnRef>
+          <a:fillRef idx="3">
+            <a:schemeClr val="accent1"/>
+          </a:fillRef>
+          <a:effectRef idx="2">
+            <a:schemeClr val="accent1"/>
+          </a:effectRef>
+          <a:fontRef idx="minor">
+            <a:schemeClr val="lt1"/>
+          </a:fontRef>
+        </p:style>
+      </p:sp>
+      <p:sp>
+        <p:nvSpPr>
+          <p:cNvPr id="2" name="Vertical Title 1"/>
+          <p:cNvSpPr>
+            <a:spLocks noGrp="1"/>
+          </p:cNvSpPr>
+          <p:nvPr>
+            <p:ph type="title" orient="vert"/>
+          </p:nvPr>
+        </p:nvSpPr>
+        <p:spPr>
+          <a:xfrm>
+            <a:off x="8839201" y="675726"/>
+            <a:ext cx="2004164" cy="5183073"/>
           </a:xfrm>
         </p:spPr>
         <p:txBody>
@@ -587,18 +1206,13 @@
               <a:rPr lang="en-US"/>
               <a:t>Click to edit Master title style</a:t>
             </a:r>
-          </a:p>
-        </p:txBody>
-      </p:sp>
-      <p:sp>
-        <p:nvSpPr>
-          <p:cNvPr id="3" name="Vertical Text Placeholder 2">
-            <a:extLst>
-              <a:ext uri="{FF2B5EF4-FFF2-40B4-BE49-F238E27FC236}">
-                <a16:creationId xmlns:a16="http://schemas.microsoft.com/office/drawing/2014/main" id="{B0771717-CB59-9E4A-BA15-2841165C70C9}"/>
-              </a:ext>
-            </a:extLst>
-          </p:cNvPr>
+            <a:endParaRPr lang="en-US" dirty="0"/>
+          </a:p>
+        </p:txBody>
+      </p:sp>
+      <p:sp>
+        <p:nvSpPr>
+          <p:cNvPr id="3" name="Vertical Text Placeholder 2"/>
           <p:cNvSpPr>
             <a:spLocks noGrp="1"/>
           </p:cNvSpPr>
@@ -608,12 +1222,12 @@
         </p:nvSpPr>
         <p:spPr>
           <a:xfrm>
-            <a:off x="838200" y="365125"/>
-            <a:ext cx="7734300" cy="5811838"/>
+            <a:off x="774923" y="675726"/>
+            <a:ext cx="7896279" cy="5183073"/>
           </a:xfrm>
         </p:spPr>
         <p:txBody>
-          <a:bodyPr vert="eaVert"/>
+          <a:bodyPr vert="eaVert" anchor="t"/>
           <a:lstStyle/>
           <a:p>
             <a:pPr lvl="0"/>
@@ -649,18 +1263,13 @@
               <a:rPr lang="en-US"/>
               <a:t>Fifth level</a:t>
             </a:r>
-          </a:p>
-        </p:txBody>
-      </p:sp>
-      <p:sp>
-        <p:nvSpPr>
-          <p:cNvPr id="4" name="Date Placeholder 3">
-            <a:extLst>
-              <a:ext uri="{FF2B5EF4-FFF2-40B4-BE49-F238E27FC236}">
-                <a16:creationId xmlns:a16="http://schemas.microsoft.com/office/drawing/2014/main" id="{06415659-FC7E-0441-BD2C-1377E38ED11E}"/>
-              </a:ext>
-            </a:extLst>
-          </p:cNvPr>
+            <a:endParaRPr lang="en-US" dirty="0"/>
+          </a:p>
+        </p:txBody>
+      </p:sp>
+      <p:sp>
+        <p:nvSpPr>
+          <p:cNvPr id="4" name="Date Placeholder 3"/>
           <p:cNvSpPr>
             <a:spLocks noGrp="1"/>
           </p:cNvSpPr>
@@ -668,64 +1277,89 @@
             <p:ph type="dt" sz="half" idx="10"/>
           </p:nvPr>
         </p:nvSpPr>
-        <p:spPr/>
+        <p:spPr>
+          <a:xfrm>
+            <a:off x="8993673" y="5956137"/>
+            <a:ext cx="1328141" cy="365125"/>
+          </a:xfrm>
+        </p:spPr>
+        <p:txBody>
+          <a:bodyPr/>
+          <a:lstStyle>
+            <a:lvl1pPr>
+              <a:defRPr>
+                <a:solidFill>
+                  <a:schemeClr val="accent1">
+                    <a:lumMod val="75000"/>
+                    <a:lumOff val="25000"/>
+                  </a:schemeClr>
+                </a:solidFill>
+              </a:defRPr>
+            </a:lvl1pPr>
+          </a:lstStyle>
+          <a:p>
+            <a:fld id="{39319B69-E452-7F41-9A32-F6B459F74D11}" type="datetimeFigureOut">
+              <a:rPr lang="en-US" smtClean="0"/>
+              <a:t>4/29/18</a:t>
+            </a:fld>
+            <a:endParaRPr lang="en-US"/>
+          </a:p>
+        </p:txBody>
+      </p:sp>
+      <p:sp>
+        <p:nvSpPr>
+          <p:cNvPr id="5" name="Footer Placeholder 4"/>
+          <p:cNvSpPr>
+            <a:spLocks noGrp="1"/>
+          </p:cNvSpPr>
+          <p:nvPr>
+            <p:ph type="ftr" sz="quarter" idx="11"/>
+          </p:nvPr>
+        </p:nvSpPr>
+        <p:spPr>
+          <a:xfrm>
+            <a:off x="774923" y="5951811"/>
+            <a:ext cx="7896279" cy="365125"/>
+          </a:xfrm>
+        </p:spPr>
         <p:txBody>
           <a:bodyPr/>
           <a:lstStyle/>
           <a:p>
-            <a:fld id="{39319B69-E452-7F41-9A32-F6B459F74D11}" type="datetimeFigureOut">
-              <a:rPr lang="en-US" smtClean="0"/>
-              <a:t>4/26/18</a:t>
-            </a:fld>
             <a:endParaRPr lang="en-US"/>
           </a:p>
         </p:txBody>
       </p:sp>
       <p:sp>
         <p:nvSpPr>
-          <p:cNvPr id="5" name="Footer Placeholder 4">
-            <a:extLst>
-              <a:ext uri="{FF2B5EF4-FFF2-40B4-BE49-F238E27FC236}">
-                <a16:creationId xmlns:a16="http://schemas.microsoft.com/office/drawing/2014/main" id="{190B53E6-EAD5-304E-92E3-77CF6D13B7C8}"/>
-              </a:ext>
-            </a:extLst>
-          </p:cNvPr>
-          <p:cNvSpPr>
-            <a:spLocks noGrp="1"/>
-          </p:cNvSpPr>
-          <p:nvPr>
-            <p:ph type="ftr" sz="quarter" idx="11"/>
-          </p:nvPr>
-        </p:nvSpPr>
-        <p:spPr/>
+          <p:cNvPr id="6" name="Slide Number Placeholder 5"/>
+          <p:cNvSpPr>
+            <a:spLocks noGrp="1"/>
+          </p:cNvSpPr>
+          <p:nvPr>
+            <p:ph type="sldNum" sz="quarter" idx="12"/>
+          </p:nvPr>
+        </p:nvSpPr>
+        <p:spPr>
+          <a:xfrm>
+            <a:off x="10446615" y="5956137"/>
+            <a:ext cx="1164195" cy="365125"/>
+          </a:xfrm>
+        </p:spPr>
         <p:txBody>
           <a:bodyPr/>
-          <a:lstStyle/>
-          <a:p>
-            <a:endParaRPr lang="en-US"/>
-          </a:p>
-        </p:txBody>
-      </p:sp>
-      <p:sp>
-        <p:nvSpPr>
-          <p:cNvPr id="6" name="Slide Number Placeholder 5">
-            <a:extLst>
-              <a:ext uri="{FF2B5EF4-FFF2-40B4-BE49-F238E27FC236}">
-                <a16:creationId xmlns:a16="http://schemas.microsoft.com/office/drawing/2014/main" id="{7F1D2BBD-98A9-BD40-8F80-02C49A30EF61}"/>
-              </a:ext>
-            </a:extLst>
-          </p:cNvPr>
-          <p:cNvSpPr>
-            <a:spLocks noGrp="1"/>
-          </p:cNvSpPr>
-          <p:nvPr>
-            <p:ph type="sldNum" sz="quarter" idx="12"/>
-          </p:nvPr>
-        </p:nvSpPr>
-        <p:spPr/>
-        <p:txBody>
-          <a:bodyPr/>
-          <a:lstStyle/>
+          <a:lstStyle>
+            <a:lvl1pPr>
+              <a:defRPr>
+                <a:solidFill>
+                  <a:schemeClr val="accent1">
+                    <a:lumMod val="75000"/>
+                    <a:lumOff val="25000"/>
+                  </a:schemeClr>
+                </a:solidFill>
+              </a:defRPr>
+            </a:lvl1pPr>
+          </a:lstStyle>
           <a:p>
             <a:fld id="{0133C027-2CB3-C042-9075-F1F49B6D1BD2}" type="slidenum">
               <a:rPr lang="en-US" smtClean="0"/>
@@ -738,7 +1372,7 @@
     </p:spTree>
     <p:extLst>
       <p:ext uri="{BB962C8B-B14F-4D97-AF65-F5344CB8AC3E}">
-        <p14:creationId xmlns:p14="http://schemas.microsoft.com/office/powerpoint/2010/main" val="2044815602"/>
+        <p14:creationId xmlns:p14="http://schemas.microsoft.com/office/powerpoint/2010/main" val="162708275"/>
       </p:ext>
     </p:extLst>
   </p:cSld>
@@ -767,13 +1401,46 @@
       </p:grpSpPr>
       <p:sp>
         <p:nvSpPr>
-          <p:cNvPr id="2" name="Title 1">
-            <a:extLst>
-              <a:ext uri="{FF2B5EF4-FFF2-40B4-BE49-F238E27FC236}">
-                <a16:creationId xmlns:a16="http://schemas.microsoft.com/office/drawing/2014/main" id="{3633A6A0-B7B1-6A46-950E-669E5D71BA3E}"/>
-              </a:ext>
-            </a:extLst>
-          </p:cNvPr>
+          <p:cNvPr id="7" name="Rectangle 6"/>
+          <p:cNvSpPr>
+            <a:spLocks noChangeAspect="1"/>
+          </p:cNvSpPr>
+          <p:nvPr/>
+        </p:nvSpPr>
+        <p:spPr>
+          <a:xfrm>
+            <a:off x="440286" y="614407"/>
+            <a:ext cx="11309338" cy="1189298"/>
+          </a:xfrm>
+          <a:prstGeom prst="rect">
+            <a:avLst/>
+          </a:prstGeom>
+          <a:solidFill>
+            <a:schemeClr val="accent1"/>
+          </a:solidFill>
+          <a:ln>
+            <a:noFill/>
+          </a:ln>
+          <a:effectLst/>
+        </p:spPr>
+        <p:style>
+          <a:lnRef idx="1">
+            <a:schemeClr val="accent1"/>
+          </a:lnRef>
+          <a:fillRef idx="3">
+            <a:schemeClr val="accent1"/>
+          </a:fillRef>
+          <a:effectRef idx="2">
+            <a:schemeClr val="accent1"/>
+          </a:effectRef>
+          <a:fontRef idx="minor">
+            <a:schemeClr val="lt1"/>
+          </a:fontRef>
+        </p:style>
+      </p:sp>
+      <p:sp>
+        <p:nvSpPr>
+          <p:cNvPr id="2" name="Title 1"/>
           <p:cNvSpPr>
             <a:spLocks noGrp="1"/>
           </p:cNvSpPr>
@@ -781,7 +1448,12 @@
             <p:ph type="title"/>
           </p:nvPr>
         </p:nvSpPr>
-        <p:spPr/>
+        <p:spPr>
+          <a:xfrm>
+            <a:off x="581192" y="702156"/>
+            <a:ext cx="11029616" cy="1013800"/>
+          </a:xfrm>
+        </p:spPr>
         <p:txBody>
           <a:bodyPr/>
           <a:lstStyle/>
@@ -790,18 +1462,13 @@
               <a:rPr lang="en-US"/>
               <a:t>Click to edit Master title style</a:t>
             </a:r>
-          </a:p>
-        </p:txBody>
-      </p:sp>
-      <p:sp>
-        <p:nvSpPr>
-          <p:cNvPr id="3" name="Content Placeholder 2">
-            <a:extLst>
-              <a:ext uri="{FF2B5EF4-FFF2-40B4-BE49-F238E27FC236}">
-                <a16:creationId xmlns:a16="http://schemas.microsoft.com/office/drawing/2014/main" id="{020EA259-96EE-C04C-88B8-B06AA1FB6D48}"/>
-              </a:ext>
-            </a:extLst>
-          </p:cNvPr>
+            <a:endParaRPr lang="en-US" dirty="0"/>
+          </a:p>
+        </p:txBody>
+      </p:sp>
+      <p:sp>
+        <p:nvSpPr>
+          <p:cNvPr id="3" name="Content Placeholder 2"/>
           <p:cNvSpPr>
             <a:spLocks noGrp="1"/>
           </p:cNvSpPr>
@@ -809,7 +1476,12 @@
             <p:ph idx="1"/>
           </p:nvPr>
         </p:nvSpPr>
-        <p:spPr/>
+        <p:spPr>
+          <a:xfrm>
+            <a:off x="581192" y="2180496"/>
+            <a:ext cx="11029615" cy="3678303"/>
+          </a:xfrm>
+        </p:spPr>
         <p:txBody>
           <a:bodyPr/>
           <a:lstStyle/>
@@ -847,18 +1519,13 @@
               <a:rPr lang="en-US"/>
               <a:t>Fifth level</a:t>
             </a:r>
-          </a:p>
-        </p:txBody>
-      </p:sp>
-      <p:sp>
-        <p:nvSpPr>
-          <p:cNvPr id="4" name="Date Placeholder 3">
-            <a:extLst>
-              <a:ext uri="{FF2B5EF4-FFF2-40B4-BE49-F238E27FC236}">
-                <a16:creationId xmlns:a16="http://schemas.microsoft.com/office/drawing/2014/main" id="{352C40AA-94A3-1245-B95C-1073D8B92A9C}"/>
-              </a:ext>
-            </a:extLst>
-          </p:cNvPr>
+            <a:endParaRPr lang="en-US" dirty="0"/>
+          </a:p>
+        </p:txBody>
+      </p:sp>
+      <p:sp>
+        <p:nvSpPr>
+          <p:cNvPr id="4" name="Date Placeholder 3"/>
           <p:cNvSpPr>
             <a:spLocks noGrp="1"/>
           </p:cNvSpPr>
@@ -873,7 +1540,7 @@
           <a:p>
             <a:fld id="{39319B69-E452-7F41-9A32-F6B459F74D11}" type="datetimeFigureOut">
               <a:rPr lang="en-US" smtClean="0"/>
-              <a:t>4/26/18</a:t>
+              <a:t>4/29/18</a:t>
             </a:fld>
             <a:endParaRPr lang="en-US"/>
           </a:p>
@@ -881,13 +1548,7 @@
       </p:sp>
       <p:sp>
         <p:nvSpPr>
-          <p:cNvPr id="5" name="Footer Placeholder 4">
-            <a:extLst>
-              <a:ext uri="{FF2B5EF4-FFF2-40B4-BE49-F238E27FC236}">
-                <a16:creationId xmlns:a16="http://schemas.microsoft.com/office/drawing/2014/main" id="{46407EEF-810F-944B-B725-7DFDF89A2090}"/>
-              </a:ext>
-            </a:extLst>
-          </p:cNvPr>
+          <p:cNvPr id="5" name="Footer Placeholder 4"/>
           <p:cNvSpPr>
             <a:spLocks noGrp="1"/>
           </p:cNvSpPr>
@@ -906,13 +1567,7 @@
       </p:sp>
       <p:sp>
         <p:nvSpPr>
-          <p:cNvPr id="6" name="Slide Number Placeholder 5">
-            <a:extLst>
-              <a:ext uri="{FF2B5EF4-FFF2-40B4-BE49-F238E27FC236}">
-                <a16:creationId xmlns:a16="http://schemas.microsoft.com/office/drawing/2014/main" id="{D689DAAF-7E4B-8846-A520-E7D203466CB4}"/>
-              </a:ext>
-            </a:extLst>
-          </p:cNvPr>
+          <p:cNvPr id="6" name="Slide Number Placeholder 5"/>
           <p:cNvSpPr>
             <a:spLocks noGrp="1"/>
           </p:cNvSpPr>
@@ -920,7 +1575,12 @@
             <p:ph type="sldNum" sz="quarter" idx="12"/>
           </p:nvPr>
         </p:nvSpPr>
-        <p:spPr/>
+        <p:spPr>
+          <a:xfrm>
+            <a:off x="10558300" y="5956137"/>
+            <a:ext cx="1052508" cy="365125"/>
+          </a:xfrm>
+        </p:spPr>
         <p:txBody>
           <a:bodyPr/>
           <a:lstStyle/>
@@ -936,7 +1596,7 @@
     </p:spTree>
     <p:extLst>
       <p:ext uri="{BB962C8B-B14F-4D97-AF65-F5344CB8AC3E}">
-        <p14:creationId xmlns:p14="http://schemas.microsoft.com/office/powerpoint/2010/main" val="649869977"/>
+        <p14:creationId xmlns:p14="http://schemas.microsoft.com/office/powerpoint/2010/main" val="241493005"/>
       </p:ext>
     </p:extLst>
   </p:cSld>
@@ -965,31 +1625,70 @@
       </p:grpSpPr>
       <p:sp>
         <p:nvSpPr>
-          <p:cNvPr id="2" name="Title 1">
-            <a:extLst>
-              <a:ext uri="{FF2B5EF4-FFF2-40B4-BE49-F238E27FC236}">
-                <a16:creationId xmlns:a16="http://schemas.microsoft.com/office/drawing/2014/main" id="{0455D5B4-8099-854D-B3A7-503AE55D200D}"/>
-              </a:ext>
-            </a:extLst>
-          </p:cNvPr>
-          <p:cNvSpPr>
-            <a:spLocks noGrp="1"/>
-          </p:cNvSpPr>
-          <p:nvPr>
-            <p:ph type="title"/>
-          </p:nvPr>
+          <p:cNvPr id="8" name="Rectangle 7"/>
+          <p:cNvSpPr>
+            <a:spLocks noChangeAspect="1"/>
+          </p:cNvSpPr>
+          <p:nvPr/>
         </p:nvSpPr>
         <p:spPr>
           <a:xfrm>
-            <a:off x="831850" y="1709738"/>
-            <a:ext cx="10515600" cy="2852737"/>
+            <a:off x="447817" y="5141974"/>
+            <a:ext cx="11290860" cy="1258827"/>
+          </a:xfrm>
+          <a:prstGeom prst="rect">
+            <a:avLst/>
+          </a:prstGeom>
+          <a:solidFill>
+            <a:schemeClr val="accent1"/>
+          </a:solidFill>
+          <a:ln>
+            <a:noFill/>
+          </a:ln>
+          <a:effectLst/>
+        </p:spPr>
+        <p:style>
+          <a:lnRef idx="1">
+            <a:schemeClr val="accent1"/>
+          </a:lnRef>
+          <a:fillRef idx="3">
+            <a:schemeClr val="accent1"/>
+          </a:fillRef>
+          <a:effectRef idx="2">
+            <a:schemeClr val="accent1"/>
+          </a:effectRef>
+          <a:fontRef idx="minor">
+            <a:schemeClr val="lt1"/>
+          </a:fontRef>
+        </p:style>
+      </p:sp>
+      <p:sp>
+        <p:nvSpPr>
+          <p:cNvPr id="2" name="Title 1"/>
+          <p:cNvSpPr>
+            <a:spLocks noGrp="1"/>
+          </p:cNvSpPr>
+          <p:nvPr>
+            <p:ph type="title"/>
+          </p:nvPr>
+        </p:nvSpPr>
+        <p:spPr>
+          <a:xfrm>
+            <a:off x="581193" y="3043910"/>
+            <a:ext cx="11029615" cy="1497507"/>
           </a:xfrm>
         </p:spPr>
         <p:txBody>
-          <a:bodyPr anchor="b"/>
+          <a:bodyPr anchor="b">
+            <a:normAutofit/>
+          </a:bodyPr>
           <a:lstStyle>
-            <a:lvl1pPr>
-              <a:defRPr sz="6000"/>
+            <a:lvl1pPr algn="l">
+              <a:defRPr sz="3600" b="0" cap="all">
+                <a:solidFill>
+                  <a:schemeClr val="accent1"/>
+                </a:solidFill>
+              </a:defRPr>
             </a:lvl1pPr>
           </a:lstStyle>
           <a:p>
@@ -997,18 +1696,13 @@
               <a:rPr lang="en-US"/>
               <a:t>Click to edit Master title style</a:t>
             </a:r>
-          </a:p>
-        </p:txBody>
-      </p:sp>
-      <p:sp>
-        <p:nvSpPr>
-          <p:cNvPr id="3" name="Text Placeholder 2">
-            <a:extLst>
-              <a:ext uri="{FF2B5EF4-FFF2-40B4-BE49-F238E27FC236}">
-                <a16:creationId xmlns:a16="http://schemas.microsoft.com/office/drawing/2014/main" id="{1E492801-14EB-5440-9225-ABFEB7D978F4}"/>
-              </a:ext>
-            </a:extLst>
-          </p:cNvPr>
+            <a:endParaRPr lang="en-US" dirty="0"/>
+          </a:p>
+        </p:txBody>
+      </p:sp>
+      <p:sp>
+        <p:nvSpPr>
+          <p:cNvPr id="3" name="Text Placeholder 2"/>
           <p:cNvSpPr>
             <a:spLocks noGrp="1"/>
           </p:cNvSpPr>
@@ -1018,26 +1712,26 @@
         </p:nvSpPr>
         <p:spPr>
           <a:xfrm>
-            <a:off x="831850" y="4589463"/>
-            <a:ext cx="10515600" cy="1500187"/>
+            <a:off x="581192" y="4541417"/>
+            <a:ext cx="11029615" cy="600556"/>
           </a:xfrm>
         </p:spPr>
         <p:txBody>
-          <a:bodyPr/>
+          <a:bodyPr anchor="t">
+            <a:normAutofit/>
+          </a:bodyPr>
           <a:lstStyle>
-            <a:lvl1pPr marL="0" indent="0">
-              <a:buNone/>
-              <a:defRPr sz="2400">
+            <a:lvl1pPr marL="0" indent="0" algn="l">
+              <a:buNone/>
+              <a:defRPr sz="1800" cap="all">
                 <a:solidFill>
-                  <a:schemeClr val="tx1">
-                    <a:tint val="75000"/>
-                  </a:schemeClr>
+                  <a:schemeClr val="accent2"/>
                 </a:solidFill>
               </a:defRPr>
             </a:lvl1pPr>
             <a:lvl2pPr marL="457200" indent="0">
               <a:buNone/>
-              <a:defRPr sz="2000">
+              <a:defRPr sz="1800">
                 <a:solidFill>
                   <a:schemeClr val="tx1">
                     <a:tint val="75000"/>
@@ -1047,7 +1741,7 @@
             </a:lvl2pPr>
             <a:lvl3pPr marL="914400" indent="0">
               <a:buNone/>
-              <a:defRPr sz="1800">
+              <a:defRPr sz="1600">
                 <a:solidFill>
                   <a:schemeClr val="tx1">
                     <a:tint val="75000"/>
@@ -1057,7 +1751,7 @@
             </a:lvl3pPr>
             <a:lvl4pPr marL="1371600" indent="0">
               <a:buNone/>
-              <a:defRPr sz="1600">
+              <a:defRPr sz="1400">
                 <a:solidFill>
                   <a:schemeClr val="tx1">
                     <a:tint val="75000"/>
@@ -1067,7 +1761,7 @@
             </a:lvl4pPr>
             <a:lvl5pPr marL="1828800" indent="0">
               <a:buNone/>
-              <a:defRPr sz="1600">
+              <a:defRPr sz="1400">
                 <a:solidFill>
                   <a:schemeClr val="tx1">
                     <a:tint val="75000"/>
@@ -1077,7 +1771,7 @@
             </a:lvl5pPr>
             <a:lvl6pPr marL="2286000" indent="0">
               <a:buNone/>
-              <a:defRPr sz="1600">
+              <a:defRPr sz="1400">
                 <a:solidFill>
                   <a:schemeClr val="tx1">
                     <a:tint val="75000"/>
@@ -1087,7 +1781,7 @@
             </a:lvl6pPr>
             <a:lvl7pPr marL="2743200" indent="0">
               <a:buNone/>
-              <a:defRPr sz="1600">
+              <a:defRPr sz="1400">
                 <a:solidFill>
                   <a:schemeClr val="tx1">
                     <a:tint val="75000"/>
@@ -1097,7 +1791,7 @@
             </a:lvl7pPr>
             <a:lvl8pPr marL="3200400" indent="0">
               <a:buNone/>
-              <a:defRPr sz="1600">
+              <a:defRPr sz="1400">
                 <a:solidFill>
                   <a:schemeClr val="tx1">
                     <a:tint val="75000"/>
@@ -1107,7 +1801,7 @@
             </a:lvl8pPr>
             <a:lvl9pPr marL="3657600" indent="0">
               <a:buNone/>
-              <a:defRPr sz="1600">
+              <a:defRPr sz="1400">
                 <a:solidFill>
                   <a:schemeClr val="tx1">
                     <a:tint val="75000"/>
@@ -1127,13 +1821,7 @@
       </p:sp>
       <p:sp>
         <p:nvSpPr>
-          <p:cNvPr id="4" name="Date Placeholder 3">
-            <a:extLst>
-              <a:ext uri="{FF2B5EF4-FFF2-40B4-BE49-F238E27FC236}">
-                <a16:creationId xmlns:a16="http://schemas.microsoft.com/office/drawing/2014/main" id="{457661A5-386E-CC4E-9776-F5741C5C7D3F}"/>
-              </a:ext>
-            </a:extLst>
-          </p:cNvPr>
+          <p:cNvPr id="4" name="Date Placeholder 3"/>
           <p:cNvSpPr>
             <a:spLocks noGrp="1"/>
           </p:cNvSpPr>
@@ -1144,11 +1832,22 @@
         <p:spPr/>
         <p:txBody>
           <a:bodyPr/>
-          <a:lstStyle/>
+          <a:lstStyle>
+            <a:lvl1pPr>
+              <a:defRPr>
+                <a:solidFill>
+                  <a:schemeClr val="accent1">
+                    <a:lumMod val="75000"/>
+                    <a:lumOff val="25000"/>
+                  </a:schemeClr>
+                </a:solidFill>
+              </a:defRPr>
+            </a:lvl1pPr>
+          </a:lstStyle>
           <a:p>
             <a:fld id="{39319B69-E452-7F41-9A32-F6B459F74D11}" type="datetimeFigureOut">
               <a:rPr lang="en-US" smtClean="0"/>
-              <a:t>4/26/18</a:t>
+              <a:t>4/29/18</a:t>
             </a:fld>
             <a:endParaRPr lang="en-US"/>
           </a:p>
@@ -1156,13 +1855,7 @@
       </p:sp>
       <p:sp>
         <p:nvSpPr>
-          <p:cNvPr id="5" name="Footer Placeholder 4">
-            <a:extLst>
-              <a:ext uri="{FF2B5EF4-FFF2-40B4-BE49-F238E27FC236}">
-                <a16:creationId xmlns:a16="http://schemas.microsoft.com/office/drawing/2014/main" id="{38744EFD-95B1-6A45-9EAD-C71873C1492F}"/>
-              </a:ext>
-            </a:extLst>
-          </p:cNvPr>
+          <p:cNvPr id="5" name="Footer Placeholder 4"/>
           <p:cNvSpPr>
             <a:spLocks noGrp="1"/>
           </p:cNvSpPr>
@@ -1173,7 +1866,18 @@
         <p:spPr/>
         <p:txBody>
           <a:bodyPr/>
-          <a:lstStyle/>
+          <a:lstStyle>
+            <a:lvl1pPr>
+              <a:defRPr>
+                <a:solidFill>
+                  <a:schemeClr val="accent1">
+                    <a:lumMod val="75000"/>
+                    <a:lumOff val="25000"/>
+                  </a:schemeClr>
+                </a:solidFill>
+              </a:defRPr>
+            </a:lvl1pPr>
+          </a:lstStyle>
           <a:p>
             <a:endParaRPr lang="en-US"/>
           </a:p>
@@ -1181,13 +1885,7 @@
       </p:sp>
       <p:sp>
         <p:nvSpPr>
-          <p:cNvPr id="6" name="Slide Number Placeholder 5">
-            <a:extLst>
-              <a:ext uri="{FF2B5EF4-FFF2-40B4-BE49-F238E27FC236}">
-                <a16:creationId xmlns:a16="http://schemas.microsoft.com/office/drawing/2014/main" id="{7896E3E3-D960-AF46-A02D-AAF641FFC516}"/>
-              </a:ext>
-            </a:extLst>
-          </p:cNvPr>
+          <p:cNvPr id="6" name="Slide Number Placeholder 5"/>
           <p:cNvSpPr>
             <a:spLocks noGrp="1"/>
           </p:cNvSpPr>
@@ -1198,7 +1896,18 @@
         <p:spPr/>
         <p:txBody>
           <a:bodyPr/>
-          <a:lstStyle/>
+          <a:lstStyle>
+            <a:lvl1pPr>
+              <a:defRPr>
+                <a:solidFill>
+                  <a:schemeClr val="accent1">
+                    <a:lumMod val="75000"/>
+                    <a:lumOff val="25000"/>
+                  </a:schemeClr>
+                </a:solidFill>
+              </a:defRPr>
+            </a:lvl1pPr>
+          </a:lstStyle>
           <a:p>
             <a:fld id="{0133C027-2CB3-C042-9075-F1F49B6D1BD2}" type="slidenum">
               <a:rPr lang="en-US" smtClean="0"/>
@@ -1211,7 +1920,7 @@
     </p:spTree>
     <p:extLst>
       <p:ext uri="{BB962C8B-B14F-4D97-AF65-F5344CB8AC3E}">
-        <p14:creationId xmlns:p14="http://schemas.microsoft.com/office/powerpoint/2010/main" val="2430644382"/>
+        <p14:creationId xmlns:p14="http://schemas.microsoft.com/office/powerpoint/2010/main" val="596056305"/>
       </p:ext>
     </p:extLst>
   </p:cSld>
@@ -1240,13 +1949,46 @@
       </p:grpSpPr>
       <p:sp>
         <p:nvSpPr>
-          <p:cNvPr id="2" name="Title 1">
-            <a:extLst>
-              <a:ext uri="{FF2B5EF4-FFF2-40B4-BE49-F238E27FC236}">
-                <a16:creationId xmlns:a16="http://schemas.microsoft.com/office/drawing/2014/main" id="{B81B554A-CDA8-164F-BA2E-1ED5A4DB2F53}"/>
-              </a:ext>
-            </a:extLst>
-          </p:cNvPr>
+          <p:cNvPr id="8" name="Rectangle 7"/>
+          <p:cNvSpPr>
+            <a:spLocks noChangeAspect="1"/>
+          </p:cNvSpPr>
+          <p:nvPr/>
+        </p:nvSpPr>
+        <p:spPr>
+          <a:xfrm>
+            <a:off x="445982" y="606554"/>
+            <a:ext cx="11300036" cy="1258827"/>
+          </a:xfrm>
+          <a:prstGeom prst="rect">
+            <a:avLst/>
+          </a:prstGeom>
+          <a:solidFill>
+            <a:schemeClr val="accent1"/>
+          </a:solidFill>
+          <a:ln>
+            <a:noFill/>
+          </a:ln>
+          <a:effectLst/>
+        </p:spPr>
+        <p:style>
+          <a:lnRef idx="1">
+            <a:schemeClr val="accent1"/>
+          </a:lnRef>
+          <a:fillRef idx="3">
+            <a:schemeClr val="accent1"/>
+          </a:fillRef>
+          <a:effectRef idx="2">
+            <a:schemeClr val="accent1"/>
+          </a:effectRef>
+          <a:fontRef idx="minor">
+            <a:schemeClr val="lt1"/>
+          </a:fontRef>
+        </p:style>
+      </p:sp>
+      <p:sp>
+        <p:nvSpPr>
+          <p:cNvPr id="2" name="Title 1"/>
           <p:cNvSpPr>
             <a:spLocks noGrp="1"/>
           </p:cNvSpPr>
@@ -1254,7 +1996,12 @@
             <p:ph type="title"/>
           </p:nvPr>
         </p:nvSpPr>
-        <p:spPr/>
+        <p:spPr>
+          <a:xfrm>
+            <a:off x="581193" y="729658"/>
+            <a:ext cx="11029616" cy="988332"/>
+          </a:xfrm>
+        </p:spPr>
         <p:txBody>
           <a:bodyPr/>
           <a:lstStyle/>
@@ -1263,18 +2010,13 @@
               <a:rPr lang="en-US"/>
               <a:t>Click to edit Master title style</a:t>
             </a:r>
-          </a:p>
-        </p:txBody>
-      </p:sp>
-      <p:sp>
-        <p:nvSpPr>
-          <p:cNvPr id="3" name="Content Placeholder 2">
-            <a:extLst>
-              <a:ext uri="{FF2B5EF4-FFF2-40B4-BE49-F238E27FC236}">
-                <a16:creationId xmlns:a16="http://schemas.microsoft.com/office/drawing/2014/main" id="{51A6CA1D-DEF9-9F4B-A471-84AF1F2686C6}"/>
-              </a:ext>
-            </a:extLst>
-          </p:cNvPr>
+            <a:endParaRPr lang="en-US" dirty="0"/>
+          </a:p>
+        </p:txBody>
+      </p:sp>
+      <p:sp>
+        <p:nvSpPr>
+          <p:cNvPr id="3" name="Content Placeholder 2"/>
           <p:cNvSpPr>
             <a:spLocks noGrp="1"/>
           </p:cNvSpPr>
@@ -1284,175 +2026,157 @@
         </p:nvSpPr>
         <p:spPr>
           <a:xfrm>
-            <a:off x="838200" y="1825625"/>
-            <a:ext cx="5181600" cy="4351338"/>
+            <a:off x="581193" y="2228003"/>
+            <a:ext cx="5422390" cy="3633047"/>
           </a:xfrm>
         </p:spPr>
         <p:txBody>
+          <a:bodyPr>
+            <a:normAutofit/>
+          </a:bodyPr>
+          <a:lstStyle/>
+          <a:p>
+            <a:pPr lvl="0"/>
+            <a:r>
+              <a:rPr lang="en-US"/>
+              <a:t>Edit Master text styles</a:t>
+            </a:r>
+          </a:p>
+          <a:p>
+            <a:pPr lvl="1"/>
+            <a:r>
+              <a:rPr lang="en-US"/>
+              <a:t>Second level</a:t>
+            </a:r>
+          </a:p>
+          <a:p>
+            <a:pPr lvl="2"/>
+            <a:r>
+              <a:rPr lang="en-US"/>
+              <a:t>Third level</a:t>
+            </a:r>
+          </a:p>
+          <a:p>
+            <a:pPr lvl="3"/>
+            <a:r>
+              <a:rPr lang="en-US"/>
+              <a:t>Fourth level</a:t>
+            </a:r>
+          </a:p>
+          <a:p>
+            <a:pPr lvl="4"/>
+            <a:r>
+              <a:rPr lang="en-US"/>
+              <a:t>Fifth level</a:t>
+            </a:r>
+            <a:endParaRPr lang="en-US" dirty="0"/>
+          </a:p>
+        </p:txBody>
+      </p:sp>
+      <p:sp>
+        <p:nvSpPr>
+          <p:cNvPr id="4" name="Content Placeholder 3"/>
+          <p:cNvSpPr>
+            <a:spLocks noGrp="1"/>
+          </p:cNvSpPr>
+          <p:nvPr>
+            <p:ph sz="half" idx="2"/>
+          </p:nvPr>
+        </p:nvSpPr>
+        <p:spPr>
+          <a:xfrm>
+            <a:off x="6188417" y="2228003"/>
+            <a:ext cx="5422392" cy="3633047"/>
+          </a:xfrm>
+        </p:spPr>
+        <p:txBody>
+          <a:bodyPr>
+            <a:normAutofit/>
+          </a:bodyPr>
+          <a:lstStyle/>
+          <a:p>
+            <a:pPr lvl="0"/>
+            <a:r>
+              <a:rPr lang="en-US"/>
+              <a:t>Edit Master text styles</a:t>
+            </a:r>
+          </a:p>
+          <a:p>
+            <a:pPr lvl="1"/>
+            <a:r>
+              <a:rPr lang="en-US"/>
+              <a:t>Second level</a:t>
+            </a:r>
+          </a:p>
+          <a:p>
+            <a:pPr lvl="2"/>
+            <a:r>
+              <a:rPr lang="en-US"/>
+              <a:t>Third level</a:t>
+            </a:r>
+          </a:p>
+          <a:p>
+            <a:pPr lvl="3"/>
+            <a:r>
+              <a:rPr lang="en-US"/>
+              <a:t>Fourth level</a:t>
+            </a:r>
+          </a:p>
+          <a:p>
+            <a:pPr lvl="4"/>
+            <a:r>
+              <a:rPr lang="en-US"/>
+              <a:t>Fifth level</a:t>
+            </a:r>
+            <a:endParaRPr lang="en-US" dirty="0"/>
+          </a:p>
+        </p:txBody>
+      </p:sp>
+      <p:sp>
+        <p:nvSpPr>
+          <p:cNvPr id="5" name="Date Placeholder 4"/>
+          <p:cNvSpPr>
+            <a:spLocks noGrp="1"/>
+          </p:cNvSpPr>
+          <p:nvPr>
+            <p:ph type="dt" sz="half" idx="10"/>
+          </p:nvPr>
+        </p:nvSpPr>
+        <p:spPr/>
+        <p:txBody>
           <a:bodyPr/>
           <a:lstStyle/>
           <a:p>
-            <a:pPr lvl="0"/>
-            <a:r>
-              <a:rPr lang="en-US"/>
-              <a:t>Edit Master text styles</a:t>
-            </a:r>
-          </a:p>
-          <a:p>
-            <a:pPr lvl="1"/>
-            <a:r>
-              <a:rPr lang="en-US"/>
-              <a:t>Second level</a:t>
-            </a:r>
-          </a:p>
-          <a:p>
-            <a:pPr lvl="2"/>
-            <a:r>
-              <a:rPr lang="en-US"/>
-              <a:t>Third level</a:t>
-            </a:r>
-          </a:p>
-          <a:p>
-            <a:pPr lvl="3"/>
-            <a:r>
-              <a:rPr lang="en-US"/>
-              <a:t>Fourth level</a:t>
-            </a:r>
-          </a:p>
-          <a:p>
-            <a:pPr lvl="4"/>
-            <a:r>
-              <a:rPr lang="en-US"/>
-              <a:t>Fifth level</a:t>
-            </a:r>
-          </a:p>
-        </p:txBody>
-      </p:sp>
-      <p:sp>
-        <p:nvSpPr>
-          <p:cNvPr id="4" name="Content Placeholder 3">
-            <a:extLst>
-              <a:ext uri="{FF2B5EF4-FFF2-40B4-BE49-F238E27FC236}">
-                <a16:creationId xmlns:a16="http://schemas.microsoft.com/office/drawing/2014/main" id="{01EB9470-E70B-694B-83EA-4A09C42B4211}"/>
-              </a:ext>
-            </a:extLst>
-          </p:cNvPr>
-          <p:cNvSpPr>
-            <a:spLocks noGrp="1"/>
-          </p:cNvSpPr>
-          <p:nvPr>
-            <p:ph sz="half" idx="2"/>
-          </p:nvPr>
-        </p:nvSpPr>
-        <p:spPr>
-          <a:xfrm>
-            <a:off x="6172200" y="1825625"/>
-            <a:ext cx="5181600" cy="4351338"/>
-          </a:xfrm>
-        </p:spPr>
+            <a:fld id="{39319B69-E452-7F41-9A32-F6B459F74D11}" type="datetimeFigureOut">
+              <a:rPr lang="en-US" smtClean="0"/>
+              <a:t>4/29/18</a:t>
+            </a:fld>
+            <a:endParaRPr lang="en-US"/>
+          </a:p>
+        </p:txBody>
+      </p:sp>
+      <p:sp>
+        <p:nvSpPr>
+          <p:cNvPr id="6" name="Footer Placeholder 5"/>
+          <p:cNvSpPr>
+            <a:spLocks noGrp="1"/>
+          </p:cNvSpPr>
+          <p:nvPr>
+            <p:ph type="ftr" sz="quarter" idx="11"/>
+          </p:nvPr>
+        </p:nvSpPr>
+        <p:spPr/>
         <p:txBody>
           <a:bodyPr/>
           <a:lstStyle/>
           <a:p>
-            <a:pPr lvl="0"/>
-            <a:r>
-              <a:rPr lang="en-US"/>
-              <a:t>Edit Master text styles</a:t>
-            </a:r>
-          </a:p>
-          <a:p>
-            <a:pPr lvl="1"/>
-            <a:r>
-              <a:rPr lang="en-US"/>
-              <a:t>Second level</a:t>
-            </a:r>
-          </a:p>
-          <a:p>
-            <a:pPr lvl="2"/>
-            <a:r>
-              <a:rPr lang="en-US"/>
-              <a:t>Third level</a:t>
-            </a:r>
-          </a:p>
-          <a:p>
-            <a:pPr lvl="3"/>
-            <a:r>
-              <a:rPr lang="en-US"/>
-              <a:t>Fourth level</a:t>
-            </a:r>
-          </a:p>
-          <a:p>
-            <a:pPr lvl="4"/>
-            <a:r>
-              <a:rPr lang="en-US"/>
-              <a:t>Fifth level</a:t>
-            </a:r>
-          </a:p>
-        </p:txBody>
-      </p:sp>
-      <p:sp>
-        <p:nvSpPr>
-          <p:cNvPr id="5" name="Date Placeholder 4">
-            <a:extLst>
-              <a:ext uri="{FF2B5EF4-FFF2-40B4-BE49-F238E27FC236}">
-                <a16:creationId xmlns:a16="http://schemas.microsoft.com/office/drawing/2014/main" id="{595FFB5C-AD47-424C-BDC8-CEB908FB1357}"/>
-              </a:ext>
-            </a:extLst>
-          </p:cNvPr>
-          <p:cNvSpPr>
-            <a:spLocks noGrp="1"/>
-          </p:cNvSpPr>
-          <p:nvPr>
-            <p:ph type="dt" sz="half" idx="10"/>
-          </p:nvPr>
-        </p:nvSpPr>
-        <p:spPr/>
-        <p:txBody>
-          <a:bodyPr/>
-          <a:lstStyle/>
-          <a:p>
-            <a:fld id="{39319B69-E452-7F41-9A32-F6B459F74D11}" type="datetimeFigureOut">
-              <a:rPr lang="en-US" smtClean="0"/>
-              <a:t>4/26/18</a:t>
-            </a:fld>
             <a:endParaRPr lang="en-US"/>
           </a:p>
         </p:txBody>
       </p:sp>
       <p:sp>
         <p:nvSpPr>
-          <p:cNvPr id="6" name="Footer Placeholder 5">
-            <a:extLst>
-              <a:ext uri="{FF2B5EF4-FFF2-40B4-BE49-F238E27FC236}">
-                <a16:creationId xmlns:a16="http://schemas.microsoft.com/office/drawing/2014/main" id="{143FEFC6-F5AD-7B45-9669-77F4375A957B}"/>
-              </a:ext>
-            </a:extLst>
-          </p:cNvPr>
-          <p:cNvSpPr>
-            <a:spLocks noGrp="1"/>
-          </p:cNvSpPr>
-          <p:nvPr>
-            <p:ph type="ftr" sz="quarter" idx="11"/>
-          </p:nvPr>
-        </p:nvSpPr>
-        <p:spPr/>
-        <p:txBody>
-          <a:bodyPr/>
-          <a:lstStyle/>
-          <a:p>
-            <a:endParaRPr lang="en-US"/>
-          </a:p>
-        </p:txBody>
-      </p:sp>
-      <p:sp>
-        <p:nvSpPr>
-          <p:cNvPr id="7" name="Slide Number Placeholder 6">
-            <a:extLst>
-              <a:ext uri="{FF2B5EF4-FFF2-40B4-BE49-F238E27FC236}">
-                <a16:creationId xmlns:a16="http://schemas.microsoft.com/office/drawing/2014/main" id="{198DFBE4-1A4B-6442-A93E-5DCDA9907EE1}"/>
-              </a:ext>
-            </a:extLst>
-          </p:cNvPr>
+          <p:cNvPr id="7" name="Slide Number Placeholder 6"/>
           <p:cNvSpPr>
             <a:spLocks noGrp="1"/>
           </p:cNvSpPr>
@@ -1476,7 +2200,7 @@
     </p:spTree>
     <p:extLst>
       <p:ext uri="{BB962C8B-B14F-4D97-AF65-F5344CB8AC3E}">
-        <p14:creationId xmlns:p14="http://schemas.microsoft.com/office/powerpoint/2010/main" val="3214760051"/>
+        <p14:creationId xmlns:p14="http://schemas.microsoft.com/office/powerpoint/2010/main" val="1755146585"/>
       </p:ext>
     </p:extLst>
   </p:cSld>
@@ -1505,24 +2229,57 @@
       </p:grpSpPr>
       <p:sp>
         <p:nvSpPr>
-          <p:cNvPr id="2" name="Title 1">
-            <a:extLst>
-              <a:ext uri="{FF2B5EF4-FFF2-40B4-BE49-F238E27FC236}">
-                <a16:creationId xmlns:a16="http://schemas.microsoft.com/office/drawing/2014/main" id="{3694CE0C-4CEA-6849-ABDD-7D62B193E8C5}"/>
-              </a:ext>
-            </a:extLst>
-          </p:cNvPr>
-          <p:cNvSpPr>
-            <a:spLocks noGrp="1"/>
-          </p:cNvSpPr>
-          <p:nvPr>
-            <p:ph type="title"/>
-          </p:nvPr>
+          <p:cNvPr id="11" name="Rectangle 10"/>
+          <p:cNvSpPr>
+            <a:spLocks noChangeAspect="1"/>
+          </p:cNvSpPr>
+          <p:nvPr/>
         </p:nvSpPr>
         <p:spPr>
           <a:xfrm>
-            <a:off x="839788" y="365125"/>
-            <a:ext cx="10515600" cy="1325563"/>
+            <a:off x="445982" y="606554"/>
+            <a:ext cx="11300036" cy="1258827"/>
+          </a:xfrm>
+          <a:prstGeom prst="rect">
+            <a:avLst/>
+          </a:prstGeom>
+          <a:solidFill>
+            <a:schemeClr val="accent1"/>
+          </a:solidFill>
+          <a:ln>
+            <a:noFill/>
+          </a:ln>
+          <a:effectLst/>
+        </p:spPr>
+        <p:style>
+          <a:lnRef idx="1">
+            <a:schemeClr val="accent1"/>
+          </a:lnRef>
+          <a:fillRef idx="3">
+            <a:schemeClr val="accent1"/>
+          </a:fillRef>
+          <a:effectRef idx="2">
+            <a:schemeClr val="accent1"/>
+          </a:effectRef>
+          <a:fontRef idx="minor">
+            <a:schemeClr val="lt1"/>
+          </a:fontRef>
+        </p:style>
+      </p:sp>
+      <p:sp>
+        <p:nvSpPr>
+          <p:cNvPr id="12" name="Title 1"/>
+          <p:cNvSpPr>
+            <a:spLocks noGrp="1"/>
+          </p:cNvSpPr>
+          <p:nvPr>
+            <p:ph type="title"/>
+          </p:nvPr>
+        </p:nvSpPr>
+        <p:spPr>
+          <a:xfrm>
+            <a:off x="581193" y="729658"/>
+            <a:ext cx="11029616" cy="988332"/>
           </a:xfrm>
         </p:spPr>
         <p:txBody>
@@ -1533,18 +2290,13 @@
               <a:rPr lang="en-US"/>
               <a:t>Click to edit Master title style</a:t>
             </a:r>
-          </a:p>
-        </p:txBody>
-      </p:sp>
-      <p:sp>
-        <p:nvSpPr>
-          <p:cNvPr id="3" name="Text Placeholder 2">
-            <a:extLst>
-              <a:ext uri="{FF2B5EF4-FFF2-40B4-BE49-F238E27FC236}">
-                <a16:creationId xmlns:a16="http://schemas.microsoft.com/office/drawing/2014/main" id="{F60E5C8C-787A-8A42-840D-A3E7DDE05C5A}"/>
-              </a:ext>
-            </a:extLst>
-          </p:cNvPr>
+            <a:endParaRPr lang="en-US" dirty="0"/>
+          </a:p>
+        </p:txBody>
+      </p:sp>
+      <p:sp>
+        <p:nvSpPr>
+          <p:cNvPr id="3" name="Text Placeholder 2"/>
           <p:cNvSpPr>
             <a:spLocks noGrp="1"/>
           </p:cNvSpPr>
@@ -1554,16 +2306,22 @@
         </p:nvSpPr>
         <p:spPr>
           <a:xfrm>
-            <a:off x="839788" y="1681163"/>
-            <a:ext cx="5157787" cy="823912"/>
+            <a:off x="887219" y="2250892"/>
+            <a:ext cx="5087075" cy="536005"/>
           </a:xfrm>
         </p:spPr>
         <p:txBody>
-          <a:bodyPr anchor="b"/>
+          <a:bodyPr anchor="b">
+            <a:noAutofit/>
+          </a:bodyPr>
           <a:lstStyle>
             <a:lvl1pPr marL="0" indent="0">
               <a:buNone/>
-              <a:defRPr sz="2400" b="1"/>
+              <a:defRPr sz="2200" b="0">
+                <a:solidFill>
+                  <a:schemeClr val="accent2"/>
+                </a:solidFill>
+              </a:defRPr>
             </a:lvl1pPr>
             <a:lvl2pPr marL="457200" indent="0">
               <a:buNone/>
@@ -1609,13 +2367,7 @@
       </p:sp>
       <p:sp>
         <p:nvSpPr>
-          <p:cNvPr id="4" name="Content Placeholder 3">
-            <a:extLst>
-              <a:ext uri="{FF2B5EF4-FFF2-40B4-BE49-F238E27FC236}">
-                <a16:creationId xmlns:a16="http://schemas.microsoft.com/office/drawing/2014/main" id="{5E50980E-FBE0-7946-8054-16E785E96873}"/>
-              </a:ext>
-            </a:extLst>
-          </p:cNvPr>
+          <p:cNvPr id="4" name="Content Placeholder 3"/>
           <p:cNvSpPr>
             <a:spLocks noGrp="1"/>
           </p:cNvSpPr>
@@ -1625,12 +2377,14 @@
         </p:nvSpPr>
         <p:spPr>
           <a:xfrm>
-            <a:off x="839788" y="2505075"/>
-            <a:ext cx="5157787" cy="3684588"/>
+            <a:off x="581194" y="2926052"/>
+            <a:ext cx="5393100" cy="2934999"/>
           </a:xfrm>
         </p:spPr>
         <p:txBody>
-          <a:bodyPr/>
+          <a:bodyPr anchor="t">
+            <a:normAutofit/>
+          </a:bodyPr>
           <a:lstStyle/>
           <a:p>
             <a:pPr lvl="0"/>
@@ -1666,18 +2420,13 @@
               <a:rPr lang="en-US"/>
               <a:t>Fifth level</a:t>
             </a:r>
-          </a:p>
-        </p:txBody>
-      </p:sp>
-      <p:sp>
-        <p:nvSpPr>
-          <p:cNvPr id="5" name="Text Placeholder 4">
-            <a:extLst>
-              <a:ext uri="{FF2B5EF4-FFF2-40B4-BE49-F238E27FC236}">
-                <a16:creationId xmlns:a16="http://schemas.microsoft.com/office/drawing/2014/main" id="{95E75A0B-9DAC-694C-B81E-791B3DBCECC3}"/>
-              </a:ext>
-            </a:extLst>
-          </p:cNvPr>
+            <a:endParaRPr lang="en-US" dirty="0"/>
+          </a:p>
+        </p:txBody>
+      </p:sp>
+      <p:sp>
+        <p:nvSpPr>
+          <p:cNvPr id="5" name="Text Placeholder 4"/>
           <p:cNvSpPr>
             <a:spLocks noGrp="1"/>
           </p:cNvSpPr>
@@ -1687,16 +2436,22 @@
         </p:nvSpPr>
         <p:spPr>
           <a:xfrm>
-            <a:off x="6172200" y="1681163"/>
-            <a:ext cx="5183188" cy="823912"/>
+            <a:off x="6523735" y="2250892"/>
+            <a:ext cx="5087073" cy="553373"/>
           </a:xfrm>
         </p:spPr>
         <p:txBody>
-          <a:bodyPr anchor="b"/>
+          <a:bodyPr anchor="b">
+            <a:noAutofit/>
+          </a:bodyPr>
           <a:lstStyle>
             <a:lvl1pPr marL="0" indent="0">
               <a:buNone/>
-              <a:defRPr sz="2400" b="1"/>
+              <a:defRPr sz="2200" b="0">
+                <a:solidFill>
+                  <a:schemeClr val="accent2"/>
+                </a:solidFill>
+              </a:defRPr>
             </a:lvl1pPr>
             <a:lvl2pPr marL="457200" indent="0">
               <a:buNone/>
@@ -1742,13 +2497,7 @@
       </p:sp>
       <p:sp>
         <p:nvSpPr>
-          <p:cNvPr id="6" name="Content Placeholder 5">
-            <a:extLst>
-              <a:ext uri="{FF2B5EF4-FFF2-40B4-BE49-F238E27FC236}">
-                <a16:creationId xmlns:a16="http://schemas.microsoft.com/office/drawing/2014/main" id="{CE00D0B0-8BF1-7F49-88A0-A4FCE8589519}"/>
-              </a:ext>
-            </a:extLst>
-          </p:cNvPr>
+          <p:cNvPr id="6" name="Content Placeholder 5"/>
           <p:cNvSpPr>
             <a:spLocks noGrp="1"/>
           </p:cNvSpPr>
@@ -1758,64 +2507,84 @@
         </p:nvSpPr>
         <p:spPr>
           <a:xfrm>
-            <a:off x="6172200" y="2505075"/>
-            <a:ext cx="5183188" cy="3684588"/>
+            <a:off x="6217709" y="2926052"/>
+            <a:ext cx="5393100" cy="2934999"/>
           </a:xfrm>
         </p:spPr>
         <p:txBody>
+          <a:bodyPr anchor="t">
+            <a:normAutofit/>
+          </a:bodyPr>
+          <a:lstStyle/>
+          <a:p>
+            <a:pPr lvl="0"/>
+            <a:r>
+              <a:rPr lang="en-US"/>
+              <a:t>Edit Master text styles</a:t>
+            </a:r>
+          </a:p>
+          <a:p>
+            <a:pPr lvl="1"/>
+            <a:r>
+              <a:rPr lang="en-US"/>
+              <a:t>Second level</a:t>
+            </a:r>
+          </a:p>
+          <a:p>
+            <a:pPr lvl="2"/>
+            <a:r>
+              <a:rPr lang="en-US"/>
+              <a:t>Third level</a:t>
+            </a:r>
+          </a:p>
+          <a:p>
+            <a:pPr lvl="3"/>
+            <a:r>
+              <a:rPr lang="en-US"/>
+              <a:t>Fourth level</a:t>
+            </a:r>
+          </a:p>
+          <a:p>
+            <a:pPr lvl="4"/>
+            <a:r>
+              <a:rPr lang="en-US"/>
+              <a:t>Fifth level</a:t>
+            </a:r>
+            <a:endParaRPr lang="en-US" dirty="0"/>
+          </a:p>
+        </p:txBody>
+      </p:sp>
+      <p:sp>
+        <p:nvSpPr>
+          <p:cNvPr id="7" name="Date Placeholder 6"/>
+          <p:cNvSpPr>
+            <a:spLocks noGrp="1"/>
+          </p:cNvSpPr>
+          <p:nvPr>
+            <p:ph type="dt" sz="half" idx="10"/>
+          </p:nvPr>
+        </p:nvSpPr>
+        <p:spPr/>
+        <p:txBody>
           <a:bodyPr/>
           <a:lstStyle/>
           <a:p>
-            <a:pPr lvl="0"/>
-            <a:r>
-              <a:rPr lang="en-US"/>
-              <a:t>Edit Master text styles</a:t>
-            </a:r>
-          </a:p>
-          <a:p>
-            <a:pPr lvl="1"/>
-            <a:r>
-              <a:rPr lang="en-US"/>
-              <a:t>Second level</a:t>
-            </a:r>
-          </a:p>
-          <a:p>
-            <a:pPr lvl="2"/>
-            <a:r>
-              <a:rPr lang="en-US"/>
-              <a:t>Third level</a:t>
-            </a:r>
-          </a:p>
-          <a:p>
-            <a:pPr lvl="3"/>
-            <a:r>
-              <a:rPr lang="en-US"/>
-              <a:t>Fourth level</a:t>
-            </a:r>
-          </a:p>
-          <a:p>
-            <a:pPr lvl="4"/>
-            <a:r>
-              <a:rPr lang="en-US"/>
-              <a:t>Fifth level</a:t>
-            </a:r>
-          </a:p>
-        </p:txBody>
-      </p:sp>
-      <p:sp>
-        <p:nvSpPr>
-          <p:cNvPr id="7" name="Date Placeholder 6">
-            <a:extLst>
-              <a:ext uri="{FF2B5EF4-FFF2-40B4-BE49-F238E27FC236}">
-                <a16:creationId xmlns:a16="http://schemas.microsoft.com/office/drawing/2014/main" id="{C934A6AE-FAF4-EF4B-AC9A-8BB13FA818AE}"/>
-              </a:ext>
-            </a:extLst>
-          </p:cNvPr>
-          <p:cNvSpPr>
-            <a:spLocks noGrp="1"/>
-          </p:cNvSpPr>
-          <p:nvPr>
-            <p:ph type="dt" sz="half" idx="10"/>
+            <a:fld id="{39319B69-E452-7F41-9A32-F6B459F74D11}" type="datetimeFigureOut">
+              <a:rPr lang="en-US" smtClean="0"/>
+              <a:t>4/29/18</a:t>
+            </a:fld>
+            <a:endParaRPr lang="en-US"/>
+          </a:p>
+        </p:txBody>
+      </p:sp>
+      <p:sp>
+        <p:nvSpPr>
+          <p:cNvPr id="8" name="Footer Placeholder 7"/>
+          <p:cNvSpPr>
+            <a:spLocks noGrp="1"/>
+          </p:cNvSpPr>
+          <p:nvPr>
+            <p:ph type="ftr" sz="quarter" idx="11"/>
           </p:nvPr>
         </p:nvSpPr>
         <p:spPr/>
@@ -1823,48 +2592,13 @@
           <a:bodyPr/>
           <a:lstStyle/>
           <a:p>
-            <a:fld id="{39319B69-E452-7F41-9A32-F6B459F74D11}" type="datetimeFigureOut">
-              <a:rPr lang="en-US" smtClean="0"/>
-              <a:t>4/26/18</a:t>
-            </a:fld>
             <a:endParaRPr lang="en-US"/>
           </a:p>
         </p:txBody>
       </p:sp>
       <p:sp>
         <p:nvSpPr>
-          <p:cNvPr id="8" name="Footer Placeholder 7">
-            <a:extLst>
-              <a:ext uri="{FF2B5EF4-FFF2-40B4-BE49-F238E27FC236}">
-                <a16:creationId xmlns:a16="http://schemas.microsoft.com/office/drawing/2014/main" id="{07AD5A1C-9AB8-6A4D-946C-9FB444E3AC9E}"/>
-              </a:ext>
-            </a:extLst>
-          </p:cNvPr>
-          <p:cNvSpPr>
-            <a:spLocks noGrp="1"/>
-          </p:cNvSpPr>
-          <p:nvPr>
-            <p:ph type="ftr" sz="quarter" idx="11"/>
-          </p:nvPr>
-        </p:nvSpPr>
-        <p:spPr/>
-        <p:txBody>
-          <a:bodyPr/>
-          <a:lstStyle/>
-          <a:p>
-            <a:endParaRPr lang="en-US"/>
-          </a:p>
-        </p:txBody>
-      </p:sp>
-      <p:sp>
-        <p:nvSpPr>
-          <p:cNvPr id="9" name="Slide Number Placeholder 8">
-            <a:extLst>
-              <a:ext uri="{FF2B5EF4-FFF2-40B4-BE49-F238E27FC236}">
-                <a16:creationId xmlns:a16="http://schemas.microsoft.com/office/drawing/2014/main" id="{ED53EF72-B8D4-B649-9CC7-33A8C38C6E60}"/>
-              </a:ext>
-            </a:extLst>
-          </p:cNvPr>
+          <p:cNvPr id="9" name="Slide Number Placeholder 8"/>
           <p:cNvSpPr>
             <a:spLocks noGrp="1"/>
           </p:cNvSpPr>
@@ -1888,7 +2622,7 @@
     </p:spTree>
     <p:extLst>
       <p:ext uri="{BB962C8B-B14F-4D97-AF65-F5344CB8AC3E}">
-        <p14:creationId xmlns:p14="http://schemas.microsoft.com/office/powerpoint/2010/main" val="3983284606"/>
+        <p14:creationId xmlns:p14="http://schemas.microsoft.com/office/powerpoint/2010/main" val="3645319176"/>
       </p:ext>
     </p:extLst>
   </p:cSld>
@@ -1917,13 +2651,46 @@
       </p:grpSpPr>
       <p:sp>
         <p:nvSpPr>
-          <p:cNvPr id="2" name="Title 1">
-            <a:extLst>
-              <a:ext uri="{FF2B5EF4-FFF2-40B4-BE49-F238E27FC236}">
-                <a16:creationId xmlns:a16="http://schemas.microsoft.com/office/drawing/2014/main" id="{A9AA6BBB-0455-4248-A25C-7D85F3138611}"/>
-              </a:ext>
-            </a:extLst>
-          </p:cNvPr>
+          <p:cNvPr id="7" name="Rectangle 6"/>
+          <p:cNvSpPr>
+            <a:spLocks noChangeAspect="1"/>
+          </p:cNvSpPr>
+          <p:nvPr/>
+        </p:nvSpPr>
+        <p:spPr>
+          <a:xfrm>
+            <a:off x="440683" y="606554"/>
+            <a:ext cx="11300036" cy="1258827"/>
+          </a:xfrm>
+          <a:prstGeom prst="rect">
+            <a:avLst/>
+          </a:prstGeom>
+          <a:solidFill>
+            <a:schemeClr val="accent1"/>
+          </a:solidFill>
+          <a:ln>
+            <a:noFill/>
+          </a:ln>
+          <a:effectLst/>
+        </p:spPr>
+        <p:style>
+          <a:lnRef idx="1">
+            <a:schemeClr val="accent1"/>
+          </a:lnRef>
+          <a:fillRef idx="3">
+            <a:schemeClr val="accent1"/>
+          </a:fillRef>
+          <a:effectRef idx="2">
+            <a:schemeClr val="accent1"/>
+          </a:effectRef>
+          <a:fontRef idx="minor">
+            <a:schemeClr val="lt1"/>
+          </a:fontRef>
+        </p:style>
+      </p:sp>
+      <p:sp>
+        <p:nvSpPr>
+          <p:cNvPr id="8" name="Title 1"/>
           <p:cNvSpPr>
             <a:spLocks noGrp="1"/>
           </p:cNvSpPr>
@@ -1931,7 +2698,12 @@
             <p:ph type="title"/>
           </p:nvPr>
         </p:nvSpPr>
-        <p:spPr/>
+        <p:spPr>
+          <a:xfrm>
+            <a:off x="575894" y="729658"/>
+            <a:ext cx="11029616" cy="988332"/>
+          </a:xfrm>
+        </p:spPr>
         <p:txBody>
           <a:bodyPr/>
           <a:lstStyle/>
@@ -1940,18 +2712,13 @@
               <a:rPr lang="en-US"/>
               <a:t>Click to edit Master title style</a:t>
             </a:r>
-          </a:p>
-        </p:txBody>
-      </p:sp>
-      <p:sp>
-        <p:nvSpPr>
-          <p:cNvPr id="3" name="Date Placeholder 2">
-            <a:extLst>
-              <a:ext uri="{FF2B5EF4-FFF2-40B4-BE49-F238E27FC236}">
-                <a16:creationId xmlns:a16="http://schemas.microsoft.com/office/drawing/2014/main" id="{101416C5-7B2C-CD46-9186-9C30368AD45A}"/>
-              </a:ext>
-            </a:extLst>
-          </p:cNvPr>
+            <a:endParaRPr lang="en-US" dirty="0"/>
+          </a:p>
+        </p:txBody>
+      </p:sp>
+      <p:sp>
+        <p:nvSpPr>
+          <p:cNvPr id="3" name="Date Placeholder 2"/>
           <p:cNvSpPr>
             <a:spLocks noGrp="1"/>
           </p:cNvSpPr>
@@ -1966,7 +2733,7 @@
           <a:p>
             <a:fld id="{39319B69-E452-7F41-9A32-F6B459F74D11}" type="datetimeFigureOut">
               <a:rPr lang="en-US" smtClean="0"/>
-              <a:t>4/26/18</a:t>
+              <a:t>4/29/18</a:t>
             </a:fld>
             <a:endParaRPr lang="en-US"/>
           </a:p>
@@ -1974,13 +2741,7 @@
       </p:sp>
       <p:sp>
         <p:nvSpPr>
-          <p:cNvPr id="4" name="Footer Placeholder 3">
-            <a:extLst>
-              <a:ext uri="{FF2B5EF4-FFF2-40B4-BE49-F238E27FC236}">
-                <a16:creationId xmlns:a16="http://schemas.microsoft.com/office/drawing/2014/main" id="{2218AA44-1DB3-B94B-B567-FB5B9B54146D}"/>
-              </a:ext>
-            </a:extLst>
-          </p:cNvPr>
+          <p:cNvPr id="4" name="Footer Placeholder 3"/>
           <p:cNvSpPr>
             <a:spLocks noGrp="1"/>
           </p:cNvSpPr>
@@ -1999,13 +2760,7 @@
       </p:sp>
       <p:sp>
         <p:nvSpPr>
-          <p:cNvPr id="5" name="Slide Number Placeholder 4">
-            <a:extLst>
-              <a:ext uri="{FF2B5EF4-FFF2-40B4-BE49-F238E27FC236}">
-                <a16:creationId xmlns:a16="http://schemas.microsoft.com/office/drawing/2014/main" id="{B41F5481-0261-B745-9745-4B2AF8045193}"/>
-              </a:ext>
-            </a:extLst>
-          </p:cNvPr>
+          <p:cNvPr id="5" name="Slide Number Placeholder 4"/>
           <p:cNvSpPr>
             <a:spLocks noGrp="1"/>
           </p:cNvSpPr>
@@ -2029,7 +2784,7 @@
     </p:spTree>
     <p:extLst>
       <p:ext uri="{BB962C8B-B14F-4D97-AF65-F5344CB8AC3E}">
-        <p14:creationId xmlns:p14="http://schemas.microsoft.com/office/powerpoint/2010/main" val="1454752305"/>
+        <p14:creationId xmlns:p14="http://schemas.microsoft.com/office/powerpoint/2010/main" val="462495660"/>
       </p:ext>
     </p:extLst>
   </p:cSld>
@@ -2058,13 +2813,7 @@
       </p:grpSpPr>
       <p:sp>
         <p:nvSpPr>
-          <p:cNvPr id="2" name="Date Placeholder 1">
-            <a:extLst>
-              <a:ext uri="{FF2B5EF4-FFF2-40B4-BE49-F238E27FC236}">
-                <a16:creationId xmlns:a16="http://schemas.microsoft.com/office/drawing/2014/main" id="{8E53A3CA-70DE-924E-981E-C60F267572E0}"/>
-              </a:ext>
-            </a:extLst>
-          </p:cNvPr>
+          <p:cNvPr id="2" name="Date Placeholder 1"/>
           <p:cNvSpPr>
             <a:spLocks noGrp="1"/>
           </p:cNvSpPr>
@@ -2079,7 +2828,7 @@
           <a:p>
             <a:fld id="{39319B69-E452-7F41-9A32-F6B459F74D11}" type="datetimeFigureOut">
               <a:rPr lang="en-US" smtClean="0"/>
-              <a:t>4/26/18</a:t>
+              <a:t>4/29/18</a:t>
             </a:fld>
             <a:endParaRPr lang="en-US"/>
           </a:p>
@@ -2087,13 +2836,7 @@
       </p:sp>
       <p:sp>
         <p:nvSpPr>
-          <p:cNvPr id="3" name="Footer Placeholder 2">
-            <a:extLst>
-              <a:ext uri="{FF2B5EF4-FFF2-40B4-BE49-F238E27FC236}">
-                <a16:creationId xmlns:a16="http://schemas.microsoft.com/office/drawing/2014/main" id="{C900935B-125C-3D49-AB65-F383AACC0F40}"/>
-              </a:ext>
-            </a:extLst>
-          </p:cNvPr>
+          <p:cNvPr id="3" name="Footer Placeholder 2"/>
           <p:cNvSpPr>
             <a:spLocks noGrp="1"/>
           </p:cNvSpPr>
@@ -2112,13 +2855,7 @@
       </p:sp>
       <p:sp>
         <p:nvSpPr>
-          <p:cNvPr id="4" name="Slide Number Placeholder 3">
-            <a:extLst>
-              <a:ext uri="{FF2B5EF4-FFF2-40B4-BE49-F238E27FC236}">
-                <a16:creationId xmlns:a16="http://schemas.microsoft.com/office/drawing/2014/main" id="{DC4E19BA-ED8A-AC40-9A13-8A18CB9F4345}"/>
-              </a:ext>
-            </a:extLst>
-          </p:cNvPr>
+          <p:cNvPr id="4" name="Slide Number Placeholder 3"/>
           <p:cNvSpPr>
             <a:spLocks noGrp="1"/>
           </p:cNvSpPr>
@@ -2142,7 +2879,7 @@
     </p:spTree>
     <p:extLst>
       <p:ext uri="{BB962C8B-B14F-4D97-AF65-F5344CB8AC3E}">
-        <p14:creationId xmlns:p14="http://schemas.microsoft.com/office/powerpoint/2010/main" val="287707206"/>
+        <p14:creationId xmlns:p14="http://schemas.microsoft.com/office/powerpoint/2010/main" val="3500397172"/>
       </p:ext>
     </p:extLst>
   </p:cSld>
@@ -2171,276 +2908,365 @@
       </p:grpSpPr>
       <p:sp>
         <p:nvSpPr>
-          <p:cNvPr id="2" name="Title 1">
-            <a:extLst>
-              <a:ext uri="{FF2B5EF4-FFF2-40B4-BE49-F238E27FC236}">
-                <a16:creationId xmlns:a16="http://schemas.microsoft.com/office/drawing/2014/main" id="{651275F1-2219-2742-87D1-EFC0EA87D260}"/>
-              </a:ext>
-            </a:extLst>
-          </p:cNvPr>
-          <p:cNvSpPr>
-            <a:spLocks noGrp="1"/>
-          </p:cNvSpPr>
-          <p:nvPr>
-            <p:ph type="title"/>
-          </p:nvPr>
+          <p:cNvPr id="9" name="Rectangle 8"/>
+          <p:cNvSpPr>
+            <a:spLocks noChangeAspect="1"/>
+          </p:cNvSpPr>
+          <p:nvPr/>
         </p:nvSpPr>
         <p:spPr>
           <a:xfrm>
-            <a:off x="839788" y="457200"/>
-            <a:ext cx="3932237" cy="1600200"/>
+            <a:off x="447817" y="5141973"/>
+            <a:ext cx="11298200" cy="1274702"/>
+          </a:xfrm>
+          <a:prstGeom prst="rect">
+            <a:avLst/>
+          </a:prstGeom>
+          <a:solidFill>
+            <a:schemeClr val="accent1"/>
+          </a:solidFill>
+          <a:ln>
+            <a:noFill/>
+          </a:ln>
+          <a:effectLst/>
+        </p:spPr>
+        <p:style>
+          <a:lnRef idx="1">
+            <a:schemeClr val="accent1"/>
+          </a:lnRef>
+          <a:fillRef idx="3">
+            <a:schemeClr val="accent1"/>
+          </a:fillRef>
+          <a:effectRef idx="2">
+            <a:schemeClr val="accent1"/>
+          </a:effectRef>
+          <a:fontRef idx="minor">
+            <a:schemeClr val="lt1"/>
+          </a:fontRef>
+        </p:style>
+      </p:sp>
+      <p:sp>
+        <p:nvSpPr>
+          <p:cNvPr id="2" name="Title 1"/>
+          <p:cNvSpPr>
+            <a:spLocks noGrp="1"/>
+          </p:cNvSpPr>
+          <p:nvPr>
+            <p:ph type="title"/>
+          </p:nvPr>
+        </p:nvSpPr>
+        <p:spPr>
+          <a:xfrm>
+            <a:off x="581192" y="5262296"/>
+            <a:ext cx="4909445" cy="689514"/>
           </a:xfrm>
         </p:spPr>
         <p:txBody>
-          <a:bodyPr anchor="b"/>
+          <a:bodyPr anchor="ctr"/>
+          <a:lstStyle>
+            <a:lvl1pPr algn="l">
+              <a:defRPr sz="2000" b="0">
+                <a:solidFill>
+                  <a:schemeClr val="accent1">
+                    <a:lumMod val="75000"/>
+                    <a:lumOff val="25000"/>
+                  </a:schemeClr>
+                </a:solidFill>
+              </a:defRPr>
+            </a:lvl1pPr>
+          </a:lstStyle>
+          <a:p>
+            <a:r>
+              <a:rPr lang="en-US"/>
+              <a:t>Click to edit Master title style</a:t>
+            </a:r>
+            <a:endParaRPr lang="en-US" dirty="0"/>
+          </a:p>
+        </p:txBody>
+      </p:sp>
+      <p:sp>
+        <p:nvSpPr>
+          <p:cNvPr id="3" name="Content Placeholder 2"/>
+          <p:cNvSpPr>
+            <a:spLocks noGrp="1"/>
+          </p:cNvSpPr>
+          <p:nvPr>
+            <p:ph idx="1"/>
+          </p:nvPr>
+        </p:nvSpPr>
+        <p:spPr>
+          <a:xfrm>
+            <a:off x="447816" y="601200"/>
+            <a:ext cx="11292840" cy="4204800"/>
+          </a:xfrm>
+        </p:spPr>
+        <p:txBody>
+          <a:bodyPr anchor="ctr">
+            <a:normAutofit/>
+          </a:bodyPr>
           <a:lstStyle>
             <a:lvl1pPr>
-              <a:defRPr sz="3200"/>
+              <a:defRPr sz="2000">
+                <a:solidFill>
+                  <a:schemeClr val="tx2"/>
+                </a:solidFill>
+              </a:defRPr>
             </a:lvl1pPr>
+            <a:lvl2pPr>
+              <a:defRPr sz="1800">
+                <a:solidFill>
+                  <a:schemeClr val="tx2"/>
+                </a:solidFill>
+              </a:defRPr>
+            </a:lvl2pPr>
+            <a:lvl3pPr>
+              <a:defRPr sz="1600">
+                <a:solidFill>
+                  <a:schemeClr val="tx2"/>
+                </a:solidFill>
+              </a:defRPr>
+            </a:lvl3pPr>
+            <a:lvl4pPr>
+              <a:defRPr sz="1400">
+                <a:solidFill>
+                  <a:schemeClr val="tx2"/>
+                </a:solidFill>
+              </a:defRPr>
+            </a:lvl4pPr>
+            <a:lvl5pPr>
+              <a:defRPr sz="1400">
+                <a:solidFill>
+                  <a:schemeClr val="tx2"/>
+                </a:solidFill>
+              </a:defRPr>
+            </a:lvl5pPr>
+            <a:lvl6pPr>
+              <a:defRPr sz="1400">
+                <a:solidFill>
+                  <a:schemeClr val="tx2"/>
+                </a:solidFill>
+              </a:defRPr>
+            </a:lvl6pPr>
+            <a:lvl7pPr>
+              <a:defRPr sz="1400">
+                <a:solidFill>
+                  <a:schemeClr val="tx2"/>
+                </a:solidFill>
+              </a:defRPr>
+            </a:lvl7pPr>
+            <a:lvl8pPr>
+              <a:defRPr sz="1400">
+                <a:solidFill>
+                  <a:schemeClr val="tx2"/>
+                </a:solidFill>
+              </a:defRPr>
+            </a:lvl8pPr>
+            <a:lvl9pPr>
+              <a:defRPr sz="1400">
+                <a:solidFill>
+                  <a:schemeClr val="tx2"/>
+                </a:solidFill>
+              </a:defRPr>
+            </a:lvl9pPr>
           </a:lstStyle>
           <a:p>
-            <a:r>
-              <a:rPr lang="en-US"/>
-              <a:t>Click to edit Master title style</a:t>
-            </a:r>
-          </a:p>
-        </p:txBody>
-      </p:sp>
-      <p:sp>
-        <p:nvSpPr>
-          <p:cNvPr id="3" name="Content Placeholder 2">
-            <a:extLst>
-              <a:ext uri="{FF2B5EF4-FFF2-40B4-BE49-F238E27FC236}">
-                <a16:creationId xmlns:a16="http://schemas.microsoft.com/office/drawing/2014/main" id="{0295351A-AEF7-1A42-AB09-4C81C2997243}"/>
-              </a:ext>
-            </a:extLst>
-          </p:cNvPr>
-          <p:cNvSpPr>
-            <a:spLocks noGrp="1"/>
-          </p:cNvSpPr>
-          <p:nvPr>
-            <p:ph idx="1"/>
+            <a:pPr lvl="0"/>
+            <a:r>
+              <a:rPr lang="en-US"/>
+              <a:t>Edit Master text styles</a:t>
+            </a:r>
+          </a:p>
+          <a:p>
+            <a:pPr lvl="1"/>
+            <a:r>
+              <a:rPr lang="en-US"/>
+              <a:t>Second level</a:t>
+            </a:r>
+          </a:p>
+          <a:p>
+            <a:pPr lvl="2"/>
+            <a:r>
+              <a:rPr lang="en-US"/>
+              <a:t>Third level</a:t>
+            </a:r>
+          </a:p>
+          <a:p>
+            <a:pPr lvl="3"/>
+            <a:r>
+              <a:rPr lang="en-US"/>
+              <a:t>Fourth level</a:t>
+            </a:r>
+          </a:p>
+          <a:p>
+            <a:pPr lvl="4"/>
+            <a:r>
+              <a:rPr lang="en-US"/>
+              <a:t>Fifth level</a:t>
+            </a:r>
+            <a:endParaRPr lang="en-US" dirty="0"/>
+          </a:p>
+        </p:txBody>
+      </p:sp>
+      <p:sp>
+        <p:nvSpPr>
+          <p:cNvPr id="4" name="Text Placeholder 3"/>
+          <p:cNvSpPr>
+            <a:spLocks noGrp="1"/>
+          </p:cNvSpPr>
+          <p:nvPr>
+            <p:ph type="body" sz="half" idx="2"/>
           </p:nvPr>
         </p:nvSpPr>
         <p:spPr>
           <a:xfrm>
-            <a:off x="5183188" y="987425"/>
-            <a:ext cx="6172200" cy="4873625"/>
+            <a:off x="5740823" y="5262296"/>
+            <a:ext cx="5869987" cy="689515"/>
           </a:xfrm>
         </p:spPr>
+        <p:txBody>
+          <a:bodyPr anchor="ctr">
+            <a:normAutofit/>
+          </a:bodyPr>
+          <a:lstStyle>
+            <a:lvl1pPr marL="0" indent="0" algn="r">
+              <a:buNone/>
+              <a:defRPr sz="1100">
+                <a:solidFill>
+                  <a:schemeClr val="bg1"/>
+                </a:solidFill>
+              </a:defRPr>
+            </a:lvl1pPr>
+            <a:lvl2pPr marL="457200" indent="0">
+              <a:buNone/>
+              <a:defRPr sz="1100"/>
+            </a:lvl2pPr>
+            <a:lvl3pPr marL="914400" indent="0">
+              <a:buNone/>
+              <a:defRPr sz="1000"/>
+            </a:lvl3pPr>
+            <a:lvl4pPr marL="1371600" indent="0">
+              <a:buNone/>
+              <a:defRPr sz="900"/>
+            </a:lvl4pPr>
+            <a:lvl5pPr marL="1828800" indent="0">
+              <a:buNone/>
+              <a:defRPr sz="900"/>
+            </a:lvl5pPr>
+            <a:lvl6pPr marL="2286000" indent="0">
+              <a:buNone/>
+              <a:defRPr sz="900"/>
+            </a:lvl6pPr>
+            <a:lvl7pPr marL="2743200" indent="0">
+              <a:buNone/>
+              <a:defRPr sz="900"/>
+            </a:lvl7pPr>
+            <a:lvl8pPr marL="3200400" indent="0">
+              <a:buNone/>
+              <a:defRPr sz="900"/>
+            </a:lvl8pPr>
+            <a:lvl9pPr marL="3657600" indent="0">
+              <a:buNone/>
+              <a:defRPr sz="900"/>
+            </a:lvl9pPr>
+          </a:lstStyle>
+          <a:p>
+            <a:pPr lvl="0"/>
+            <a:r>
+              <a:rPr lang="en-US"/>
+              <a:t>Edit Master text styles</a:t>
+            </a:r>
+          </a:p>
+        </p:txBody>
+      </p:sp>
+      <p:sp>
+        <p:nvSpPr>
+          <p:cNvPr id="5" name="Date Placeholder 4"/>
+          <p:cNvSpPr>
+            <a:spLocks noGrp="1"/>
+          </p:cNvSpPr>
+          <p:nvPr>
+            <p:ph type="dt" sz="half" idx="10"/>
+          </p:nvPr>
+        </p:nvSpPr>
+        <p:spPr/>
         <p:txBody>
           <a:bodyPr/>
           <a:lstStyle>
             <a:lvl1pPr>
-              <a:defRPr sz="3200"/>
+              <a:defRPr>
+                <a:solidFill>
+                  <a:schemeClr val="accent1">
+                    <a:lumMod val="75000"/>
+                    <a:lumOff val="25000"/>
+                  </a:schemeClr>
+                </a:solidFill>
+              </a:defRPr>
             </a:lvl1pPr>
-            <a:lvl2pPr>
-              <a:defRPr sz="2800"/>
-            </a:lvl2pPr>
-            <a:lvl3pPr>
-              <a:defRPr sz="2400"/>
-            </a:lvl3pPr>
-            <a:lvl4pPr>
-              <a:defRPr sz="2000"/>
-            </a:lvl4pPr>
-            <a:lvl5pPr>
-              <a:defRPr sz="2000"/>
-            </a:lvl5pPr>
-            <a:lvl6pPr>
-              <a:defRPr sz="2000"/>
-            </a:lvl6pPr>
-            <a:lvl7pPr>
-              <a:defRPr sz="2000"/>
-            </a:lvl7pPr>
-            <a:lvl8pPr>
-              <a:defRPr sz="2000"/>
-            </a:lvl8pPr>
-            <a:lvl9pPr>
-              <a:defRPr sz="2000"/>
-            </a:lvl9pPr>
           </a:lstStyle>
           <a:p>
-            <a:pPr lvl="0"/>
-            <a:r>
-              <a:rPr lang="en-US"/>
-              <a:t>Edit Master text styles</a:t>
-            </a:r>
-          </a:p>
-          <a:p>
-            <a:pPr lvl="1"/>
-            <a:r>
-              <a:rPr lang="en-US"/>
-              <a:t>Second level</a:t>
-            </a:r>
-          </a:p>
-          <a:p>
-            <a:pPr lvl="2"/>
-            <a:r>
-              <a:rPr lang="en-US"/>
-              <a:t>Third level</a:t>
-            </a:r>
-          </a:p>
-          <a:p>
-            <a:pPr lvl="3"/>
-            <a:r>
-              <a:rPr lang="en-US"/>
-              <a:t>Fourth level</a:t>
-            </a:r>
-          </a:p>
-          <a:p>
-            <a:pPr lvl="4"/>
-            <a:r>
-              <a:rPr lang="en-US"/>
-              <a:t>Fifth level</a:t>
-            </a:r>
-          </a:p>
-        </p:txBody>
-      </p:sp>
-      <p:sp>
-        <p:nvSpPr>
-          <p:cNvPr id="4" name="Text Placeholder 3">
-            <a:extLst>
-              <a:ext uri="{FF2B5EF4-FFF2-40B4-BE49-F238E27FC236}">
-                <a16:creationId xmlns:a16="http://schemas.microsoft.com/office/drawing/2014/main" id="{D8437BFF-D5FD-3F4B-A4F9-4B23BC4AE1BB}"/>
-              </a:ext>
-            </a:extLst>
-          </p:cNvPr>
-          <p:cNvSpPr>
-            <a:spLocks noGrp="1"/>
-          </p:cNvSpPr>
-          <p:nvPr>
-            <p:ph type="body" sz="half" idx="2"/>
-          </p:nvPr>
-        </p:nvSpPr>
-        <p:spPr>
-          <a:xfrm>
-            <a:off x="839788" y="2057400"/>
-            <a:ext cx="3932237" cy="3811588"/>
-          </a:xfrm>
-        </p:spPr>
+            <a:fld id="{39319B69-E452-7F41-9A32-F6B459F74D11}" type="datetimeFigureOut">
+              <a:rPr lang="en-US" smtClean="0"/>
+              <a:t>4/29/18</a:t>
+            </a:fld>
+            <a:endParaRPr lang="en-US"/>
+          </a:p>
+        </p:txBody>
+      </p:sp>
+      <p:sp>
+        <p:nvSpPr>
+          <p:cNvPr id="6" name="Footer Placeholder 5"/>
+          <p:cNvSpPr>
+            <a:spLocks noGrp="1"/>
+          </p:cNvSpPr>
+          <p:nvPr>
+            <p:ph type="ftr" sz="quarter" idx="11"/>
+          </p:nvPr>
+        </p:nvSpPr>
+        <p:spPr/>
         <p:txBody>
           <a:bodyPr/>
           <a:lstStyle>
-            <a:lvl1pPr marL="0" indent="0">
-              <a:buNone/>
-              <a:defRPr sz="1600"/>
+            <a:lvl1pPr>
+              <a:defRPr>
+                <a:solidFill>
+                  <a:schemeClr val="accent1">
+                    <a:lumMod val="75000"/>
+                    <a:lumOff val="25000"/>
+                  </a:schemeClr>
+                </a:solidFill>
+              </a:defRPr>
             </a:lvl1pPr>
-            <a:lvl2pPr marL="457200" indent="0">
-              <a:buNone/>
-              <a:defRPr sz="1400"/>
-            </a:lvl2pPr>
-            <a:lvl3pPr marL="914400" indent="0">
-              <a:buNone/>
-              <a:defRPr sz="1200"/>
-            </a:lvl3pPr>
-            <a:lvl4pPr marL="1371600" indent="0">
-              <a:buNone/>
-              <a:defRPr sz="1000"/>
-            </a:lvl4pPr>
-            <a:lvl5pPr marL="1828800" indent="0">
-              <a:buNone/>
-              <a:defRPr sz="1000"/>
-            </a:lvl5pPr>
-            <a:lvl6pPr marL="2286000" indent="0">
-              <a:buNone/>
-              <a:defRPr sz="1000"/>
-            </a:lvl6pPr>
-            <a:lvl7pPr marL="2743200" indent="0">
-              <a:buNone/>
-              <a:defRPr sz="1000"/>
-            </a:lvl7pPr>
-            <a:lvl8pPr marL="3200400" indent="0">
-              <a:buNone/>
-              <a:defRPr sz="1000"/>
-            </a:lvl8pPr>
-            <a:lvl9pPr marL="3657600" indent="0">
-              <a:buNone/>
-              <a:defRPr sz="1000"/>
-            </a:lvl9pPr>
           </a:lstStyle>
           <a:p>
-            <a:pPr lvl="0"/>
-            <a:r>
-              <a:rPr lang="en-US"/>
-              <a:t>Edit Master text styles</a:t>
-            </a:r>
-          </a:p>
-        </p:txBody>
-      </p:sp>
-      <p:sp>
-        <p:nvSpPr>
-          <p:cNvPr id="5" name="Date Placeholder 4">
-            <a:extLst>
-              <a:ext uri="{FF2B5EF4-FFF2-40B4-BE49-F238E27FC236}">
-                <a16:creationId xmlns:a16="http://schemas.microsoft.com/office/drawing/2014/main" id="{53E70714-1CD9-7748-A051-3E4EFAD778AA}"/>
-              </a:ext>
-            </a:extLst>
-          </p:cNvPr>
-          <p:cNvSpPr>
-            <a:spLocks noGrp="1"/>
-          </p:cNvSpPr>
-          <p:nvPr>
-            <p:ph type="dt" sz="half" idx="10"/>
+            <a:endParaRPr lang="en-US"/>
+          </a:p>
+        </p:txBody>
+      </p:sp>
+      <p:sp>
+        <p:nvSpPr>
+          <p:cNvPr id="7" name="Slide Number Placeholder 6"/>
+          <p:cNvSpPr>
+            <a:spLocks noGrp="1"/>
+          </p:cNvSpPr>
+          <p:nvPr>
+            <p:ph type="sldNum" sz="quarter" idx="12"/>
           </p:nvPr>
         </p:nvSpPr>
         <p:spPr/>
         <p:txBody>
           <a:bodyPr/>
-          <a:lstStyle/>
-          <a:p>
-            <a:fld id="{39319B69-E452-7F41-9A32-F6B459F74D11}" type="datetimeFigureOut">
-              <a:rPr lang="en-US" smtClean="0"/>
-              <a:t>4/26/18</a:t>
-            </a:fld>
-            <a:endParaRPr lang="en-US"/>
-          </a:p>
-        </p:txBody>
-      </p:sp>
-      <p:sp>
-        <p:nvSpPr>
-          <p:cNvPr id="6" name="Footer Placeholder 5">
-            <a:extLst>
-              <a:ext uri="{FF2B5EF4-FFF2-40B4-BE49-F238E27FC236}">
-                <a16:creationId xmlns:a16="http://schemas.microsoft.com/office/drawing/2014/main" id="{1451A23E-94BD-D34A-9269-B0B39C840D24}"/>
-              </a:ext>
-            </a:extLst>
-          </p:cNvPr>
-          <p:cNvSpPr>
-            <a:spLocks noGrp="1"/>
-          </p:cNvSpPr>
-          <p:nvPr>
-            <p:ph type="ftr" sz="quarter" idx="11"/>
-          </p:nvPr>
-        </p:nvSpPr>
-        <p:spPr/>
-        <p:txBody>
-          <a:bodyPr/>
-          <a:lstStyle/>
-          <a:p>
-            <a:endParaRPr lang="en-US"/>
-          </a:p>
-        </p:txBody>
-      </p:sp>
-      <p:sp>
-        <p:nvSpPr>
-          <p:cNvPr id="7" name="Slide Number Placeholder 6">
-            <a:extLst>
-              <a:ext uri="{FF2B5EF4-FFF2-40B4-BE49-F238E27FC236}">
-                <a16:creationId xmlns:a16="http://schemas.microsoft.com/office/drawing/2014/main" id="{74C8C2E2-F4B4-6D44-9E83-691DC134519C}"/>
-              </a:ext>
-            </a:extLst>
-          </p:cNvPr>
-          <p:cNvSpPr>
-            <a:spLocks noGrp="1"/>
-          </p:cNvSpPr>
-          <p:nvPr>
-            <p:ph type="sldNum" sz="quarter" idx="12"/>
-          </p:nvPr>
-        </p:nvSpPr>
-        <p:spPr/>
-        <p:txBody>
-          <a:bodyPr/>
-          <a:lstStyle/>
+          <a:lstStyle>
+            <a:lvl1pPr>
+              <a:defRPr>
+                <a:solidFill>
+                  <a:schemeClr val="accent1">
+                    <a:lumMod val="75000"/>
+                    <a:lumOff val="25000"/>
+                  </a:schemeClr>
+                </a:solidFill>
+              </a:defRPr>
+            </a:lvl1pPr>
+          </a:lstStyle>
           <a:p>
             <a:fld id="{0133C027-2CB3-C042-9075-F1F49B6D1BD2}" type="slidenum">
               <a:rPr lang="en-US" smtClean="0"/>
@@ -2453,7 +3279,7 @@
     </p:spTree>
     <p:extLst>
       <p:ext uri="{BB962C8B-B14F-4D97-AF65-F5344CB8AC3E}">
-        <p14:creationId xmlns:p14="http://schemas.microsoft.com/office/powerpoint/2010/main" val="609978737"/>
+        <p14:creationId xmlns:p14="http://schemas.microsoft.com/office/powerpoint/2010/main" val="2663251689"/>
       </p:ext>
     </p:extLst>
   </p:cSld>
@@ -2482,13 +3308,7 @@
       </p:grpSpPr>
       <p:sp>
         <p:nvSpPr>
-          <p:cNvPr id="2" name="Title 1">
-            <a:extLst>
-              <a:ext uri="{FF2B5EF4-FFF2-40B4-BE49-F238E27FC236}">
-                <a16:creationId xmlns:a16="http://schemas.microsoft.com/office/drawing/2014/main" id="{BA0C6E8C-9968-A04D-B700-C90A525557EE}"/>
-              </a:ext>
-            </a:extLst>
-          </p:cNvPr>
+          <p:cNvPr id="2" name="Title 1"/>
           <p:cNvSpPr>
             <a:spLocks noGrp="1"/>
           </p:cNvSpPr>
@@ -2498,15 +3318,21 @@
         </p:nvSpPr>
         <p:spPr>
           <a:xfrm>
-            <a:off x="839788" y="457200"/>
-            <a:ext cx="3932237" cy="1600200"/>
+            <a:off x="581193" y="4693389"/>
+            <a:ext cx="11029616" cy="566738"/>
           </a:xfrm>
         </p:spPr>
         <p:txBody>
-          <a:bodyPr anchor="b"/>
+          <a:bodyPr anchor="b">
+            <a:normAutofit/>
+          </a:bodyPr>
           <a:lstStyle>
-            <a:lvl1pPr>
-              <a:defRPr sz="3200"/>
+            <a:lvl1pPr algn="l">
+              <a:defRPr sz="2400" b="0">
+                <a:solidFill>
+                  <a:schemeClr val="accent1"/>
+                </a:solidFill>
+              </a:defRPr>
             </a:lvl1pPr>
           </a:lstStyle>
           <a:p>
@@ -2514,20 +3340,15 @@
               <a:rPr lang="en-US"/>
               <a:t>Click to edit Master title style</a:t>
             </a:r>
-          </a:p>
-        </p:txBody>
-      </p:sp>
-      <p:sp>
-        <p:nvSpPr>
-          <p:cNvPr id="3" name="Picture Placeholder 2">
-            <a:extLst>
-              <a:ext uri="{FF2B5EF4-FFF2-40B4-BE49-F238E27FC236}">
-                <a16:creationId xmlns:a16="http://schemas.microsoft.com/office/drawing/2014/main" id="{732238EA-807D-6743-B402-1EE00EECB912}"/>
-              </a:ext>
-            </a:extLst>
-          </p:cNvPr>
-          <p:cNvSpPr>
-            <a:spLocks noGrp="1"/>
+            <a:endParaRPr lang="en-US" dirty="0"/>
+          </a:p>
+        </p:txBody>
+      </p:sp>
+      <p:sp>
+        <p:nvSpPr>
+          <p:cNvPr id="3" name="Picture Placeholder 2"/>
+          <p:cNvSpPr>
+            <a:spLocks noGrp="1" noChangeAspect="1"/>
           </p:cNvSpPr>
           <p:nvPr>
             <p:ph type="pic" idx="1"/>
@@ -2535,118 +3356,120 @@
         </p:nvSpPr>
         <p:spPr>
           <a:xfrm>
-            <a:off x="5183188" y="987425"/>
-            <a:ext cx="6172200" cy="4873625"/>
+            <a:off x="447817" y="599725"/>
+            <a:ext cx="11290859" cy="3557252"/>
           </a:xfrm>
         </p:spPr>
         <p:txBody>
-          <a:bodyPr/>
+          <a:bodyPr anchor="t">
+            <a:normAutofit/>
+          </a:bodyPr>
           <a:lstStyle>
-            <a:lvl1pPr marL="0" indent="0">
-              <a:buNone/>
-              <a:defRPr sz="3200"/>
-            </a:lvl1pPr>
-            <a:lvl2pPr marL="457200" indent="0">
-              <a:buNone/>
-              <a:defRPr sz="2800"/>
-            </a:lvl2pPr>
-            <a:lvl3pPr marL="914400" indent="0">
-              <a:buNone/>
-              <a:defRPr sz="2400"/>
-            </a:lvl3pPr>
-            <a:lvl4pPr marL="1371600" indent="0">
-              <a:buNone/>
-              <a:defRPr sz="2000"/>
-            </a:lvl4pPr>
-            <a:lvl5pPr marL="1828800" indent="0">
-              <a:buNone/>
-              <a:defRPr sz="2000"/>
-            </a:lvl5pPr>
-            <a:lvl6pPr marL="2286000" indent="0">
-              <a:buNone/>
-              <a:defRPr sz="2000"/>
-            </a:lvl6pPr>
-            <a:lvl7pPr marL="2743200" indent="0">
-              <a:buNone/>
-              <a:defRPr sz="2000"/>
-            </a:lvl7pPr>
-            <a:lvl8pPr marL="3200400" indent="0">
-              <a:buNone/>
-              <a:defRPr sz="2000"/>
-            </a:lvl8pPr>
-            <a:lvl9pPr marL="3657600" indent="0">
-              <a:buNone/>
-              <a:defRPr sz="2000"/>
-            </a:lvl9pPr>
-          </a:lstStyle>
-          <a:p>
-            <a:endParaRPr lang="en-US"/>
-          </a:p>
-        </p:txBody>
-      </p:sp>
-      <p:sp>
-        <p:nvSpPr>
-          <p:cNvPr id="4" name="Text Placeholder 3">
-            <a:extLst>
-              <a:ext uri="{FF2B5EF4-FFF2-40B4-BE49-F238E27FC236}">
-                <a16:creationId xmlns:a16="http://schemas.microsoft.com/office/drawing/2014/main" id="{284D3624-47A4-1A47-9D18-67BB986032FB}"/>
-              </a:ext>
-            </a:extLst>
-          </p:cNvPr>
-          <p:cNvSpPr>
-            <a:spLocks noGrp="1"/>
-          </p:cNvSpPr>
-          <p:nvPr>
-            <p:ph type="body" sz="half" idx="2"/>
-          </p:nvPr>
-        </p:nvSpPr>
-        <p:spPr>
-          <a:xfrm>
-            <a:off x="839788" y="2057400"/>
-            <a:ext cx="3932237" cy="3811588"/>
-          </a:xfrm>
-        </p:spPr>
-        <p:txBody>
-          <a:bodyPr/>
-          <a:lstStyle>
-            <a:lvl1pPr marL="0" indent="0">
+            <a:lvl1pPr marL="0" indent="0" algn="ctr">
               <a:buNone/>
               <a:defRPr sz="1600"/>
             </a:lvl1pPr>
             <a:lvl2pPr marL="457200" indent="0">
               <a:buNone/>
-              <a:defRPr sz="1400"/>
+              <a:defRPr sz="1600"/>
             </a:lvl2pPr>
             <a:lvl3pPr marL="914400" indent="0">
               <a:buNone/>
-              <a:defRPr sz="1200"/>
+              <a:defRPr sz="1600"/>
             </a:lvl3pPr>
             <a:lvl4pPr marL="1371600" indent="0">
               <a:buNone/>
-              <a:defRPr sz="1000"/>
+              <a:defRPr sz="1600"/>
             </a:lvl4pPr>
             <a:lvl5pPr marL="1828800" indent="0">
               <a:buNone/>
-              <a:defRPr sz="1000"/>
+              <a:defRPr sz="1600"/>
             </a:lvl5pPr>
             <a:lvl6pPr marL="2286000" indent="0">
               <a:buNone/>
-              <a:defRPr sz="1000"/>
+              <a:defRPr sz="1600"/>
             </a:lvl6pPr>
             <a:lvl7pPr marL="2743200" indent="0">
               <a:buNone/>
-              <a:defRPr sz="1000"/>
+              <a:defRPr sz="1600"/>
             </a:lvl7pPr>
             <a:lvl8pPr marL="3200400" indent="0">
               <a:buNone/>
-              <a:defRPr sz="1000"/>
+              <a:defRPr sz="1600"/>
             </a:lvl8pPr>
             <a:lvl9pPr marL="3657600" indent="0">
               <a:buNone/>
-              <a:defRPr sz="1000"/>
+              <a:defRPr sz="1600"/>
             </a:lvl9pPr>
           </a:lstStyle>
           <a:p>
+            <a:r>
+              <a:rPr lang="en-US"/>
+              <a:t>Click icon to add picture</a:t>
+            </a:r>
+            <a:endParaRPr lang="en-US" dirty="0"/>
+          </a:p>
+        </p:txBody>
+      </p:sp>
+      <p:sp>
+        <p:nvSpPr>
+          <p:cNvPr id="4" name="Text Placeholder 3"/>
+          <p:cNvSpPr>
+            <a:spLocks noGrp="1"/>
+          </p:cNvSpPr>
+          <p:nvPr>
+            <p:ph type="body" sz="half" idx="2"/>
+          </p:nvPr>
+        </p:nvSpPr>
+        <p:spPr>
+          <a:xfrm>
+            <a:off x="581192" y="5260127"/>
+            <a:ext cx="11029617" cy="598671"/>
+          </a:xfrm>
+        </p:spPr>
+        <p:txBody>
+          <a:bodyPr>
+            <a:normAutofit/>
+          </a:bodyPr>
+          <a:lstStyle>
+            <a:lvl1pPr marL="0" indent="0">
+              <a:buNone/>
+              <a:defRPr sz="1200"/>
+            </a:lvl1pPr>
+            <a:lvl2pPr marL="457200" indent="0">
+              <a:buNone/>
+              <a:defRPr sz="1200"/>
+            </a:lvl2pPr>
+            <a:lvl3pPr marL="914400" indent="0">
+              <a:buNone/>
+              <a:defRPr sz="1000"/>
+            </a:lvl3pPr>
+            <a:lvl4pPr marL="1371600" indent="0">
+              <a:buNone/>
+              <a:defRPr sz="900"/>
+            </a:lvl4pPr>
+            <a:lvl5pPr marL="1828800" indent="0">
+              <a:buNone/>
+              <a:defRPr sz="900"/>
+            </a:lvl5pPr>
+            <a:lvl6pPr marL="2286000" indent="0">
+              <a:buNone/>
+              <a:defRPr sz="900"/>
+            </a:lvl6pPr>
+            <a:lvl7pPr marL="2743200" indent="0">
+              <a:buNone/>
+              <a:defRPr sz="900"/>
+            </a:lvl7pPr>
+            <a:lvl8pPr marL="3200400" indent="0">
+              <a:buNone/>
+              <a:defRPr sz="900"/>
+            </a:lvl8pPr>
+            <a:lvl9pPr marL="3657600" indent="0">
+              <a:buNone/>
+              <a:defRPr sz="900"/>
+            </a:lvl9pPr>
+          </a:lstStyle>
+          <a:p>
             <a:pPr lvl="0"/>
             <a:r>
               <a:rPr lang="en-US"/>
@@ -2657,13 +3480,7 @@
       </p:sp>
       <p:sp>
         <p:nvSpPr>
-          <p:cNvPr id="5" name="Date Placeholder 4">
-            <a:extLst>
-              <a:ext uri="{FF2B5EF4-FFF2-40B4-BE49-F238E27FC236}">
-                <a16:creationId xmlns:a16="http://schemas.microsoft.com/office/drawing/2014/main" id="{138002AA-46D2-304D-98D2-67375F800E83}"/>
-              </a:ext>
-            </a:extLst>
-          </p:cNvPr>
+          <p:cNvPr id="5" name="Date Placeholder 4"/>
           <p:cNvSpPr>
             <a:spLocks noGrp="1"/>
           </p:cNvSpPr>
@@ -2678,7 +3495,7 @@
           <a:p>
             <a:fld id="{39319B69-E452-7F41-9A32-F6B459F74D11}" type="datetimeFigureOut">
               <a:rPr lang="en-US" smtClean="0"/>
-              <a:t>4/26/18</a:t>
+              <a:t>4/29/18</a:t>
             </a:fld>
             <a:endParaRPr lang="en-US"/>
           </a:p>
@@ -2686,13 +3503,7 @@
       </p:sp>
       <p:sp>
         <p:nvSpPr>
-          <p:cNvPr id="6" name="Footer Placeholder 5">
-            <a:extLst>
-              <a:ext uri="{FF2B5EF4-FFF2-40B4-BE49-F238E27FC236}">
-                <a16:creationId xmlns:a16="http://schemas.microsoft.com/office/drawing/2014/main" id="{EFD426AD-DD3A-F846-916F-05D9508A6E43}"/>
-              </a:ext>
-            </a:extLst>
-          </p:cNvPr>
+          <p:cNvPr id="6" name="Footer Placeholder 5"/>
           <p:cNvSpPr>
             <a:spLocks noGrp="1"/>
           </p:cNvSpPr>
@@ -2711,13 +3522,7 @@
       </p:sp>
       <p:sp>
         <p:nvSpPr>
-          <p:cNvPr id="7" name="Slide Number Placeholder 6">
-            <a:extLst>
-              <a:ext uri="{FF2B5EF4-FFF2-40B4-BE49-F238E27FC236}">
-                <a16:creationId xmlns:a16="http://schemas.microsoft.com/office/drawing/2014/main" id="{BB78AF3B-DBB4-C945-B332-D707E7D1BB41}"/>
-              </a:ext>
-            </a:extLst>
-          </p:cNvPr>
+          <p:cNvPr id="7" name="Slide Number Placeholder 6"/>
           <p:cNvSpPr>
             <a:spLocks noGrp="1"/>
           </p:cNvSpPr>
@@ -2741,7 +3546,7 @@
     </p:spTree>
     <p:extLst>
       <p:ext uri="{BB962C8B-B14F-4D97-AF65-F5344CB8AC3E}">
-        <p14:creationId xmlns:p14="http://schemas.microsoft.com/office/powerpoint/2010/main" val="2809917943"/>
+        <p14:creationId xmlns:p14="http://schemas.microsoft.com/office/powerpoint/2010/main" val="408603952"/>
       </p:ext>
     </p:extLst>
   </p:cSld>
@@ -2775,13 +3580,7 @@
       </p:grpSpPr>
       <p:sp>
         <p:nvSpPr>
-          <p:cNvPr id="2" name="Title Placeholder 1">
-            <a:extLst>
-              <a:ext uri="{FF2B5EF4-FFF2-40B4-BE49-F238E27FC236}">
-                <a16:creationId xmlns:a16="http://schemas.microsoft.com/office/drawing/2014/main" id="{5CA210E5-5E25-CB4E-A0C8-8AFEE69D6897}"/>
-              </a:ext>
-            </a:extLst>
-          </p:cNvPr>
+          <p:cNvPr id="2" name="Title Placeholder 1"/>
           <p:cNvSpPr>
             <a:spLocks noGrp="1"/>
           </p:cNvSpPr>
@@ -2791,15 +3590,15 @@
         </p:nvSpPr>
         <p:spPr>
           <a:xfrm>
-            <a:off x="838200" y="365125"/>
-            <a:ext cx="10515600" cy="1325563"/>
+            <a:off x="581192" y="705124"/>
+            <a:ext cx="11029616" cy="1189554"/>
           </a:xfrm>
           <a:prstGeom prst="rect">
             <a:avLst/>
           </a:prstGeom>
         </p:spPr>
         <p:txBody>
-          <a:bodyPr vert="horz" lIns="91440" tIns="45720" rIns="91440" bIns="45720" rtlCol="0" anchor="ctr">
+          <a:bodyPr vert="horz" lIns="91440" tIns="45720" rIns="91440" bIns="45720" rtlCol="0" anchor="b">
             <a:normAutofit/>
           </a:bodyPr>
           <a:lstStyle/>
@@ -2808,18 +3607,13 @@
               <a:rPr lang="en-US"/>
               <a:t>Click to edit Master title style</a:t>
             </a:r>
-          </a:p>
-        </p:txBody>
-      </p:sp>
-      <p:sp>
-        <p:nvSpPr>
-          <p:cNvPr id="3" name="Text Placeholder 2">
-            <a:extLst>
-              <a:ext uri="{FF2B5EF4-FFF2-40B4-BE49-F238E27FC236}">
-                <a16:creationId xmlns:a16="http://schemas.microsoft.com/office/drawing/2014/main" id="{73E1C23B-B3B6-3340-A2FF-4D85CEAA1501}"/>
-              </a:ext>
-            </a:extLst>
-          </p:cNvPr>
+            <a:endParaRPr lang="en-US" dirty="0"/>
+          </a:p>
+        </p:txBody>
+      </p:sp>
+      <p:sp>
+        <p:nvSpPr>
+          <p:cNvPr id="3" name="Text Placeholder 2"/>
           <p:cNvSpPr>
             <a:spLocks noGrp="1"/>
           </p:cNvSpPr>
@@ -2829,15 +3623,15 @@
         </p:nvSpPr>
         <p:spPr>
           <a:xfrm>
-            <a:off x="838200" y="1825625"/>
-            <a:ext cx="10515600" cy="4351338"/>
+            <a:off x="581192" y="2336003"/>
+            <a:ext cx="11029616" cy="3522794"/>
           </a:xfrm>
           <a:prstGeom prst="rect">
             <a:avLst/>
           </a:prstGeom>
         </p:spPr>
         <p:txBody>
-          <a:bodyPr vert="horz" lIns="91440" tIns="45720" rIns="91440" bIns="45720" rtlCol="0">
+          <a:bodyPr vert="horz" lIns="91440" tIns="45720" rIns="91440" bIns="45720" rtlCol="0" anchor="ctr">
             <a:normAutofit/>
           </a:bodyPr>
           <a:lstStyle/>
@@ -2875,18 +3669,13 @@
               <a:rPr lang="en-US"/>
               <a:t>Fifth level</a:t>
             </a:r>
-          </a:p>
-        </p:txBody>
-      </p:sp>
-      <p:sp>
-        <p:nvSpPr>
-          <p:cNvPr id="4" name="Date Placeholder 3">
-            <a:extLst>
-              <a:ext uri="{FF2B5EF4-FFF2-40B4-BE49-F238E27FC236}">
-                <a16:creationId xmlns:a16="http://schemas.microsoft.com/office/drawing/2014/main" id="{52D0EAF8-7D45-5B4A-B164-72F19E48F56B}"/>
-              </a:ext>
-            </a:extLst>
-          </p:cNvPr>
+            <a:endParaRPr lang="en-US" dirty="0"/>
+          </a:p>
+        </p:txBody>
+      </p:sp>
+      <p:sp>
+        <p:nvSpPr>
+          <p:cNvPr id="4" name="Date Placeholder 3"/>
           <p:cNvSpPr>
             <a:spLocks noGrp="1"/>
           </p:cNvSpPr>
@@ -2896,8 +3685,8 @@
         </p:nvSpPr>
         <p:spPr>
           <a:xfrm>
-            <a:off x="838200" y="6356350"/>
-            <a:ext cx="2743200" cy="365125"/>
+            <a:off x="7605951" y="5956137"/>
+            <a:ext cx="2844799" cy="365125"/>
           </a:xfrm>
           <a:prstGeom prst="rect">
             <a:avLst/>
@@ -2906,12 +3695,10 @@
         <p:txBody>
           <a:bodyPr vert="horz" lIns="91440" tIns="45720" rIns="91440" bIns="45720" rtlCol="0" anchor="ctr"/>
           <a:lstStyle>
-            <a:lvl1pPr algn="l">
-              <a:defRPr sz="1200">
+            <a:lvl1pPr algn="r">
+              <a:defRPr sz="900">
                 <a:solidFill>
-                  <a:schemeClr val="tx1">
-                    <a:tint val="75000"/>
-                  </a:schemeClr>
+                  <a:schemeClr val="accent2"/>
                 </a:solidFill>
               </a:defRPr>
             </a:lvl1pPr>
@@ -2919,7 +3706,7 @@
           <a:p>
             <a:fld id="{39319B69-E452-7F41-9A32-F6B459F74D11}" type="datetimeFigureOut">
               <a:rPr lang="en-US" smtClean="0"/>
-              <a:t>4/26/18</a:t>
+              <a:t>4/29/18</a:t>
             </a:fld>
             <a:endParaRPr lang="en-US"/>
           </a:p>
@@ -2927,13 +3714,7 @@
       </p:sp>
       <p:sp>
         <p:nvSpPr>
-          <p:cNvPr id="5" name="Footer Placeholder 4">
-            <a:extLst>
-              <a:ext uri="{FF2B5EF4-FFF2-40B4-BE49-F238E27FC236}">
-                <a16:creationId xmlns:a16="http://schemas.microsoft.com/office/drawing/2014/main" id="{CA44AA16-0799-3942-A982-AC04F1ACD078}"/>
-              </a:ext>
-            </a:extLst>
-          </p:cNvPr>
+          <p:cNvPr id="5" name="Footer Placeholder 4"/>
           <p:cNvSpPr>
             <a:spLocks noGrp="1"/>
           </p:cNvSpPr>
@@ -2943,8 +3724,8 @@
         </p:nvSpPr>
         <p:spPr>
           <a:xfrm>
-            <a:off x="4038600" y="6356350"/>
-            <a:ext cx="4114800" cy="365125"/>
+            <a:off x="581192" y="5951811"/>
+            <a:ext cx="6917210" cy="365125"/>
           </a:xfrm>
           <a:prstGeom prst="rect">
             <a:avLst/>
@@ -2953,12 +3734,10 @@
         <p:txBody>
           <a:bodyPr vert="horz" lIns="91440" tIns="45720" rIns="91440" bIns="45720" rtlCol="0" anchor="ctr"/>
           <a:lstStyle>
-            <a:lvl1pPr algn="ctr">
-              <a:defRPr sz="1200">
+            <a:lvl1pPr algn="l">
+              <a:defRPr sz="900" cap="all">
                 <a:solidFill>
-                  <a:schemeClr val="tx1">
-                    <a:tint val="75000"/>
-                  </a:schemeClr>
+                  <a:schemeClr val="accent2"/>
                 </a:solidFill>
               </a:defRPr>
             </a:lvl1pPr>
@@ -2970,13 +3749,7 @@
       </p:sp>
       <p:sp>
         <p:nvSpPr>
-          <p:cNvPr id="6" name="Slide Number Placeholder 5">
-            <a:extLst>
-              <a:ext uri="{FF2B5EF4-FFF2-40B4-BE49-F238E27FC236}">
-                <a16:creationId xmlns:a16="http://schemas.microsoft.com/office/drawing/2014/main" id="{53FB9154-B0B9-9746-BDB6-B0CA55A97969}"/>
-              </a:ext>
-            </a:extLst>
-          </p:cNvPr>
+          <p:cNvPr id="6" name="Slide Number Placeholder 5"/>
           <p:cNvSpPr>
             <a:spLocks noGrp="1"/>
           </p:cNvSpPr>
@@ -2986,8 +3759,8 @@
         </p:nvSpPr>
         <p:spPr>
           <a:xfrm>
-            <a:off x="8610600" y="6356350"/>
-            <a:ext cx="2743200" cy="365125"/>
+            <a:off x="10558300" y="5956137"/>
+            <a:ext cx="1052510" cy="365125"/>
           </a:xfrm>
           <a:prstGeom prst="rect">
             <a:avLst/>
@@ -2997,11 +3770,9 @@
           <a:bodyPr vert="horz" lIns="91440" tIns="45720" rIns="91440" bIns="45720" rtlCol="0" anchor="ctr"/>
           <a:lstStyle>
             <a:lvl1pPr algn="r">
-              <a:defRPr sz="1200">
+              <a:defRPr sz="900">
                 <a:solidFill>
-                  <a:schemeClr val="tx1">
-                    <a:tint val="75000"/>
-                  </a:schemeClr>
+                  <a:schemeClr val="accent2"/>
                 </a:solidFill>
               </a:defRPr>
             </a:lvl1pPr>
@@ -3015,204 +3786,404 @@
           </a:p>
         </p:txBody>
       </p:sp>
+      <p:sp>
+        <p:nvSpPr>
+          <p:cNvPr id="9" name="Rectangle 8"/>
+          <p:cNvSpPr/>
+          <p:nvPr/>
+        </p:nvSpPr>
+        <p:spPr>
+          <a:xfrm>
+            <a:off x="446534" y="457200"/>
+            <a:ext cx="3703320" cy="94997"/>
+          </a:xfrm>
+          <a:prstGeom prst="rect">
+            <a:avLst/>
+          </a:prstGeom>
+          <a:solidFill>
+            <a:schemeClr val="accent1"/>
+          </a:solidFill>
+          <a:ln>
+            <a:noFill/>
+          </a:ln>
+          <a:effectLst/>
+        </p:spPr>
+        <p:style>
+          <a:lnRef idx="1">
+            <a:schemeClr val="accent1"/>
+          </a:lnRef>
+          <a:fillRef idx="3">
+            <a:schemeClr val="accent1"/>
+          </a:fillRef>
+          <a:effectRef idx="2">
+            <a:schemeClr val="accent1"/>
+          </a:effectRef>
+          <a:fontRef idx="minor">
+            <a:schemeClr val="lt1"/>
+          </a:fontRef>
+        </p:style>
+      </p:sp>
+      <p:sp>
+        <p:nvSpPr>
+          <p:cNvPr id="10" name="Rectangle 9"/>
+          <p:cNvSpPr/>
+          <p:nvPr/>
+        </p:nvSpPr>
+        <p:spPr>
+          <a:xfrm>
+            <a:off x="8042147" y="453643"/>
+            <a:ext cx="3703320" cy="98554"/>
+          </a:xfrm>
+          <a:prstGeom prst="rect">
+            <a:avLst/>
+          </a:prstGeom>
+          <a:solidFill>
+            <a:schemeClr val="accent4"/>
+          </a:solidFill>
+          <a:ln>
+            <a:noFill/>
+          </a:ln>
+          <a:effectLst/>
+        </p:spPr>
+        <p:style>
+          <a:lnRef idx="1">
+            <a:schemeClr val="accent1"/>
+          </a:lnRef>
+          <a:fillRef idx="3">
+            <a:schemeClr val="accent1"/>
+          </a:fillRef>
+          <a:effectRef idx="2">
+            <a:schemeClr val="accent1"/>
+          </a:effectRef>
+          <a:fontRef idx="minor">
+            <a:schemeClr val="lt1"/>
+          </a:fontRef>
+        </p:style>
+      </p:sp>
+      <p:sp>
+        <p:nvSpPr>
+          <p:cNvPr id="11" name="Rectangle 10"/>
+          <p:cNvSpPr/>
+          <p:nvPr/>
+        </p:nvSpPr>
+        <p:spPr>
+          <a:xfrm>
+            <a:off x="4241830" y="457200"/>
+            <a:ext cx="3703320" cy="91440"/>
+          </a:xfrm>
+          <a:prstGeom prst="rect">
+            <a:avLst/>
+          </a:prstGeom>
+          <a:solidFill>
+            <a:schemeClr val="accent2"/>
+          </a:solidFill>
+          <a:ln>
+            <a:noFill/>
+          </a:ln>
+          <a:effectLst/>
+        </p:spPr>
+        <p:style>
+          <a:lnRef idx="1">
+            <a:schemeClr val="accent1"/>
+          </a:lnRef>
+          <a:fillRef idx="3">
+            <a:schemeClr val="accent1"/>
+          </a:fillRef>
+          <a:effectRef idx="2">
+            <a:schemeClr val="accent1"/>
+          </a:effectRef>
+          <a:fontRef idx="minor">
+            <a:schemeClr val="lt1"/>
+          </a:fontRef>
+        </p:style>
+      </p:sp>
     </p:spTree>
     <p:extLst>
       <p:ext uri="{BB962C8B-B14F-4D97-AF65-F5344CB8AC3E}">
-        <p14:creationId xmlns:p14="http://schemas.microsoft.com/office/powerpoint/2010/main" val="3267921635"/>
+        <p14:creationId xmlns:p14="http://schemas.microsoft.com/office/powerpoint/2010/main" val="3341872557"/>
       </p:ext>
     </p:extLst>
   </p:cSld>
   <p:clrMap bg1="lt1" tx1="dk1" bg2="lt2" tx2="dk2" accent1="accent1" accent2="accent2" accent3="accent3" accent4="accent4" accent5="accent5" accent6="accent6" hlink="hlink" folHlink="folHlink"/>
   <p:sldLayoutIdLst>
-    <p:sldLayoutId id="2147483649" r:id="rId1"/>
-    <p:sldLayoutId id="2147483650" r:id="rId2"/>
-    <p:sldLayoutId id="2147483651" r:id="rId3"/>
-    <p:sldLayoutId id="2147483652" r:id="rId4"/>
-    <p:sldLayoutId id="2147483653" r:id="rId5"/>
-    <p:sldLayoutId id="2147483654" r:id="rId6"/>
-    <p:sldLayoutId id="2147483655" r:id="rId7"/>
-    <p:sldLayoutId id="2147483656" r:id="rId8"/>
-    <p:sldLayoutId id="2147483657" r:id="rId9"/>
-    <p:sldLayoutId id="2147483658" r:id="rId10"/>
-    <p:sldLayoutId id="2147483659" r:id="rId11"/>
+    <p:sldLayoutId id="2147483880" r:id="rId1"/>
+    <p:sldLayoutId id="2147483881" r:id="rId2"/>
+    <p:sldLayoutId id="2147483882" r:id="rId3"/>
+    <p:sldLayoutId id="2147483883" r:id="rId4"/>
+    <p:sldLayoutId id="2147483884" r:id="rId5"/>
+    <p:sldLayoutId id="2147483885" r:id="rId6"/>
+    <p:sldLayoutId id="2147483886" r:id="rId7"/>
+    <p:sldLayoutId id="2147483887" r:id="rId8"/>
+    <p:sldLayoutId id="2147483888" r:id="rId9"/>
+    <p:sldLayoutId id="2147483889" r:id="rId10"/>
+    <p:sldLayoutId id="2147483890" r:id="rId11"/>
   </p:sldLayoutIdLst>
   <p:txStyles>
     <p:titleStyle>
-      <a:lvl1pPr algn="l" defTabSz="914400" rtl="0" eaLnBrk="1" latinLnBrk="0" hangingPunct="1">
-        <a:lnSpc>
-          <a:spcPct val="90000"/>
-        </a:lnSpc>
+      <a:lvl1pPr algn="l" defTabSz="457200" rtl="0" eaLnBrk="1" latinLnBrk="0" hangingPunct="1">
         <a:spcBef>
           <a:spcPct val="0"/>
         </a:spcBef>
         <a:buNone/>
-        <a:defRPr sz="4400" kern="1200">
+        <a:defRPr sz="2800" b="0" kern="1200" cap="all">
           <a:solidFill>
-            <a:schemeClr val="tx1"/>
+            <a:schemeClr val="bg1"/>
           </a:solidFill>
           <a:latin typeface="+mj-lt"/>
           <a:ea typeface="+mj-ea"/>
           <a:cs typeface="+mj-cs"/>
         </a:defRPr>
       </a:lvl1pPr>
+      <a:lvl2pPr eaLnBrk="1" hangingPunct="1">
+        <a:defRPr>
+          <a:solidFill>
+            <a:schemeClr val="tx2"/>
+          </a:solidFill>
+        </a:defRPr>
+      </a:lvl2pPr>
+      <a:lvl3pPr eaLnBrk="1" hangingPunct="1">
+        <a:defRPr>
+          <a:solidFill>
+            <a:schemeClr val="tx2"/>
+          </a:solidFill>
+        </a:defRPr>
+      </a:lvl3pPr>
+      <a:lvl4pPr eaLnBrk="1" hangingPunct="1">
+        <a:defRPr>
+          <a:solidFill>
+            <a:schemeClr val="tx2"/>
+          </a:solidFill>
+        </a:defRPr>
+      </a:lvl4pPr>
+      <a:lvl5pPr eaLnBrk="1" hangingPunct="1">
+        <a:defRPr>
+          <a:solidFill>
+            <a:schemeClr val="tx2"/>
+          </a:solidFill>
+        </a:defRPr>
+      </a:lvl5pPr>
+      <a:lvl6pPr eaLnBrk="1" hangingPunct="1">
+        <a:defRPr>
+          <a:solidFill>
+            <a:schemeClr val="tx2"/>
+          </a:solidFill>
+        </a:defRPr>
+      </a:lvl6pPr>
+      <a:lvl7pPr eaLnBrk="1" hangingPunct="1">
+        <a:defRPr>
+          <a:solidFill>
+            <a:schemeClr val="tx2"/>
+          </a:solidFill>
+        </a:defRPr>
+      </a:lvl7pPr>
+      <a:lvl8pPr eaLnBrk="1" hangingPunct="1">
+        <a:defRPr>
+          <a:solidFill>
+            <a:schemeClr val="tx2"/>
+          </a:solidFill>
+        </a:defRPr>
+      </a:lvl8pPr>
+      <a:lvl9pPr eaLnBrk="1" hangingPunct="1">
+        <a:defRPr>
+          <a:solidFill>
+            <a:schemeClr val="tx2"/>
+          </a:solidFill>
+        </a:defRPr>
+      </a:lvl9pPr>
     </p:titleStyle>
     <p:bodyStyle>
-      <a:lvl1pPr marL="228600" indent="-228600" algn="l" defTabSz="914400" rtl="0" eaLnBrk="1" latinLnBrk="0" hangingPunct="1">
-        <a:lnSpc>
-          <a:spcPct val="90000"/>
-        </a:lnSpc>
+      <a:lvl1pPr marL="306000" indent="-306000" algn="l" defTabSz="457200" rtl="0" eaLnBrk="1" latinLnBrk="0" hangingPunct="1">
         <a:spcBef>
-          <a:spcPts val="1000"/>
+          <a:spcPct val="20000"/>
         </a:spcBef>
-        <a:buFont typeface="Arial" panose="020B0604020202020204" pitchFamily="34" charset="0"/>
-        <a:buChar char="•"/>
-        <a:defRPr sz="2800" kern="1200">
+        <a:spcAft>
+          <a:spcPts val="600"/>
+        </a:spcAft>
+        <a:buClr>
+          <a:schemeClr val="accent2"/>
+        </a:buClr>
+        <a:buSzPct val="92000"/>
+        <a:buFont typeface="Wingdings 2" panose="05020102010507070707" pitchFamily="18" charset="2"/>
+        <a:buChar char=""/>
+        <a:defRPr sz="1800" kern="1200">
           <a:solidFill>
-            <a:schemeClr val="tx1"/>
+            <a:schemeClr val="tx2"/>
           </a:solidFill>
           <a:latin typeface="+mn-lt"/>
           <a:ea typeface="+mn-ea"/>
           <a:cs typeface="+mn-cs"/>
         </a:defRPr>
       </a:lvl1pPr>
-      <a:lvl2pPr marL="685800" indent="-228600" algn="l" defTabSz="914400" rtl="0" eaLnBrk="1" latinLnBrk="0" hangingPunct="1">
-        <a:lnSpc>
-          <a:spcPct val="90000"/>
-        </a:lnSpc>
+      <a:lvl2pPr marL="630000" indent="-306000" algn="l" defTabSz="457200" rtl="0" eaLnBrk="1" latinLnBrk="0" hangingPunct="1">
         <a:spcBef>
-          <a:spcPts val="500"/>
+          <a:spcPct val="20000"/>
         </a:spcBef>
-        <a:buFont typeface="Arial" panose="020B0604020202020204" pitchFamily="34" charset="0"/>
-        <a:buChar char="•"/>
-        <a:defRPr sz="2400" kern="1200">
+        <a:spcAft>
+          <a:spcPts val="600"/>
+        </a:spcAft>
+        <a:buClr>
+          <a:schemeClr val="accent2"/>
+        </a:buClr>
+        <a:buSzPct val="92000"/>
+        <a:buFont typeface="Wingdings 2" panose="05020102010507070707" pitchFamily="18" charset="2"/>
+        <a:buChar char=""/>
+        <a:defRPr sz="1600" kern="1200">
           <a:solidFill>
-            <a:schemeClr val="tx1"/>
+            <a:schemeClr val="tx2"/>
           </a:solidFill>
           <a:latin typeface="+mn-lt"/>
           <a:ea typeface="+mn-ea"/>
           <a:cs typeface="+mn-cs"/>
         </a:defRPr>
       </a:lvl2pPr>
-      <a:lvl3pPr marL="1143000" indent="-228600" algn="l" defTabSz="914400" rtl="0" eaLnBrk="1" latinLnBrk="0" hangingPunct="1">
-        <a:lnSpc>
-          <a:spcPct val="90000"/>
-        </a:lnSpc>
+      <a:lvl3pPr marL="900000" indent="-270000" algn="l" defTabSz="457200" rtl="0" eaLnBrk="1" latinLnBrk="0" hangingPunct="1">
         <a:spcBef>
-          <a:spcPts val="500"/>
+          <a:spcPct val="20000"/>
         </a:spcBef>
-        <a:buFont typeface="Arial" panose="020B0604020202020204" pitchFamily="34" charset="0"/>
-        <a:buChar char="•"/>
-        <a:defRPr sz="2000" kern="1200">
+        <a:spcAft>
+          <a:spcPts val="600"/>
+        </a:spcAft>
+        <a:buClr>
+          <a:schemeClr val="accent2"/>
+        </a:buClr>
+        <a:buSzPct val="92000"/>
+        <a:buFont typeface="Wingdings 2" panose="05020102010507070707" pitchFamily="18" charset="2"/>
+        <a:buChar char=""/>
+        <a:defRPr sz="1400" kern="1200">
           <a:solidFill>
-            <a:schemeClr val="tx1"/>
+            <a:schemeClr val="tx2"/>
           </a:solidFill>
           <a:latin typeface="+mn-lt"/>
           <a:ea typeface="+mn-ea"/>
           <a:cs typeface="+mn-cs"/>
         </a:defRPr>
       </a:lvl3pPr>
-      <a:lvl4pPr marL="1600200" indent="-228600" algn="l" defTabSz="914400" rtl="0" eaLnBrk="1" latinLnBrk="0" hangingPunct="1">
-        <a:lnSpc>
-          <a:spcPct val="90000"/>
-        </a:lnSpc>
+      <a:lvl4pPr marL="1242000" indent="-234000" algn="l" defTabSz="457200" rtl="0" eaLnBrk="1" latinLnBrk="0" hangingPunct="1">
         <a:spcBef>
-          <a:spcPts val="500"/>
+          <a:spcPct val="20000"/>
         </a:spcBef>
-        <a:buFont typeface="Arial" panose="020B0604020202020204" pitchFamily="34" charset="0"/>
-        <a:buChar char="•"/>
-        <a:defRPr sz="1800" kern="1200">
+        <a:spcAft>
+          <a:spcPts val="600"/>
+        </a:spcAft>
+        <a:buClr>
+          <a:schemeClr val="accent2"/>
+        </a:buClr>
+        <a:buSzPct val="92000"/>
+        <a:buFont typeface="Wingdings 2" panose="05020102010507070707" pitchFamily="18" charset="2"/>
+        <a:buChar char=""/>
+        <a:defRPr sz="1200" kern="1200">
           <a:solidFill>
-            <a:schemeClr val="tx1"/>
+            <a:schemeClr val="tx2"/>
           </a:solidFill>
           <a:latin typeface="+mn-lt"/>
           <a:ea typeface="+mn-ea"/>
           <a:cs typeface="+mn-cs"/>
         </a:defRPr>
       </a:lvl4pPr>
-      <a:lvl5pPr marL="2057400" indent="-228600" algn="l" defTabSz="914400" rtl="0" eaLnBrk="1" latinLnBrk="0" hangingPunct="1">
-        <a:lnSpc>
-          <a:spcPct val="90000"/>
-        </a:lnSpc>
+      <a:lvl5pPr marL="1602000" indent="-234000" algn="l" defTabSz="457200" rtl="0" eaLnBrk="1" latinLnBrk="0" hangingPunct="1">
         <a:spcBef>
-          <a:spcPts val="500"/>
+          <a:spcPct val="20000"/>
         </a:spcBef>
-        <a:buFont typeface="Arial" panose="020B0604020202020204" pitchFamily="34" charset="0"/>
-        <a:buChar char="•"/>
-        <a:defRPr sz="1800" kern="1200">
+        <a:spcAft>
+          <a:spcPts val="600"/>
+        </a:spcAft>
+        <a:buClr>
+          <a:schemeClr val="accent2"/>
+        </a:buClr>
+        <a:buSzPct val="92000"/>
+        <a:buFont typeface="Wingdings 2" panose="05020102010507070707" pitchFamily="18" charset="2"/>
+        <a:buChar char=""/>
+        <a:defRPr sz="1200" kern="1200">
           <a:solidFill>
-            <a:schemeClr val="tx1"/>
+            <a:schemeClr val="tx2"/>
           </a:solidFill>
           <a:latin typeface="+mn-lt"/>
           <a:ea typeface="+mn-ea"/>
           <a:cs typeface="+mn-cs"/>
         </a:defRPr>
       </a:lvl5pPr>
-      <a:lvl6pPr marL="2514600" indent="-228600" algn="l" defTabSz="914400" rtl="0" eaLnBrk="1" latinLnBrk="0" hangingPunct="1">
-        <a:lnSpc>
-          <a:spcPct val="90000"/>
-        </a:lnSpc>
+      <a:lvl6pPr marL="1900000" indent="-228600" algn="l" defTabSz="457200" rtl="0" eaLnBrk="1" latinLnBrk="0" hangingPunct="1">
         <a:spcBef>
-          <a:spcPts val="500"/>
+          <a:spcPct val="20000"/>
         </a:spcBef>
-        <a:buFont typeface="Arial" panose="020B0604020202020204" pitchFamily="34" charset="0"/>
-        <a:buChar char="•"/>
-        <a:defRPr sz="1800" kern="1200">
+        <a:spcAft>
+          <a:spcPts val="600"/>
+        </a:spcAft>
+        <a:buClr>
+          <a:schemeClr val="accent2"/>
+        </a:buClr>
+        <a:buSzPct val="92000"/>
+        <a:buFont typeface="Wingdings 2" panose="05020102010507070707" pitchFamily="18" charset="2"/>
+        <a:buChar char=""/>
+        <a:defRPr sz="1200" kern="1200">
           <a:solidFill>
-            <a:schemeClr val="tx1"/>
+            <a:schemeClr val="tx2"/>
           </a:solidFill>
           <a:latin typeface="+mn-lt"/>
           <a:ea typeface="+mn-ea"/>
           <a:cs typeface="+mn-cs"/>
         </a:defRPr>
       </a:lvl6pPr>
-      <a:lvl7pPr marL="2971800" indent="-228600" algn="l" defTabSz="914400" rtl="0" eaLnBrk="1" latinLnBrk="0" hangingPunct="1">
-        <a:lnSpc>
-          <a:spcPct val="90000"/>
-        </a:lnSpc>
+      <a:lvl7pPr marL="2200000" indent="-228600" algn="l" defTabSz="457200" rtl="0" eaLnBrk="1" latinLnBrk="0" hangingPunct="1">
         <a:spcBef>
-          <a:spcPts val="500"/>
+          <a:spcPct val="20000"/>
         </a:spcBef>
-        <a:buFont typeface="Arial" panose="020B0604020202020204" pitchFamily="34" charset="0"/>
-        <a:buChar char="•"/>
-        <a:defRPr sz="1800" kern="1200">
+        <a:spcAft>
+          <a:spcPts val="600"/>
+        </a:spcAft>
+        <a:buClr>
+          <a:schemeClr val="accent2"/>
+        </a:buClr>
+        <a:buSzPct val="92000"/>
+        <a:buFont typeface="Wingdings 2" panose="05020102010507070707" pitchFamily="18" charset="2"/>
+        <a:buChar char=""/>
+        <a:defRPr sz="1200" kern="1200">
           <a:solidFill>
-            <a:schemeClr val="tx1"/>
+            <a:schemeClr val="tx2"/>
           </a:solidFill>
           <a:latin typeface="+mn-lt"/>
           <a:ea typeface="+mn-ea"/>
           <a:cs typeface="+mn-cs"/>
         </a:defRPr>
       </a:lvl7pPr>
-      <a:lvl8pPr marL="3429000" indent="-228600" algn="l" defTabSz="914400" rtl="0" eaLnBrk="1" latinLnBrk="0" hangingPunct="1">
-        <a:lnSpc>
-          <a:spcPct val="90000"/>
-        </a:lnSpc>
+      <a:lvl8pPr marL="2500000" indent="-228600" algn="l" defTabSz="457200" rtl="0" eaLnBrk="1" latinLnBrk="0" hangingPunct="1">
         <a:spcBef>
-          <a:spcPts val="500"/>
+          <a:spcPct val="20000"/>
         </a:spcBef>
-        <a:buFont typeface="Arial" panose="020B0604020202020204" pitchFamily="34" charset="0"/>
-        <a:buChar char="•"/>
-        <a:defRPr sz="1800" kern="1200">
+        <a:spcAft>
+          <a:spcPts val="600"/>
+        </a:spcAft>
+        <a:buClr>
+          <a:schemeClr val="accent2"/>
+        </a:buClr>
+        <a:buSzPct val="92000"/>
+        <a:buFont typeface="Wingdings 2" panose="05020102010507070707" pitchFamily="18" charset="2"/>
+        <a:buChar char=""/>
+        <a:defRPr sz="1200" kern="1200">
           <a:solidFill>
-            <a:schemeClr val="tx1"/>
+            <a:schemeClr val="tx2"/>
           </a:solidFill>
           <a:latin typeface="+mn-lt"/>
           <a:ea typeface="+mn-ea"/>
           <a:cs typeface="+mn-cs"/>
         </a:defRPr>
       </a:lvl8pPr>
-      <a:lvl9pPr marL="3886200" indent="-228600" algn="l" defTabSz="914400" rtl="0" eaLnBrk="1" latinLnBrk="0" hangingPunct="1">
-        <a:lnSpc>
-          <a:spcPct val="90000"/>
-        </a:lnSpc>
+      <a:lvl9pPr marL="2800000" indent="-228600" algn="l" defTabSz="457200" rtl="0" eaLnBrk="1" latinLnBrk="0" hangingPunct="1">
         <a:spcBef>
-          <a:spcPts val="500"/>
+          <a:spcPct val="20000"/>
         </a:spcBef>
-        <a:buFont typeface="Arial" panose="020B0604020202020204" pitchFamily="34" charset="0"/>
-        <a:buChar char="•"/>
-        <a:defRPr sz="1800" kern="1200">
+        <a:spcAft>
+          <a:spcPts val="600"/>
+        </a:spcAft>
+        <a:buClr>
+          <a:schemeClr val="accent2"/>
+        </a:buClr>
+        <a:buSzPct val="92000"/>
+        <a:buFont typeface="Wingdings 2" panose="05020102010507070707" pitchFamily="18" charset="2"/>
+        <a:buChar char=""/>
+        <a:defRPr sz="1200" kern="1200">
           <a:solidFill>
-            <a:schemeClr val="tx1"/>
+            <a:schemeClr val="tx2"/>
           </a:solidFill>
           <a:latin typeface="+mn-lt"/>
           <a:ea typeface="+mn-ea"/>
@@ -3224,7 +4195,7 @@
       <a:defPPr>
         <a:defRPr lang="en-US"/>
       </a:defPPr>
-      <a:lvl1pPr marL="0" algn="l" defTabSz="914400" rtl="0" eaLnBrk="1" latinLnBrk="0" hangingPunct="1">
+      <a:lvl1pPr marL="0" algn="l" defTabSz="457200" rtl="0" eaLnBrk="1" latinLnBrk="0" hangingPunct="1">
         <a:defRPr sz="1800" kern="1200">
           <a:solidFill>
             <a:schemeClr val="tx1"/>
@@ -3234,7 +4205,7 @@
           <a:cs typeface="+mn-cs"/>
         </a:defRPr>
       </a:lvl1pPr>
-      <a:lvl2pPr marL="457200" algn="l" defTabSz="914400" rtl="0" eaLnBrk="1" latinLnBrk="0" hangingPunct="1">
+      <a:lvl2pPr marL="457200" algn="l" defTabSz="457200" rtl="0" eaLnBrk="1" latinLnBrk="0" hangingPunct="1">
         <a:defRPr sz="1800" kern="1200">
           <a:solidFill>
             <a:schemeClr val="tx1"/>
@@ -3244,7 +4215,7 @@
           <a:cs typeface="+mn-cs"/>
         </a:defRPr>
       </a:lvl2pPr>
-      <a:lvl3pPr marL="914400" algn="l" defTabSz="914400" rtl="0" eaLnBrk="1" latinLnBrk="0" hangingPunct="1">
+      <a:lvl3pPr marL="914400" algn="l" defTabSz="457200" rtl="0" eaLnBrk="1" latinLnBrk="0" hangingPunct="1">
         <a:defRPr sz="1800" kern="1200">
           <a:solidFill>
             <a:schemeClr val="tx1"/>
@@ -3254,7 +4225,7 @@
           <a:cs typeface="+mn-cs"/>
         </a:defRPr>
       </a:lvl3pPr>
-      <a:lvl4pPr marL="1371600" algn="l" defTabSz="914400" rtl="0" eaLnBrk="1" latinLnBrk="0" hangingPunct="1">
+      <a:lvl4pPr marL="1371600" algn="l" defTabSz="457200" rtl="0" eaLnBrk="1" latinLnBrk="0" hangingPunct="1">
         <a:defRPr sz="1800" kern="1200">
           <a:solidFill>
             <a:schemeClr val="tx1"/>
@@ -3264,7 +4235,7 @@
           <a:cs typeface="+mn-cs"/>
         </a:defRPr>
       </a:lvl4pPr>
-      <a:lvl5pPr marL="1828800" algn="l" defTabSz="914400" rtl="0" eaLnBrk="1" latinLnBrk="0" hangingPunct="1">
+      <a:lvl5pPr marL="1828800" algn="l" defTabSz="457200" rtl="0" eaLnBrk="1" latinLnBrk="0" hangingPunct="1">
         <a:defRPr sz="1800" kern="1200">
           <a:solidFill>
             <a:schemeClr val="tx1"/>
@@ -3274,7 +4245,7 @@
           <a:cs typeface="+mn-cs"/>
         </a:defRPr>
       </a:lvl5pPr>
-      <a:lvl6pPr marL="2286000" algn="l" defTabSz="914400" rtl="0" eaLnBrk="1" latinLnBrk="0" hangingPunct="1">
+      <a:lvl6pPr marL="2286000" algn="l" defTabSz="457200" rtl="0" eaLnBrk="1" latinLnBrk="0" hangingPunct="1">
         <a:defRPr sz="1800" kern="1200">
           <a:solidFill>
             <a:schemeClr val="tx1"/>
@@ -3284,7 +4255,7 @@
           <a:cs typeface="+mn-cs"/>
         </a:defRPr>
       </a:lvl6pPr>
-      <a:lvl7pPr marL="2743200" algn="l" defTabSz="914400" rtl="0" eaLnBrk="1" latinLnBrk="0" hangingPunct="1">
+      <a:lvl7pPr marL="2743200" algn="l" defTabSz="457200" rtl="0" eaLnBrk="1" latinLnBrk="0" hangingPunct="1">
         <a:defRPr sz="1800" kern="1200">
           <a:solidFill>
             <a:schemeClr val="tx1"/>
@@ -3294,7 +4265,7 @@
           <a:cs typeface="+mn-cs"/>
         </a:defRPr>
       </a:lvl7pPr>
-      <a:lvl8pPr marL="3200400" algn="l" defTabSz="914400" rtl="0" eaLnBrk="1" latinLnBrk="0" hangingPunct="1">
+      <a:lvl8pPr marL="3200400" algn="l" defTabSz="457200" rtl="0" eaLnBrk="1" latinLnBrk="0" hangingPunct="1">
         <a:defRPr sz="1800" kern="1200">
           <a:solidFill>
             <a:schemeClr val="tx1"/>
@@ -3304,7 +4275,7 @@
           <a:cs typeface="+mn-cs"/>
         </a:defRPr>
       </a:lvl8pPr>
-      <a:lvl9pPr marL="3657600" algn="l" defTabSz="914400" rtl="0" eaLnBrk="1" latinLnBrk="0" hangingPunct="1">
+      <a:lvl9pPr marL="3657600" algn="l" defTabSz="457200" rtl="0" eaLnBrk="1" latinLnBrk="0" hangingPunct="1">
         <a:defRPr sz="1800" kern="1200">
           <a:solidFill>
             <a:schemeClr val="tx1"/>
@@ -3354,7 +4325,9 @@
         </p:nvSpPr>
         <p:spPr/>
         <p:txBody>
-          <a:bodyPr/>
+          <a:bodyPr>
+            <a:normAutofit/>
+          </a:bodyPr>
           <a:lstStyle/>
           <a:p>
             <a:r>
@@ -3385,6 +4358,14 @@
           <a:bodyPr/>
           <a:lstStyle/>
           <a:p>
+            <a:r>
+              <a:rPr lang="en-US" dirty="0"/>
+              <a:t>By Derek </a:t>
+            </a:r>
+            <a:r>
+              <a:rPr lang="en-US" dirty="0" err="1"/>
+              <a:t>Samsom</a:t>
+            </a:r>
             <a:endParaRPr lang="en-US" dirty="0"/>
           </a:p>
         </p:txBody>
@@ -3440,7 +4421,10 @@
           <a:bodyPr/>
           <a:lstStyle/>
           <a:p>
-            <a:endParaRPr lang="en-US"/>
+            <a:r>
+              <a:rPr lang="en-US" dirty="0"/>
+              <a:t>Recommendations</a:t>
+            </a:r>
           </a:p>
         </p:txBody>
       </p:sp>
@@ -3467,8 +4451,26 @@
           <a:p>
             <a:r>
               <a:rPr lang="en-US" dirty="0"/>
-              <a:t>Recommendations</a:t>
-            </a:r>
+              <a:t>The model can be improved by adding new information.  For example, weather information is not included in the original data but is widely available and can be added in. </a:t>
+            </a:r>
+          </a:p>
+          <a:p>
+            <a:r>
+              <a:rPr lang="en-US" dirty="0"/>
+              <a:t>Further analysis can be done calculating the expected number of missed appointments when there are multiple appointments available in a time slot. Combining the likelihoods of each patient in a specific time slot would allow the overall likelihood of a desired number of patients to be calculated.</a:t>
+            </a:r>
+          </a:p>
+          <a:p>
+            <a:r>
+              <a:rPr lang="en-US" dirty="0"/>
+              <a:t>There are some valuable insights in the data exploration. For example, patients who missed 10% or less of their prior appointments are overwhelmingly expected to make their appointments.  Making sure not to over-book these patients would be recommended because they are unlikely to miss anyway, and it would keep the best patients happy.</a:t>
+            </a:r>
+          </a:p>
+          <a:p>
+            <a:pPr marL="0" indent="0">
+              <a:buNone/>
+            </a:pPr>
+            <a:endParaRPr lang="en-US" dirty="0"/>
           </a:p>
         </p:txBody>
       </p:sp>
@@ -3523,7 +4525,10 @@
           <a:bodyPr/>
           <a:lstStyle/>
           <a:p>
-            <a:endParaRPr lang="en-US"/>
+            <a:r>
+              <a:rPr lang="en-US" dirty="0"/>
+              <a:t>Conclusion</a:t>
+            </a:r>
           </a:p>
         </p:txBody>
       </p:sp>
@@ -3545,12 +4550,35 @@
         </p:nvSpPr>
         <p:spPr/>
         <p:txBody>
-          <a:bodyPr/>
+          <a:bodyPr>
+            <a:normAutofit lnSpcReduction="10000"/>
+          </a:bodyPr>
           <a:lstStyle/>
           <a:p>
+            <a:pPr marL="0" indent="0">
+              <a:buNone/>
+            </a:pPr>
             <a:r>
               <a:rPr lang="en-US" dirty="0"/>
-              <a:t>Final summary</a:t>
+              <a:t>Predicting missed appointments is challenging because there are many reasons an appointment can be missed that can’t be known in advance of future appointments due to their random nature, such as having a flat tire or getting called in to a last-minute work meeting.  </a:t>
+            </a:r>
+          </a:p>
+          <a:p>
+            <a:pPr marL="0" indent="0">
+              <a:buNone/>
+            </a:pPr>
+            <a:r>
+              <a:rPr lang="en-US" dirty="0"/>
+              <a:t>Despite the challenges, indirect information about the patient and the appointment can still help predict whether an appointment will be missed. While these predictions have an inherent level of error, they still provide useful information.</a:t>
+            </a:r>
+          </a:p>
+          <a:p>
+            <a:pPr marL="0" indent="0">
+              <a:buNone/>
+            </a:pPr>
+            <a:r>
+              <a:rPr lang="en-US" dirty="0"/>
+              <a:t>With a perfect prediction, a medical provider could completely make up for the lost revenue due to missed appointments by overbooking by just the right amount, without resulting in times the overbooking leads to having more patients than desired.  Due to the inherent prediction error,  there will still be times that the overbooking is too much or too little, meaning there will still times where there are more or less patients than desired. However, since the model predictions are better than predicting without a model,  the model allows a medical provider to over-book more intelligently, which will allow more lost revenue to be made up for with over-booking  with fewer  negative consequences.</a:t>
             </a:r>
           </a:p>
         </p:txBody>
@@ -3606,7 +4634,10 @@
           <a:bodyPr/>
           <a:lstStyle/>
           <a:p>
-            <a:endParaRPr lang="en-US"/>
+            <a:r>
+              <a:rPr lang="en-US" dirty="0"/>
+              <a:t>Introduction</a:t>
+            </a:r>
           </a:p>
         </p:txBody>
       </p:sp>
@@ -3631,9 +4662,47 @@
           <a:bodyPr/>
           <a:lstStyle/>
           <a:p>
+            <a:pPr marL="0" indent="0">
+              <a:buNone/>
+            </a:pPr>
             <a:r>
               <a:rPr lang="en-US" dirty="0"/>
-              <a:t>Introduction – Explain the Problem and why the client cares</a:t>
+              <a:t>Missed medical appointments are a major problem for medical providers,  resulting  in lost revenue.  The best way to reduce the lost revenue is to over-book the appointments,  but there are two major problems associated with over-booking:</a:t>
+            </a:r>
+          </a:p>
+          <a:p>
+            <a:pPr>
+              <a:buFont typeface="Wingdings" pitchFamily="2" charset="2"/>
+              <a:buChar char="§"/>
+            </a:pPr>
+            <a:r>
+              <a:rPr lang="en-US" dirty="0"/>
+              <a:t>Too much over-booking results in overwhelming the staff and resources, and reduced patient satisfaction.</a:t>
+            </a:r>
+          </a:p>
+          <a:p>
+            <a:pPr>
+              <a:buFont typeface="Wingdings" pitchFamily="2" charset="2"/>
+              <a:buChar char="§"/>
+            </a:pPr>
+            <a:r>
+              <a:rPr lang="en-US" dirty="0"/>
+              <a:t>Too little over-booking doesn’t solve the problem of lost revenue.</a:t>
+            </a:r>
+          </a:p>
+          <a:p>
+            <a:pPr marL="0" indent="0">
+              <a:buNone/>
+            </a:pPr>
+            <a:endParaRPr lang="en-US" dirty="0"/>
+          </a:p>
+          <a:p>
+            <a:pPr marL="0" indent="0">
+              <a:buNone/>
+            </a:pPr>
+            <a:r>
+              <a:rPr lang="en-US" dirty="0"/>
+              <a:t>Predicting which appointments will be kept and missed will help with both of these issues,  allowing for more missed appointments to be filled in with over-booking while creating fewer issues associated with having too many patients at a given time.</a:t>
             </a:r>
           </a:p>
         </p:txBody>
@@ -3689,7 +4758,10 @@
           <a:bodyPr/>
           <a:lstStyle/>
           <a:p>
-            <a:endParaRPr lang="en-US"/>
+            <a:r>
+              <a:rPr lang="en-US" dirty="0"/>
+              <a:t>Objectives</a:t>
+            </a:r>
           </a:p>
         </p:txBody>
       </p:sp>
@@ -3714,10 +4786,49 @@
           <a:bodyPr/>
           <a:lstStyle/>
           <a:p>
+            <a:endParaRPr lang="en-US" dirty="0"/>
+          </a:p>
+          <a:p>
+            <a:pPr marL="0" indent="0">
+              <a:buNone/>
+            </a:pPr>
             <a:r>
               <a:rPr lang="en-US" dirty="0"/>
-              <a:t>Objectives – Explain what the project is trying to accomplish</a:t>
-            </a:r>
+              <a:t>There are two primary objectives:</a:t>
+            </a:r>
+          </a:p>
+          <a:p>
+            <a:r>
+              <a:rPr lang="en-US" dirty="0"/>
+              <a:t>Predict which appointments will be missed</a:t>
+            </a:r>
+          </a:p>
+          <a:p>
+            <a:r>
+              <a:rPr lang="en-US" dirty="0"/>
+              <a:t>Predict the probability of an appointment being missed</a:t>
+            </a:r>
+          </a:p>
+          <a:p>
+            <a:pPr marL="0" indent="0">
+              <a:buNone/>
+            </a:pPr>
+            <a:endParaRPr lang="en-US" dirty="0"/>
+          </a:p>
+          <a:p>
+            <a:pPr marL="0" indent="0">
+              <a:buNone/>
+            </a:pPr>
+            <a:r>
+              <a:rPr lang="en-US" dirty="0"/>
+              <a:t>Errors in the predictions will result in the undesirable effects of too much or too little over-booking.  Reducing the prediction errors as much as possible will allow for greater reduction in lost revenue from missed appointments while also minimizing instances of having more patients then expected.</a:t>
+            </a:r>
+          </a:p>
+          <a:p>
+            <a:endParaRPr lang="en-US" dirty="0"/>
+          </a:p>
+          <a:p>
+            <a:endParaRPr lang="en-US" dirty="0"/>
           </a:p>
         </p:txBody>
       </p:sp>
@@ -3772,7 +4883,10 @@
           <a:bodyPr/>
           <a:lstStyle/>
           <a:p>
-            <a:endParaRPr lang="en-US"/>
+            <a:r>
+              <a:rPr lang="en-US" dirty="0"/>
+              <a:t>Data</a:t>
+            </a:r>
           </a:p>
         </p:txBody>
       </p:sp>
@@ -3799,16 +4913,25 @@
           <a:p>
             <a:r>
               <a:rPr lang="en-US" dirty="0"/>
-              <a:t>About the Data</a:t>
-            </a:r>
-          </a:p>
-          <a:p>
-            <a:endParaRPr lang="en-US" dirty="0"/>
+              <a:t>The data contains information on over 340,000 historical appointments.</a:t>
+            </a:r>
           </a:p>
           <a:p>
             <a:r>
               <a:rPr lang="en-US" dirty="0"/>
-              <a:t>Mention % missed</a:t>
+              <a:t>For each appointment, the data contains information about the patient including age,  gender,  prior number of appointments kept or missed,  distance to the office,  and billing type.</a:t>
+            </a:r>
+          </a:p>
+          <a:p>
+            <a:r>
+              <a:rPr lang="en-US" dirty="0"/>
+              <a:t>The data contains information about the appointment, including the date, time, length, and the specialty provided by the medical staff.</a:t>
+            </a:r>
+          </a:p>
+          <a:p>
+            <a:r>
+              <a:rPr lang="en-US" dirty="0"/>
+              <a:t>The overall rate of missed appointments in the historical data is 16 %.</a:t>
             </a:r>
           </a:p>
         </p:txBody>
@@ -3848,7 +4971,7 @@
           <p:cNvPr id="2" name="Title 1">
             <a:extLst>
               <a:ext uri="{FF2B5EF4-FFF2-40B4-BE49-F238E27FC236}">
-                <a16:creationId xmlns:a16="http://schemas.microsoft.com/office/drawing/2014/main" id="{A6FCF91A-D36B-1242-ABB6-1471353D06D1}"/>
+                <a16:creationId xmlns:a16="http://schemas.microsoft.com/office/drawing/2014/main" id="{D749E0C2-AFBB-DB40-8964-10407C6E9AE2}"/>
               </a:ext>
             </a:extLst>
           </p:cNvPr>
@@ -3866,7 +4989,7 @@
           <a:p>
             <a:r>
               <a:rPr lang="en-US" dirty="0"/>
-              <a:t>Patient Age</a:t>
+              <a:t>Expectations</a:t>
             </a:r>
           </a:p>
         </p:txBody>
@@ -3876,7 +4999,7 @@
           <p:cNvPr id="3" name="Content Placeholder 2">
             <a:extLst>
               <a:ext uri="{FF2B5EF4-FFF2-40B4-BE49-F238E27FC236}">
-                <a16:creationId xmlns:a16="http://schemas.microsoft.com/office/drawing/2014/main" id="{9B024F61-F6DF-2644-82E5-024C8E0B4BAA}"/>
+                <a16:creationId xmlns:a16="http://schemas.microsoft.com/office/drawing/2014/main" id="{548AE131-2BB1-6B43-93F0-1561E9C24EC3}"/>
               </a:ext>
             </a:extLst>
           </p:cNvPr>
@@ -3892,51 +5015,60 @@
           <a:bodyPr/>
           <a:lstStyle/>
           <a:p>
+            <a:pPr>
+              <a:buFont typeface="Wingdings" pitchFamily="2" charset="2"/>
+              <a:buChar char="§"/>
+            </a:pPr>
             <a:r>
               <a:rPr lang="en-US" dirty="0"/>
-              <a:t>Exploration - age</a:t>
-            </a:r>
-          </a:p>
-        </p:txBody>
-      </p:sp>
-      <p:pic>
-        <p:nvPicPr>
-          <p:cNvPr id="4" name="Picture">
-            <a:extLst>
-              <a:ext uri="{FF2B5EF4-FFF2-40B4-BE49-F238E27FC236}">
-                <a16:creationId xmlns:a16="http://schemas.microsoft.com/office/drawing/2014/main" id="{0005FFED-BAEA-5D4F-AE3C-6388C7414CC4}"/>
-              </a:ext>
-            </a:extLst>
-          </p:cNvPr>
-          <p:cNvPicPr/>
-          <p:nvPr/>
-        </p:nvPicPr>
-        <p:blipFill>
-          <a:blip r:embed="rId2"/>
-          <a:stretch>
-            <a:fillRect/>
-          </a:stretch>
-        </p:blipFill>
-        <p:spPr bwMode="auto">
-          <a:xfrm>
-            <a:off x="6100762" y="2182018"/>
-            <a:ext cx="5253038" cy="3875881"/>
-          </a:xfrm>
-          <a:prstGeom prst="rect">
-            <a:avLst/>
-          </a:prstGeom>
-          <a:noFill/>
-          <a:ln w="9525">
-            <a:noFill/>
-            <a:headEnd/>
-            <a:tailEnd/>
-          </a:ln>
-        </p:spPr>
-      </p:pic>
+              <a:t>There are countless reasons a patient might miss an appointment that are not directly captured in the data and can’t be known ahead of time for future appointments.</a:t>
+            </a:r>
+          </a:p>
+          <a:p>
+            <a:pPr>
+              <a:buFont typeface="Wingdings" pitchFamily="2" charset="2"/>
+              <a:buChar char="§"/>
+            </a:pPr>
+            <a:r>
+              <a:rPr lang="en-US" dirty="0"/>
+              <a:t>For example:  A random reason to miss an appointment could be getting a flat tire.  The actual cause, the flat tire, is not recorded in the historical data, and can’t be known ahead of future appointments.</a:t>
+            </a:r>
+          </a:p>
+          <a:p>
+            <a:pPr>
+              <a:buFont typeface="Wingdings" pitchFamily="2" charset="2"/>
+              <a:buChar char="§"/>
+            </a:pPr>
+            <a:r>
+              <a:rPr lang="en-US" dirty="0"/>
+              <a:t>The predictions are based on indirect factors.  A prediction can be based on characteristics of a patient or appointment that is more likely to be impacted by an event such as a flat tire, but it can’t predict the flat tire.  There will be a level of prediction error that can’t be eliminated.</a:t>
+            </a:r>
+          </a:p>
+          <a:p>
+            <a:pPr>
+              <a:buFont typeface="Wingdings" pitchFamily="2" charset="2"/>
+              <a:buChar char="§"/>
+            </a:pPr>
+            <a:r>
+              <a:rPr lang="en-US" dirty="0"/>
+              <a:t>Despite the limitations, even an imperfect model has benefits over having no means to predict missed appointments, and will allow providers to reduce the lost revenue due to missed appointments.</a:t>
+            </a:r>
+          </a:p>
+          <a:p>
+            <a:pPr marL="0" indent="0">
+              <a:buNone/>
+            </a:pPr>
+            <a:r>
+              <a:rPr lang="en-US" dirty="0"/>
+              <a:t> </a:t>
+            </a:r>
+          </a:p>
+        </p:txBody>
+      </p:sp>
     </p:spTree>
     <p:extLst>
       <p:ext uri="{BB962C8B-B14F-4D97-AF65-F5344CB8AC3E}">
-        <p14:creationId xmlns:p14="http://schemas.microsoft.com/office/powerpoint/2010/main" val="2498470771"/>
+        <p14:creationId xmlns:p14="http://schemas.microsoft.com/office/powerpoint/2010/main" val="2539452626"/>
       </p:ext>
     </p:extLst>
   </p:cSld>
@@ -3968,7 +5100,7 @@
           <p:cNvPr id="2" name="Title 1">
             <a:extLst>
               <a:ext uri="{FF2B5EF4-FFF2-40B4-BE49-F238E27FC236}">
-                <a16:creationId xmlns:a16="http://schemas.microsoft.com/office/drawing/2014/main" id="{120AFC63-0B60-6F4B-B8B0-834F172D80F8}"/>
+                <a16:creationId xmlns:a16="http://schemas.microsoft.com/office/drawing/2014/main" id="{A6FCF91A-D36B-1242-ABB6-1471353D06D1}"/>
               </a:ext>
             </a:extLst>
           </p:cNvPr>
@@ -3986,7 +5118,7 @@
           <a:p>
             <a:r>
               <a:rPr lang="en-US" dirty="0"/>
-              <a:t>Prior Percent of Appointments Missed</a:t>
+              <a:t>Data Exploration - Patient Age</a:t>
             </a:r>
           </a:p>
         </p:txBody>
@@ -3996,7 +5128,7 @@
           <p:cNvPr id="3" name="Content Placeholder 2">
             <a:extLst>
               <a:ext uri="{FF2B5EF4-FFF2-40B4-BE49-F238E27FC236}">
-                <a16:creationId xmlns:a16="http://schemas.microsoft.com/office/drawing/2014/main" id="{24797C02-E055-DC42-B34B-DCA305FF366E}"/>
+                <a16:creationId xmlns:a16="http://schemas.microsoft.com/office/drawing/2014/main" id="{9B024F61-F6DF-2644-82E5-024C8E0B4BAA}"/>
               </a:ext>
             </a:extLst>
           </p:cNvPr>
@@ -4007,24 +5139,56 @@
             <p:ph idx="1"/>
           </p:nvPr>
         </p:nvSpPr>
-        <p:spPr/>
+        <p:spPr>
+          <a:xfrm>
+            <a:off x="393404" y="2094614"/>
+            <a:ext cx="5858539" cy="4274287"/>
+          </a:xfrm>
+        </p:spPr>
         <p:txBody>
           <a:bodyPr/>
           <a:lstStyle/>
           <a:p>
             <a:r>
               <a:rPr lang="en-US" dirty="0"/>
-              <a:t>Exploration – Prior Percent Missed</a:t>
-            </a:r>
+              <a:t>Patient age is a strong predictor of missed appointments.</a:t>
+            </a:r>
+          </a:p>
+          <a:p>
+            <a:r>
+              <a:rPr lang="en-US" dirty="0"/>
+              <a:t>Young adults aged 20-30 have the highest rate of missed appointments,  This could be due to having less critical medical needs that are easier to skip, or having more frequent occurrences where circumstances with children or work result in missing an appointment.</a:t>
+            </a:r>
+          </a:p>
+          <a:p>
+            <a:r>
+              <a:rPr lang="en-US" dirty="0"/>
+              <a:t>Older patients have lowest rate of missed appointments. This could be because the appointments for older people may be for more critical needs, or because they may have lower likelihood of  children or work causing a missed appointment.</a:t>
+            </a:r>
+          </a:p>
+          <a:p>
+            <a:pPr marL="0" indent="0">
+              <a:buNone/>
+            </a:pPr>
+            <a:endParaRPr lang="en-US" dirty="0"/>
+          </a:p>
+          <a:p>
+            <a:endParaRPr lang="en-US" dirty="0"/>
+          </a:p>
+          <a:p>
+            <a:pPr marL="0" indent="0">
+              <a:buNone/>
+            </a:pPr>
+            <a:endParaRPr lang="en-US" dirty="0"/>
           </a:p>
         </p:txBody>
       </p:sp>
       <p:pic>
         <p:nvPicPr>
-          <p:cNvPr id="4" name="Picture">
+          <p:cNvPr id="5" name="Picture">
             <a:extLst>
               <a:ext uri="{FF2B5EF4-FFF2-40B4-BE49-F238E27FC236}">
-                <a16:creationId xmlns:a16="http://schemas.microsoft.com/office/drawing/2014/main" id="{9EB4491B-0868-7F48-83B3-6D8E832D8DC0}"/>
+                <a16:creationId xmlns:a16="http://schemas.microsoft.com/office/drawing/2014/main" id="{E358C6D9-097C-484D-93F9-AE045A0C2A4E}"/>
               </a:ext>
             </a:extLst>
           </p:cNvPr>
@@ -4039,8 +5203,8 @@
         </p:blipFill>
         <p:spPr bwMode="auto">
           <a:xfrm>
-            <a:off x="6386513" y="2309812"/>
-            <a:ext cx="5334000" cy="4267200"/>
+            <a:off x="6600825" y="2244291"/>
+            <a:ext cx="5094988" cy="4124610"/>
           </a:xfrm>
           <a:prstGeom prst="rect">
             <a:avLst/>
@@ -4056,7 +5220,7 @@
     </p:spTree>
     <p:extLst>
       <p:ext uri="{BB962C8B-B14F-4D97-AF65-F5344CB8AC3E}">
-        <p14:creationId xmlns:p14="http://schemas.microsoft.com/office/powerpoint/2010/main" val="3875964426"/>
+        <p14:creationId xmlns:p14="http://schemas.microsoft.com/office/powerpoint/2010/main" val="2498470771"/>
       </p:ext>
     </p:extLst>
   </p:cSld>
@@ -4088,7 +5252,7 @@
           <p:cNvPr id="2" name="Title 1">
             <a:extLst>
               <a:ext uri="{FF2B5EF4-FFF2-40B4-BE49-F238E27FC236}">
-                <a16:creationId xmlns:a16="http://schemas.microsoft.com/office/drawing/2014/main" id="{28F68033-5956-174B-8C76-96E0DD9C43B9}"/>
+                <a16:creationId xmlns:a16="http://schemas.microsoft.com/office/drawing/2014/main" id="{120AFC63-0B60-6F4B-B8B0-834F172D80F8}"/>
               </a:ext>
             </a:extLst>
           </p:cNvPr>
@@ -4106,53 +5270,293 @@
           <a:p>
             <a:r>
               <a:rPr lang="en-US" dirty="0"/>
-              <a:t>Appointment Lead Time</a:t>
-            </a:r>
+              <a:t>Data Exploration - Percent of Prior Appointments Missed</a:t>
+            </a:r>
+          </a:p>
+        </p:txBody>
+      </p:sp>
+      <p:sp>
+        <p:nvSpPr>
+          <p:cNvPr id="3" name="Content Placeholder 2">
+            <a:extLst>
+              <a:ext uri="{FF2B5EF4-FFF2-40B4-BE49-F238E27FC236}">
+                <a16:creationId xmlns:a16="http://schemas.microsoft.com/office/drawing/2014/main" id="{24797C02-E055-DC42-B34B-DCA305FF366E}"/>
+              </a:ext>
+            </a:extLst>
+          </p:cNvPr>
+          <p:cNvSpPr>
+            <a:spLocks noGrp="1"/>
+          </p:cNvSpPr>
+          <p:nvPr>
+            <p:ph idx="1"/>
+          </p:nvPr>
+        </p:nvSpPr>
+        <p:spPr>
+          <a:xfrm>
+            <a:off x="581192" y="2180496"/>
+            <a:ext cx="5695615" cy="4267200"/>
+          </a:xfrm>
+        </p:spPr>
+        <p:txBody>
+          <a:bodyPr>
+            <a:normAutofit lnSpcReduction="10000"/>
+          </a:bodyPr>
+          <a:lstStyle/>
+          <a:p>
+            <a:r>
+              <a:rPr lang="en-US" dirty="0"/>
+              <a:t>The percentage of missed prior appointments is a strong predictor.  The higher the percent of prior missed appointments, the higher the ratio of missed appointments.</a:t>
+            </a:r>
+          </a:p>
+          <a:p>
+            <a:r>
+              <a:rPr lang="en-US" dirty="0"/>
+              <a:t>Among those with the lowest rate of missed appointments,  0 – 10%,  appointments are overwhelmingly kept.</a:t>
+            </a:r>
+          </a:p>
+          <a:p>
+            <a:r>
+              <a:rPr lang="en-US" dirty="0"/>
+              <a:t>Even among those with the highest rates of prior percent missed, 40 – 100%, more appointments were kept than missed.</a:t>
+            </a:r>
+          </a:p>
+          <a:p>
+            <a:r>
+              <a:rPr lang="en-US" dirty="0"/>
+              <a:t>Even without knowing the exact cause of the missed appointments, this picks up on the fact that factors that cause past missed appointments are more likely to cause future missed appointments.</a:t>
+            </a:r>
+          </a:p>
+        </p:txBody>
+      </p:sp>
+      <p:sp>
+        <p:nvSpPr>
+          <p:cNvPr id="5" name="Rectangle 2">
+            <a:extLst>
+              <a:ext uri="{FF2B5EF4-FFF2-40B4-BE49-F238E27FC236}">
+                <a16:creationId xmlns:a16="http://schemas.microsoft.com/office/drawing/2014/main" id="{5E3AD137-4C51-104F-970C-BBD56DF7EB6E}"/>
+              </a:ext>
+            </a:extLst>
+          </p:cNvPr>
+          <p:cNvSpPr>
+            <a:spLocks noChangeArrowheads="1"/>
+          </p:cNvSpPr>
+          <p:nvPr/>
+        </p:nvSpPr>
+        <p:spPr bwMode="auto">
+          <a:xfrm>
+            <a:off x="0" y="0"/>
+            <a:ext cx="12192000" cy="0"/>
+          </a:xfrm>
+          <a:prstGeom prst="rect">
+            <a:avLst/>
+          </a:prstGeom>
+          <a:noFill/>
+          <a:ln>
+            <a:noFill/>
+          </a:ln>
+          <a:effectLst/>
+          <a:extLst>
+            <a:ext uri="{909E8E84-426E-40DD-AFC4-6F175D3DCCD1}">
+              <a14:hiddenFill xmlns:a14="http://schemas.microsoft.com/office/drawing/2010/main">
+                <a:solidFill>
+                  <a:schemeClr val="accent1"/>
+                </a:solidFill>
+              </a14:hiddenFill>
+            </a:ext>
+            <a:ext uri="{91240B29-F687-4F45-9708-019B960494DF}">
+              <a14:hiddenLine xmlns:a14="http://schemas.microsoft.com/office/drawing/2010/main" w="9525">
+                <a:solidFill>
+                  <a:schemeClr val="tx1"/>
+                </a:solidFill>
+                <a:miter lim="800000"/>
+                <a:headEnd/>
+                <a:tailEnd/>
+              </a14:hiddenLine>
+            </a:ext>
+            <a:ext uri="{AF507438-7753-43E0-B8FC-AC1667EBCBE1}">
+              <a14:hiddenEffects xmlns:a14="http://schemas.microsoft.com/office/drawing/2010/main">
+                <a:effectLst>
+                  <a:outerShdw dist="35921" dir="2700000" algn="ctr" rotWithShape="0">
+                    <a:schemeClr val="bg2"/>
+                  </a:outerShdw>
+                </a:effectLst>
+              </a14:hiddenEffects>
+            </a:ext>
+          </a:extLst>
+        </p:spPr>
+        <p:txBody>
+          <a:bodyPr vert="horz" wrap="none" lIns="91440" tIns="45720" rIns="91440" bIns="45720" numCol="1" anchor="ctr" anchorCtr="0" compatLnSpc="1">
+            <a:prstTxWarp prst="textNoShape">
+              <a:avLst/>
+            </a:prstTxWarp>
+            <a:spAutoFit/>
+          </a:bodyPr>
+          <a:lstStyle/>
+          <a:p>
+            <a:endParaRPr lang="en-US"/>
           </a:p>
         </p:txBody>
       </p:sp>
       <p:pic>
         <p:nvPicPr>
-          <p:cNvPr id="5" name="Picture">
+          <p:cNvPr id="2049" name="Picture">
             <a:extLst>
               <a:ext uri="{FF2B5EF4-FFF2-40B4-BE49-F238E27FC236}">
-                <a16:creationId xmlns:a16="http://schemas.microsoft.com/office/drawing/2014/main" id="{98441461-0497-894D-8C5A-4EADF7244BE3}"/>
+                <a16:creationId xmlns:a16="http://schemas.microsoft.com/office/drawing/2014/main" id="{FCD1D616-CFAB-9B4A-935B-11D4A9A28F4B}"/>
               </a:ext>
             </a:extLst>
           </p:cNvPr>
           <p:cNvPicPr>
-            <a:picLocks noGrp="1"/>
+            <a:picLocks noChangeAspect="1" noChangeArrowheads="1"/>
           </p:cNvPicPr>
-          <p:nvPr>
-            <p:ph idx="1"/>
-          </p:nvPr>
+          <p:nvPr/>
         </p:nvPicPr>
         <p:blipFill>
-          <a:blip r:embed="rId3"/>
+          <a:blip r:embed="rId2">
+            <a:extLst>
+              <a:ext uri="{28A0092B-C50C-407E-A947-70E740481C1C}">
+                <a14:useLocalDpi xmlns:a14="http://schemas.microsoft.com/office/drawing/2010/main" val="0"/>
+              </a:ext>
+            </a:extLst>
+          </a:blip>
+          <a:srcRect/>
           <a:stretch>
             <a:fillRect/>
           </a:stretch>
         </p:blipFill>
         <p:spPr bwMode="auto">
           <a:xfrm>
-            <a:off x="5957888" y="1690688"/>
-            <a:ext cx="5629275" cy="4467225"/>
+            <a:off x="6514021" y="2180496"/>
+            <a:ext cx="5096786" cy="4077429"/>
           </a:xfrm>
           <a:prstGeom prst="rect">
             <a:avLst/>
           </a:prstGeom>
           <a:noFill/>
-          <a:ln w="9525">
-            <a:noFill/>
-            <a:headEnd/>
-            <a:tailEnd/>
-          </a:ln>
+          <a:extLst>
+            <a:ext uri="{909E8E84-426E-40DD-AFC4-6F175D3DCCD1}">
+              <a14:hiddenFill xmlns:a14="http://schemas.microsoft.com/office/drawing/2010/main">
+                <a:solidFill>
+                  <a:srgbClr val="FFFFFF"/>
+                </a:solidFill>
+              </a14:hiddenFill>
+            </a:ext>
+          </a:extLst>
         </p:spPr>
       </p:pic>
+      <p:sp>
+        <p:nvSpPr>
+          <p:cNvPr id="6" name="Rectangle 3">
+            <a:extLst>
+              <a:ext uri="{FF2B5EF4-FFF2-40B4-BE49-F238E27FC236}">
+                <a16:creationId xmlns:a16="http://schemas.microsoft.com/office/drawing/2014/main" id="{AF291F94-525E-FD4F-ABE3-1A889A823247}"/>
+              </a:ext>
+            </a:extLst>
+          </p:cNvPr>
+          <p:cNvSpPr>
+            <a:spLocks noChangeArrowheads="1"/>
+          </p:cNvSpPr>
+          <p:nvPr/>
+        </p:nvSpPr>
+        <p:spPr bwMode="auto">
+          <a:xfrm>
+            <a:off x="0" y="4128701"/>
+            <a:ext cx="271228" cy="276999"/>
+          </a:xfrm>
+          <a:prstGeom prst="rect">
+            <a:avLst/>
+          </a:prstGeom>
+          <a:noFill/>
+          <a:ln>
+            <a:noFill/>
+          </a:ln>
+          <a:effectLst/>
+          <a:extLst>
+            <a:ext uri="{909E8E84-426E-40DD-AFC4-6F175D3DCCD1}">
+              <a14:hiddenFill xmlns:a14="http://schemas.microsoft.com/office/drawing/2010/main">
+                <a:solidFill>
+                  <a:schemeClr val="accent1"/>
+                </a:solidFill>
+              </a14:hiddenFill>
+            </a:ext>
+            <a:ext uri="{91240B29-F687-4F45-9708-019B960494DF}">
+              <a14:hiddenLine xmlns:a14="http://schemas.microsoft.com/office/drawing/2010/main" w="9525">
+                <a:solidFill>
+                  <a:schemeClr val="tx1"/>
+                </a:solidFill>
+                <a:miter lim="800000"/>
+                <a:headEnd/>
+                <a:tailEnd/>
+              </a14:hiddenLine>
+            </a:ext>
+            <a:ext uri="{AF507438-7753-43E0-B8FC-AC1667EBCBE1}">
+              <a14:hiddenEffects xmlns:a14="http://schemas.microsoft.com/office/drawing/2010/main">
+                <a:effectLst>
+                  <a:outerShdw dist="35921" dir="2700000" algn="ctr" rotWithShape="0">
+                    <a:schemeClr val="bg2"/>
+                  </a:outerShdw>
+                </a:effectLst>
+              </a14:hiddenEffects>
+            </a:ext>
+          </a:extLst>
+        </p:spPr>
+        <p:txBody>
+          <a:bodyPr vert="horz" wrap="none" lIns="91440" tIns="45720" rIns="91440" bIns="45720" numCol="1" anchor="ctr" anchorCtr="0" compatLnSpc="1">
+            <a:prstTxWarp prst="textNoShape">
+              <a:avLst/>
+            </a:prstTxWarp>
+            <a:spAutoFit/>
+          </a:bodyPr>
+          <a:lstStyle/>
+          <a:p>
+            <a:pPr marL="0" marR="0" lvl="0" indent="0" algn="l" defTabSz="914400" rtl="0" eaLnBrk="0" fontAlgn="base" latinLnBrk="0" hangingPunct="0">
+              <a:lnSpc>
+                <a:spcPct val="100000"/>
+              </a:lnSpc>
+              <a:spcBef>
+                <a:spcPct val="0"/>
+              </a:spcBef>
+              <a:spcAft>
+                <a:spcPct val="0"/>
+              </a:spcAft>
+              <a:buClrTx/>
+              <a:buSzTx/>
+              <a:buFontTx/>
+              <a:buNone/>
+              <a:tabLst/>
+            </a:pPr>
+            <a:r>
+              <a:rPr kumimoji="0" lang="en-US" altLang="en-US" sz="1200" b="0" i="0" u="none" strike="noStrike" cap="none" normalizeH="0" baseline="0" dirty="0">
+                <a:ln>
+                  <a:noFill/>
+                </a:ln>
+                <a:solidFill>
+                  <a:schemeClr val="tx1"/>
+                </a:solidFill>
+                <a:effectLst/>
+                <a:latin typeface="Arial" panose="020B0604020202020204" pitchFamily="34" charset="0"/>
+                <a:ea typeface="Cambria" panose="02040503050406030204" pitchFamily="18" charset="0"/>
+                <a:cs typeface="Times New Roman" panose="02020603050405020304" pitchFamily="18" charset="0"/>
+              </a:rPr>
+              <a:t>  </a:t>
+            </a:r>
+            <a:endParaRPr kumimoji="0" lang="en-US" altLang="en-US" sz="1800" b="0" i="0" u="none" strike="noStrike" cap="none" normalizeH="0" baseline="0" dirty="0">
+              <a:ln>
+                <a:noFill/>
+              </a:ln>
+              <a:solidFill>
+                <a:schemeClr val="tx1"/>
+              </a:solidFill>
+              <a:effectLst/>
+              <a:latin typeface="Arial" panose="020B0604020202020204" pitchFamily="34" charset="0"/>
+            </a:endParaRPr>
+          </a:p>
+        </p:txBody>
+      </p:sp>
     </p:spTree>
     <p:extLst>
       <p:ext uri="{BB962C8B-B14F-4D97-AF65-F5344CB8AC3E}">
-        <p14:creationId xmlns:p14="http://schemas.microsoft.com/office/powerpoint/2010/main" val="4052093761"/>
+        <p14:creationId xmlns:p14="http://schemas.microsoft.com/office/powerpoint/2010/main" val="3875964426"/>
       </p:ext>
     </p:extLst>
   </p:cSld>
@@ -4184,7 +5588,7 @@
           <p:cNvPr id="2" name="Title 1">
             <a:extLst>
               <a:ext uri="{FF2B5EF4-FFF2-40B4-BE49-F238E27FC236}">
-                <a16:creationId xmlns:a16="http://schemas.microsoft.com/office/drawing/2014/main" id="{725F26C2-D70F-5740-851F-0D777106FF72}"/>
+                <a16:creationId xmlns:a16="http://schemas.microsoft.com/office/drawing/2014/main" id="{120AFC63-0B60-6F4B-B8B0-834F172D80F8}"/>
               </a:ext>
             </a:extLst>
           </p:cNvPr>
@@ -4200,7 +5604,10 @@
           <a:bodyPr/>
           <a:lstStyle/>
           <a:p>
-            <a:endParaRPr lang="en-US"/>
+            <a:r>
+              <a:rPr lang="en-US" dirty="0"/>
+              <a:t>Data Exploration – Appointment Lead TIME</a:t>
+            </a:r>
           </a:p>
         </p:txBody>
       </p:sp>
@@ -4209,7 +5616,7 @@
           <p:cNvPr id="3" name="Content Placeholder 2">
             <a:extLst>
               <a:ext uri="{FF2B5EF4-FFF2-40B4-BE49-F238E27FC236}">
-                <a16:creationId xmlns:a16="http://schemas.microsoft.com/office/drawing/2014/main" id="{C435B34A-6C4B-9449-BCD1-F0C3312B6D90}"/>
+                <a16:creationId xmlns:a16="http://schemas.microsoft.com/office/drawing/2014/main" id="{24797C02-E055-DC42-B34B-DCA305FF366E}"/>
               </a:ext>
             </a:extLst>
           </p:cNvPr>
@@ -4220,22 +5627,262 @@
             <p:ph idx="1"/>
           </p:nvPr>
         </p:nvSpPr>
-        <p:spPr/>
-        <p:txBody>
-          <a:bodyPr/>
+        <p:spPr>
+          <a:xfrm>
+            <a:off x="581192" y="2180496"/>
+            <a:ext cx="5695615" cy="4267200"/>
+          </a:xfrm>
+        </p:spPr>
+        <p:txBody>
+          <a:bodyPr>
+            <a:normAutofit/>
+          </a:bodyPr>
           <a:lstStyle/>
           <a:p>
+            <a:pPr marL="0" indent="0">
+              <a:buNone/>
+            </a:pPr>
             <a:r>
               <a:rPr lang="en-US" dirty="0"/>
-              <a:t>Modeling</a:t>
-            </a:r>
-          </a:p>
-        </p:txBody>
-      </p:sp>
+              <a:t>The appointment lead time represents the number of days between an appointment being booked and the appointment occurring. </a:t>
+            </a:r>
+          </a:p>
+          <a:p>
+            <a:r>
+              <a:rPr lang="en-US" dirty="0"/>
+              <a:t>The ratio of missed appointments increases as the appointment lead time increases.</a:t>
+            </a:r>
+          </a:p>
+          <a:p>
+            <a:r>
+              <a:rPr lang="en-US" dirty="0"/>
+              <a:t>Shorter lead times could represent more urgent patient needs that are less likely to be missed.</a:t>
+            </a:r>
+          </a:p>
+          <a:p>
+            <a:r>
+              <a:rPr lang="en-US" dirty="0"/>
+              <a:t>Longer lead times might lead to more misses because they are more likely to be forgotten, or they are more likely to be for preventative care that is deemed less critical.</a:t>
+            </a:r>
+          </a:p>
+        </p:txBody>
+      </p:sp>
+      <p:sp>
+        <p:nvSpPr>
+          <p:cNvPr id="5" name="Rectangle 2">
+            <a:extLst>
+              <a:ext uri="{FF2B5EF4-FFF2-40B4-BE49-F238E27FC236}">
+                <a16:creationId xmlns:a16="http://schemas.microsoft.com/office/drawing/2014/main" id="{5E3AD137-4C51-104F-970C-BBD56DF7EB6E}"/>
+              </a:ext>
+            </a:extLst>
+          </p:cNvPr>
+          <p:cNvSpPr>
+            <a:spLocks noChangeArrowheads="1"/>
+          </p:cNvSpPr>
+          <p:nvPr/>
+        </p:nvSpPr>
+        <p:spPr bwMode="auto">
+          <a:xfrm>
+            <a:off x="0" y="0"/>
+            <a:ext cx="12192000" cy="0"/>
+          </a:xfrm>
+          <a:prstGeom prst="rect">
+            <a:avLst/>
+          </a:prstGeom>
+          <a:noFill/>
+          <a:ln>
+            <a:noFill/>
+          </a:ln>
+          <a:effectLst/>
+          <a:extLst>
+            <a:ext uri="{909E8E84-426E-40DD-AFC4-6F175D3DCCD1}">
+              <a14:hiddenFill xmlns:a14="http://schemas.microsoft.com/office/drawing/2010/main">
+                <a:solidFill>
+                  <a:schemeClr val="accent1"/>
+                </a:solidFill>
+              </a14:hiddenFill>
+            </a:ext>
+            <a:ext uri="{91240B29-F687-4F45-9708-019B960494DF}">
+              <a14:hiddenLine xmlns:a14="http://schemas.microsoft.com/office/drawing/2010/main" w="9525">
+                <a:solidFill>
+                  <a:schemeClr val="tx1"/>
+                </a:solidFill>
+                <a:miter lim="800000"/>
+                <a:headEnd/>
+                <a:tailEnd/>
+              </a14:hiddenLine>
+            </a:ext>
+            <a:ext uri="{AF507438-7753-43E0-B8FC-AC1667EBCBE1}">
+              <a14:hiddenEffects xmlns:a14="http://schemas.microsoft.com/office/drawing/2010/main">
+                <a:effectLst>
+                  <a:outerShdw dist="35921" dir="2700000" algn="ctr" rotWithShape="0">
+                    <a:schemeClr val="bg2"/>
+                  </a:outerShdw>
+                </a:effectLst>
+              </a14:hiddenEffects>
+            </a:ext>
+          </a:extLst>
+        </p:spPr>
+        <p:txBody>
+          <a:bodyPr vert="horz" wrap="none" lIns="91440" tIns="45720" rIns="91440" bIns="45720" numCol="1" anchor="ctr" anchorCtr="0" compatLnSpc="1">
+            <a:prstTxWarp prst="textNoShape">
+              <a:avLst/>
+            </a:prstTxWarp>
+            <a:spAutoFit/>
+          </a:bodyPr>
+          <a:lstStyle/>
+          <a:p>
+            <a:endParaRPr lang="en-US"/>
+          </a:p>
+        </p:txBody>
+      </p:sp>
+      <p:sp>
+        <p:nvSpPr>
+          <p:cNvPr id="6" name="Rectangle 3">
+            <a:extLst>
+              <a:ext uri="{FF2B5EF4-FFF2-40B4-BE49-F238E27FC236}">
+                <a16:creationId xmlns:a16="http://schemas.microsoft.com/office/drawing/2014/main" id="{AF291F94-525E-FD4F-ABE3-1A889A823247}"/>
+              </a:ext>
+            </a:extLst>
+          </p:cNvPr>
+          <p:cNvSpPr>
+            <a:spLocks noChangeArrowheads="1"/>
+          </p:cNvSpPr>
+          <p:nvPr/>
+        </p:nvSpPr>
+        <p:spPr bwMode="auto">
+          <a:xfrm>
+            <a:off x="0" y="4128701"/>
+            <a:ext cx="271228" cy="276999"/>
+          </a:xfrm>
+          <a:prstGeom prst="rect">
+            <a:avLst/>
+          </a:prstGeom>
+          <a:noFill/>
+          <a:ln>
+            <a:noFill/>
+          </a:ln>
+          <a:effectLst/>
+          <a:extLst>
+            <a:ext uri="{909E8E84-426E-40DD-AFC4-6F175D3DCCD1}">
+              <a14:hiddenFill xmlns:a14="http://schemas.microsoft.com/office/drawing/2010/main">
+                <a:solidFill>
+                  <a:schemeClr val="accent1"/>
+                </a:solidFill>
+              </a14:hiddenFill>
+            </a:ext>
+            <a:ext uri="{91240B29-F687-4F45-9708-019B960494DF}">
+              <a14:hiddenLine xmlns:a14="http://schemas.microsoft.com/office/drawing/2010/main" w="9525">
+                <a:solidFill>
+                  <a:schemeClr val="tx1"/>
+                </a:solidFill>
+                <a:miter lim="800000"/>
+                <a:headEnd/>
+                <a:tailEnd/>
+              </a14:hiddenLine>
+            </a:ext>
+            <a:ext uri="{AF507438-7753-43E0-B8FC-AC1667EBCBE1}">
+              <a14:hiddenEffects xmlns:a14="http://schemas.microsoft.com/office/drawing/2010/main">
+                <a:effectLst>
+                  <a:outerShdw dist="35921" dir="2700000" algn="ctr" rotWithShape="0">
+                    <a:schemeClr val="bg2"/>
+                  </a:outerShdw>
+                </a:effectLst>
+              </a14:hiddenEffects>
+            </a:ext>
+          </a:extLst>
+        </p:spPr>
+        <p:txBody>
+          <a:bodyPr vert="horz" wrap="none" lIns="91440" tIns="45720" rIns="91440" bIns="45720" numCol="1" anchor="ctr" anchorCtr="0" compatLnSpc="1">
+            <a:prstTxWarp prst="textNoShape">
+              <a:avLst/>
+            </a:prstTxWarp>
+            <a:spAutoFit/>
+          </a:bodyPr>
+          <a:lstStyle/>
+          <a:p>
+            <a:pPr marL="0" marR="0" lvl="0" indent="0" algn="l" defTabSz="914400" rtl="0" eaLnBrk="0" fontAlgn="base" latinLnBrk="0" hangingPunct="0">
+              <a:lnSpc>
+                <a:spcPct val="100000"/>
+              </a:lnSpc>
+              <a:spcBef>
+                <a:spcPct val="0"/>
+              </a:spcBef>
+              <a:spcAft>
+                <a:spcPct val="0"/>
+              </a:spcAft>
+              <a:buClrTx/>
+              <a:buSzTx/>
+              <a:buFontTx/>
+              <a:buNone/>
+              <a:tabLst/>
+            </a:pPr>
+            <a:r>
+              <a:rPr kumimoji="0" lang="en-US" altLang="en-US" sz="1200" b="0" i="0" u="none" strike="noStrike" cap="none" normalizeH="0" baseline="0" dirty="0">
+                <a:ln>
+                  <a:noFill/>
+                </a:ln>
+                <a:solidFill>
+                  <a:schemeClr val="tx1"/>
+                </a:solidFill>
+                <a:effectLst/>
+                <a:latin typeface="Arial" panose="020B0604020202020204" pitchFamily="34" charset="0"/>
+                <a:ea typeface="Cambria" panose="02040503050406030204" pitchFamily="18" charset="0"/>
+                <a:cs typeface="Times New Roman" panose="02020603050405020304" pitchFamily="18" charset="0"/>
+              </a:rPr>
+              <a:t>  </a:t>
+            </a:r>
+            <a:endParaRPr kumimoji="0" lang="en-US" altLang="en-US" sz="1800" b="0" i="0" u="none" strike="noStrike" cap="none" normalizeH="0" baseline="0" dirty="0">
+              <a:ln>
+                <a:noFill/>
+              </a:ln>
+              <a:solidFill>
+                <a:schemeClr val="tx1"/>
+              </a:solidFill>
+              <a:effectLst/>
+              <a:latin typeface="Arial" panose="020B0604020202020204" pitchFamily="34" charset="0"/>
+            </a:endParaRPr>
+          </a:p>
+        </p:txBody>
+      </p:sp>
+      <p:pic>
+        <p:nvPicPr>
+          <p:cNvPr id="14" name="Picture">
+            <a:extLst>
+              <a:ext uri="{FF2B5EF4-FFF2-40B4-BE49-F238E27FC236}">
+                <a16:creationId xmlns:a16="http://schemas.microsoft.com/office/drawing/2014/main" id="{500CD070-818C-064A-B408-D20748A537D4}"/>
+              </a:ext>
+            </a:extLst>
+          </p:cNvPr>
+          <p:cNvPicPr/>
+          <p:nvPr/>
+        </p:nvPicPr>
+        <p:blipFill>
+          <a:blip r:embed="rId2"/>
+          <a:stretch>
+            <a:fillRect/>
+          </a:stretch>
+        </p:blipFill>
+        <p:spPr bwMode="auto">
+          <a:xfrm>
+            <a:off x="6472238" y="2151534"/>
+            <a:ext cx="4957762" cy="4063529"/>
+          </a:xfrm>
+          <a:prstGeom prst="rect">
+            <a:avLst/>
+          </a:prstGeom>
+          <a:noFill/>
+          <a:ln w="9525">
+            <a:noFill/>
+            <a:headEnd/>
+            <a:tailEnd/>
+          </a:ln>
+        </p:spPr>
+      </p:pic>
     </p:spTree>
     <p:extLst>
       <p:ext uri="{BB962C8B-B14F-4D97-AF65-F5344CB8AC3E}">
-        <p14:creationId xmlns:p14="http://schemas.microsoft.com/office/powerpoint/2010/main" val="1664609560"/>
+        <p14:creationId xmlns:p14="http://schemas.microsoft.com/office/powerpoint/2010/main" val="393087202"/>
       </p:ext>
     </p:extLst>
   </p:cSld>
@@ -4283,7 +5930,10 @@
           <a:bodyPr/>
           <a:lstStyle/>
           <a:p>
-            <a:endParaRPr lang="en-US"/>
+            <a:r>
+              <a:rPr lang="en-US" dirty="0"/>
+              <a:t>Model Performance</a:t>
+            </a:r>
           </a:p>
         </p:txBody>
       </p:sp>
@@ -4305,13 +5955,48 @@
         </p:nvSpPr>
         <p:spPr/>
         <p:txBody>
-          <a:bodyPr/>
+          <a:bodyPr>
+            <a:normAutofit lnSpcReduction="10000"/>
+          </a:bodyPr>
           <a:lstStyle/>
           <a:p>
+            <a:pPr marL="0" indent="0">
+              <a:buNone/>
+            </a:pPr>
             <a:r>
               <a:rPr lang="en-US" dirty="0"/>
-              <a:t>Model Results</a:t>
-            </a:r>
+              <a:t>Two different machine learning models were tested, and the one that best predicted the missed appointments was chosen.  The chosen model can be used to predict whether or not an appointment will be missed, and the probability that an appointment will be kept or missed.</a:t>
+            </a:r>
+          </a:p>
+          <a:p>
+            <a:pPr marL="0" indent="0">
+              <a:buNone/>
+            </a:pPr>
+            <a:r>
+              <a:rPr lang="en-US" dirty="0"/>
+              <a:t>Model Performance Highlights:</a:t>
+            </a:r>
+          </a:p>
+          <a:p>
+            <a:r>
+              <a:rPr lang="en-US" dirty="0"/>
+              <a:t>When the model predicts an appointment will be missed, it is expected to be accurate 39 % of the time.</a:t>
+            </a:r>
+          </a:p>
+          <a:p>
+            <a:r>
+              <a:rPr lang="en-US" dirty="0"/>
+              <a:t>The overall historical rate of missed appointments is 16%.  This means that with no model, predicting an appointment will be missed is only expected to be correct 16% of the time, and will be incorrect the remaining 84% of the time.</a:t>
+            </a:r>
+          </a:p>
+          <a:p>
+            <a:r>
+              <a:rPr lang="en-US" dirty="0"/>
+              <a:t>While 39% accuracy in predicting missed appointments means that 61% of the time the prediction will be in error, this is still a large improvement over having no model at all, where predicting an appointment will be missed is in error 84% of the time.</a:t>
+            </a:r>
+          </a:p>
+          <a:p>
+            <a:endParaRPr lang="en-US" dirty="0"/>
           </a:p>
         </p:txBody>
       </p:sp>
@@ -4329,6 +6014,275 @@
 </file>
 
 <file path=ppt/theme/theme1.xml><?xml version="1.0" encoding="utf-8"?>
+<a:theme xmlns:a="http://schemas.openxmlformats.org/drawingml/2006/main" name="Dividend">
+  <a:themeElements>
+    <a:clrScheme name="Dividend">
+      <a:dk1>
+        <a:sysClr val="windowText" lastClr="000000"/>
+      </a:dk1>
+      <a:lt1>
+        <a:sysClr val="window" lastClr="FFFFFF"/>
+      </a:lt1>
+      <a:dk2>
+        <a:srgbClr val="3D3D3D"/>
+      </a:dk2>
+      <a:lt2>
+        <a:srgbClr val="EBEBEB"/>
+      </a:lt2>
+      <a:accent1>
+        <a:srgbClr val="465359"/>
+      </a:accent1>
+      <a:accent2>
+        <a:srgbClr val="ED8428"/>
+      </a:accent2>
+      <a:accent3>
+        <a:srgbClr val="E6C46D"/>
+      </a:accent3>
+      <a:accent4>
+        <a:srgbClr val="969FA7"/>
+      </a:accent4>
+      <a:accent5>
+        <a:srgbClr val="A9C37C"/>
+      </a:accent5>
+      <a:accent6>
+        <a:srgbClr val="5A8071"/>
+      </a:accent6>
+      <a:hlink>
+        <a:srgbClr val="828282"/>
+      </a:hlink>
+      <a:folHlink>
+        <a:srgbClr val="A5A5A5"/>
+      </a:folHlink>
+    </a:clrScheme>
+    <a:fontScheme name="Dividend">
+      <a:majorFont>
+        <a:latin typeface="Gill Sans MT" panose="020B0502020104020203"/>
+        <a:ea typeface=""/>
+        <a:cs typeface=""/>
+        <a:font script="Grek" typeface="Corbel"/>
+        <a:font script="Cyrl" typeface="Corbel"/>
+        <a:font script="Jpan" typeface="HGｺﾞｼｯｸE"/>
+        <a:font script="Hang" typeface="휴먼매직체"/>
+        <a:font script="Hans" typeface="华文中宋"/>
+        <a:font script="Hant" typeface="微軟正黑體"/>
+        <a:font script="Arab" typeface="Majalla UI"/>
+        <a:font script="Hebr" typeface="Arial"/>
+        <a:font script="Thai" typeface="Cordia New"/>
+        <a:font script="Ethi" typeface="Nyala"/>
+        <a:font script="Beng" typeface="Vrinda"/>
+        <a:font script="Gujr" typeface="Shruti"/>
+        <a:font script="Khmr" typeface="DaunPenh"/>
+        <a:font script="Knda" typeface="Tunga"/>
+        <a:font script="Guru" typeface="Raavi"/>
+        <a:font script="Cans" typeface="Euphemia"/>
+        <a:font script="Cher" typeface="Plantagenet Cherokee"/>
+        <a:font script="Yiii" typeface="Microsoft Yi Baiti"/>
+        <a:font script="Tibt" typeface="Microsoft Himalaya"/>
+        <a:font script="Thaa" typeface="MV Boli"/>
+        <a:font script="Deva" typeface="Mangal"/>
+        <a:font script="Telu" typeface="Gautami"/>
+        <a:font script="Taml" typeface="Latha"/>
+        <a:font script="Syrc" typeface="Estrangelo Edessa"/>
+        <a:font script="Orya" typeface="Kalinga"/>
+        <a:font script="Mlym" typeface="Kartika"/>
+        <a:font script="Laoo" typeface="DokChampa"/>
+        <a:font script="Sinh" typeface="Iskoola Pota"/>
+        <a:font script="Mong" typeface="Mongolian Baiti"/>
+        <a:font script="Viet" typeface="Tahoma"/>
+        <a:font script="Uigh" typeface="Microsoft Uighur"/>
+        <a:font script="Geor" typeface="Sylfaen"/>
+      </a:majorFont>
+      <a:minorFont>
+        <a:latin typeface="Gill Sans MT" panose="020B0502020104020203"/>
+        <a:ea typeface=""/>
+        <a:cs typeface=""/>
+        <a:font script="Grek" typeface="Corbel"/>
+        <a:font script="Cyrl" typeface="Corbel"/>
+        <a:font script="Jpan" typeface="HGｺﾞｼｯｸE"/>
+        <a:font script="Hang" typeface="휴먼매직체"/>
+        <a:font script="Hans" typeface="华文中宋"/>
+        <a:font script="Hant" typeface="微軟正黑體"/>
+        <a:font script="Arab" typeface="Majalla UI"/>
+        <a:font script="Hebr" typeface="Arial"/>
+        <a:font script="Thai" typeface="Cordia New"/>
+        <a:font script="Ethi" typeface="Nyala"/>
+        <a:font script="Beng" typeface="Vrinda"/>
+        <a:font script="Gujr" typeface="Shruti"/>
+        <a:font script="Khmr" typeface="DaunPenh"/>
+        <a:font script="Knda" typeface="Tunga"/>
+        <a:font script="Guru" typeface="Raavi"/>
+        <a:font script="Cans" typeface="Euphemia"/>
+        <a:font script="Cher" typeface="Plantagenet Cherokee"/>
+        <a:font script="Yiii" typeface="Microsoft Yi Baiti"/>
+        <a:font script="Tibt" typeface="Microsoft Himalaya"/>
+        <a:font script="Thaa" typeface="MV Boli"/>
+        <a:font script="Deva" typeface="Mangal"/>
+        <a:font script="Telu" typeface="Gautami"/>
+        <a:font script="Taml" typeface="Latha"/>
+        <a:font script="Syrc" typeface="Estrangelo Edessa"/>
+        <a:font script="Orya" typeface="Kalinga"/>
+        <a:font script="Mlym" typeface="Kartika"/>
+        <a:font script="Laoo" typeface="DokChampa"/>
+        <a:font script="Sinh" typeface="Iskoola Pota"/>
+        <a:font script="Mong" typeface="Mongolian Baiti"/>
+        <a:font script="Viet" typeface="Tahoma"/>
+        <a:font script="Uigh" typeface="Microsoft Uighur"/>
+        <a:font script="Geor" typeface="Sylfaen"/>
+      </a:minorFont>
+    </a:fontScheme>
+    <a:fmtScheme name="Dividend">
+      <a:fillStyleLst>
+        <a:solidFill>
+          <a:schemeClr val="phClr"/>
+        </a:solidFill>
+        <a:gradFill rotWithShape="1">
+          <a:gsLst>
+            <a:gs pos="0">
+              <a:schemeClr val="phClr">
+                <a:tint val="68000"/>
+                <a:alpha val="90000"/>
+                <a:lumMod val="100000"/>
+              </a:schemeClr>
+            </a:gs>
+            <a:gs pos="100000">
+              <a:schemeClr val="phClr">
+                <a:tint val="90000"/>
+                <a:lumMod val="95000"/>
+              </a:schemeClr>
+            </a:gs>
+          </a:gsLst>
+          <a:lin ang="5400000" scaled="1"/>
+        </a:gradFill>
+        <a:gradFill rotWithShape="1">
+          <a:gsLst>
+            <a:gs pos="0">
+              <a:schemeClr val="phClr">
+                <a:tint val="98000"/>
+                <a:lumMod val="110000"/>
+              </a:schemeClr>
+            </a:gs>
+            <a:gs pos="84000">
+              <a:schemeClr val="phClr">
+                <a:shade val="90000"/>
+                <a:lumMod val="88000"/>
+              </a:schemeClr>
+            </a:gs>
+          </a:gsLst>
+          <a:lin ang="5400000" scaled="0"/>
+        </a:gradFill>
+      </a:fillStyleLst>
+      <a:lnStyleLst>
+        <a:ln w="12700" cap="rnd" cmpd="sng" algn="ctr">
+          <a:solidFill>
+            <a:schemeClr val="phClr">
+              <a:lumMod val="90000"/>
+            </a:schemeClr>
+          </a:solidFill>
+          <a:prstDash val="solid"/>
+        </a:ln>
+        <a:ln w="22225" cap="rnd" cmpd="sng" algn="ctr">
+          <a:solidFill>
+            <a:schemeClr val="phClr"/>
+          </a:solidFill>
+          <a:prstDash val="solid"/>
+        </a:ln>
+        <a:ln w="25400" cap="rnd" cmpd="sng" algn="ctr">
+          <a:solidFill>
+            <a:schemeClr val="phClr"/>
+          </a:solidFill>
+          <a:prstDash val="solid"/>
+        </a:ln>
+      </a:lnStyleLst>
+      <a:effectStyleLst>
+        <a:effectStyle>
+          <a:effectLst/>
+        </a:effectStyle>
+        <a:effectStyle>
+          <a:effectLst>
+            <a:outerShdw blurRad="38100" dist="25400" dir="5400000" rotWithShape="0">
+              <a:srgbClr val="000000">
+                <a:alpha val="55000"/>
+              </a:srgbClr>
+            </a:outerShdw>
+          </a:effectLst>
+        </a:effectStyle>
+        <a:effectStyle>
+          <a:effectLst>
+            <a:outerShdw blurRad="88900" dist="38100" dir="5040000" rotWithShape="0">
+              <a:srgbClr val="000000">
+                <a:alpha val="60000"/>
+              </a:srgbClr>
+            </a:outerShdw>
+          </a:effectLst>
+          <a:scene3d>
+            <a:camera prst="orthographicFront">
+              <a:rot lat="0" lon="0" rev="0"/>
+            </a:camera>
+            <a:lightRig rig="threePt" dir="tl">
+              <a:rot lat="0" lon="0" rev="1200000"/>
+            </a:lightRig>
+          </a:scene3d>
+          <a:sp3d>
+            <a:bevelT w="38100" h="50800"/>
+          </a:sp3d>
+        </a:effectStyle>
+      </a:effectStyleLst>
+      <a:bgFillStyleLst>
+        <a:solidFill>
+          <a:schemeClr val="phClr"/>
+        </a:solidFill>
+        <a:gradFill rotWithShape="1">
+          <a:gsLst>
+            <a:gs pos="0">
+              <a:schemeClr val="phClr">
+                <a:tint val="90000"/>
+                <a:lumMod val="110000"/>
+              </a:schemeClr>
+            </a:gs>
+            <a:gs pos="88000">
+              <a:schemeClr val="phClr">
+                <a:shade val="94000"/>
+                <a:satMod val="110000"/>
+                <a:lumMod val="88000"/>
+              </a:schemeClr>
+            </a:gs>
+          </a:gsLst>
+          <a:lin ang="5400000" scaled="0"/>
+        </a:gradFill>
+        <a:gradFill rotWithShape="1">
+          <a:gsLst>
+            <a:gs pos="0">
+              <a:schemeClr val="phClr">
+                <a:tint val="90000"/>
+                <a:lumMod val="110000"/>
+              </a:schemeClr>
+            </a:gs>
+            <a:gs pos="100000">
+              <a:schemeClr val="phClr">
+                <a:shade val="98000"/>
+                <a:satMod val="110000"/>
+                <a:lumMod val="86000"/>
+              </a:schemeClr>
+            </a:gs>
+          </a:gsLst>
+          <a:path path="circle">
+            <a:fillToRect l="50000" t="50000" r="100000" b="100000"/>
+          </a:path>
+        </a:gradFill>
+      </a:bgFillStyleLst>
+    </a:fmtScheme>
+  </a:themeElements>
+  <a:objectDefaults/>
+  <a:extraClrSchemeLst/>
+  <a:extLst>
+    <a:ext uri="{05A4C25C-085E-4340-85A3-A5531E510DB2}">
+      <thm15:themeFamily xmlns:thm15="http://schemas.microsoft.com/office/thememl/2012/main" name="Dividend" id="{9697A71B-4AB7-4A1A-BD5B-BB2D22835B57}" vid="{5D8C9649-FBE1-4B5B-8258-8A170F9843AD}"/>
+    </a:ext>
+  </a:extLst>
+</a:theme>
+</file>
+
+<file path=ppt/theme/theme2.xml><?xml version="1.0" encoding="utf-8"?>
 <a:theme xmlns:a="http://schemas.openxmlformats.org/drawingml/2006/main" name="Office Theme">
   <a:themeElements>
     <a:clrScheme name="Office">

--- a/Appointments_Presentation.pptx
+++ b/Appointments_Presentation.pptx
@@ -5,7 +5,7 @@
     <p:sldMasterId id="2147483879" r:id="rId1"/>
   </p:sldMasterIdLst>
   <p:notesMasterIdLst>
-    <p:notesMasterId r:id="rId13"/>
+    <p:notesMasterId r:id="rId14"/>
   </p:notesMasterIdLst>
   <p:sldIdLst>
     <p:sldId id="256" r:id="rId2"/>
@@ -16,9 +16,10 @@
     <p:sldId id="259" r:id="rId7"/>
     <p:sldId id="260" r:id="rId8"/>
     <p:sldId id="271" r:id="rId9"/>
-    <p:sldId id="267" r:id="rId10"/>
-    <p:sldId id="269" r:id="rId11"/>
-    <p:sldId id="265" r:id="rId12"/>
+    <p:sldId id="272" r:id="rId10"/>
+    <p:sldId id="267" r:id="rId11"/>
+    <p:sldId id="269" r:id="rId12"/>
+    <p:sldId id="265" r:id="rId13"/>
   </p:sldIdLst>
   <p:sldSz cx="12192000" cy="6858000"/>
   <p:notesSz cx="6858000" cy="9144000"/>
@@ -549,6 +550,90 @@
     <p:extLst>
       <p:ext uri="{BB962C8B-B14F-4D97-AF65-F5344CB8AC3E}">
         <p14:creationId xmlns:p14="http://schemas.microsoft.com/office/powerpoint/2010/main" val="2477870025"/>
+      </p:ext>
+    </p:extLst>
+  </p:cSld>
+  <p:clrMapOvr>
+    <a:masterClrMapping/>
+  </p:clrMapOvr>
+</p:notes>
+</file>
+
+<file path=ppt/notesSlides/notesSlide2.xml><?xml version="1.0" encoding="utf-8"?>
+<p:notes xmlns:a="http://schemas.openxmlformats.org/drawingml/2006/main" xmlns:r="http://schemas.openxmlformats.org/officeDocument/2006/relationships" xmlns:p="http://schemas.openxmlformats.org/presentationml/2006/main">
+  <p:cSld>
+    <p:spTree>
+      <p:nvGrpSpPr>
+        <p:cNvPr id="1" name=""/>
+        <p:cNvGrpSpPr/>
+        <p:nvPr/>
+      </p:nvGrpSpPr>
+      <p:grpSpPr>
+        <a:xfrm>
+          <a:off x="0" y="0"/>
+          <a:ext cx="0" cy="0"/>
+          <a:chOff x="0" y="0"/>
+          <a:chExt cx="0" cy="0"/>
+        </a:xfrm>
+      </p:grpSpPr>
+      <p:sp>
+        <p:nvSpPr>
+          <p:cNvPr id="2" name="Slide Image Placeholder 1"/>
+          <p:cNvSpPr>
+            <a:spLocks noGrp="1" noRot="1" noChangeAspect="1"/>
+          </p:cNvSpPr>
+          <p:nvPr>
+            <p:ph type="sldImg"/>
+          </p:nvPr>
+        </p:nvSpPr>
+        <p:spPr/>
+      </p:sp>
+      <p:sp>
+        <p:nvSpPr>
+          <p:cNvPr id="3" name="Notes Placeholder 2"/>
+          <p:cNvSpPr>
+            <a:spLocks noGrp="1"/>
+          </p:cNvSpPr>
+          <p:nvPr>
+            <p:ph type="body" idx="1"/>
+          </p:nvPr>
+        </p:nvSpPr>
+        <p:spPr/>
+        <p:txBody>
+          <a:bodyPr/>
+          <a:lstStyle/>
+          <a:p>
+            <a:endParaRPr lang="en-US" dirty="0"/>
+          </a:p>
+        </p:txBody>
+      </p:sp>
+      <p:sp>
+        <p:nvSpPr>
+          <p:cNvPr id="4" name="Slide Number Placeholder 3"/>
+          <p:cNvSpPr>
+            <a:spLocks noGrp="1"/>
+          </p:cNvSpPr>
+          <p:nvPr>
+            <p:ph type="sldNum" sz="quarter" idx="10"/>
+          </p:nvPr>
+        </p:nvSpPr>
+        <p:spPr/>
+        <p:txBody>
+          <a:bodyPr/>
+          <a:lstStyle/>
+          <a:p>
+            <a:fld id="{B39125DA-AB1A-6D43-8D0B-C159119E55AC}" type="slidenum">
+              <a:rPr lang="en-US" smtClean="0"/>
+              <a:t>9</a:t>
+            </a:fld>
+            <a:endParaRPr lang="en-US"/>
+          </a:p>
+        </p:txBody>
+      </p:sp>
+    </p:spTree>
+    <p:extLst>
+      <p:ext uri="{BB962C8B-B14F-4D97-AF65-F5344CB8AC3E}">
+        <p14:creationId xmlns:p14="http://schemas.microsoft.com/office/powerpoint/2010/main" val="3919443665"/>
       </p:ext>
     </p:extLst>
   </p:cSld>
@@ -4405,7 +4490,7 @@
           <p:cNvPr id="2" name="Title 1">
             <a:extLst>
               <a:ext uri="{FF2B5EF4-FFF2-40B4-BE49-F238E27FC236}">
-                <a16:creationId xmlns:a16="http://schemas.microsoft.com/office/drawing/2014/main" id="{BC1DCEB9-60EA-B14A-8369-DF6D269C173C}"/>
+                <a16:creationId xmlns:a16="http://schemas.microsoft.com/office/drawing/2014/main" id="{43F0D8AE-4F73-8740-ADF8-43402226855B}"/>
               </a:ext>
             </a:extLst>
           </p:cNvPr>
@@ -4423,7 +4508,7 @@
           <a:p>
             <a:r>
               <a:rPr lang="en-US" dirty="0"/>
-              <a:t>Recommendations</a:t>
+              <a:t>Model Performance</a:t>
             </a:r>
           </a:p>
         </p:txBody>
@@ -4433,7 +4518,7 @@
           <p:cNvPr id="3" name="Content Placeholder 2">
             <a:extLst>
               <a:ext uri="{FF2B5EF4-FFF2-40B4-BE49-F238E27FC236}">
-                <a16:creationId xmlns:a16="http://schemas.microsoft.com/office/drawing/2014/main" id="{34493926-EA48-7243-AFA4-0AFE6EF87E04}"/>
+                <a16:creationId xmlns:a16="http://schemas.microsoft.com/office/drawing/2014/main" id="{769FC80D-22B7-2241-90BD-BD58BB25E42D}"/>
               </a:ext>
             </a:extLst>
           </p:cNvPr>
@@ -4446,30 +4531,38 @@
         </p:nvSpPr>
         <p:spPr/>
         <p:txBody>
-          <a:bodyPr/>
-          <a:lstStyle/>
-          <a:p>
+          <a:bodyPr>
+            <a:normAutofit/>
+          </a:bodyPr>
+          <a:lstStyle/>
+          <a:p>
+            <a:pPr marL="0" indent="0">
+              <a:buNone/>
+            </a:pPr>
             <a:r>
               <a:rPr lang="en-US" dirty="0"/>
-              <a:t>The model can be improved by adding new information.  For example, weather information is not included in the original data but is widely available and can be added in. </a:t>
+              <a:t>Model Performance Summary:</a:t>
             </a:r>
           </a:p>
           <a:p>
             <a:r>
               <a:rPr lang="en-US" dirty="0"/>
-              <a:t>Further analysis can be done calculating the expected number of missed appointments when there are multiple appointments available in a time slot. Combining the likelihoods of each patient in a specific time slot would allow the overall likelihood of a desired number of patients to be calculated.</a:t>
+              <a:t>When the model predicts an appointment will be missed, it is expected to be accurate 39 % of the time.</a:t>
             </a:r>
           </a:p>
           <a:p>
             <a:r>
               <a:rPr lang="en-US" dirty="0"/>
-              <a:t>There are some valuable insights in the data exploration. For example, patients who missed 10% or less of their prior appointments are overwhelmingly expected to make their appointments.  Making sure not to over-book these patients would be recommended because they are unlikely to miss anyway, and it would keep the best patients happy.</a:t>
-            </a:r>
-          </a:p>
-          <a:p>
-            <a:pPr marL="0" indent="0">
-              <a:buNone/>
-            </a:pPr>
+              <a:t>The overall historical rate of missed appointments is 16%.  This means that with no model, predicting an appointment will be missed is only expected to be correct 16% of the time, and will be incorrect the remaining 84% of the time.</a:t>
+            </a:r>
+          </a:p>
+          <a:p>
+            <a:r>
+              <a:rPr lang="en-US" dirty="0"/>
+              <a:t>The model improves the accuracy of predicting a missed appointment from 16% to 39%.</a:t>
+            </a:r>
+          </a:p>
+          <a:p>
             <a:endParaRPr lang="en-US" dirty="0"/>
           </a:p>
         </p:txBody>
@@ -4477,7 +4570,7 @@
     </p:spTree>
     <p:extLst>
       <p:ext uri="{BB962C8B-B14F-4D97-AF65-F5344CB8AC3E}">
-        <p14:creationId xmlns:p14="http://schemas.microsoft.com/office/powerpoint/2010/main" val="4198729794"/>
+        <p14:creationId xmlns:p14="http://schemas.microsoft.com/office/powerpoint/2010/main" val="3023246864"/>
       </p:ext>
     </p:extLst>
   </p:cSld>
@@ -4509,6 +4602,110 @@
           <p:cNvPr id="2" name="Title 1">
             <a:extLst>
               <a:ext uri="{FF2B5EF4-FFF2-40B4-BE49-F238E27FC236}">
+                <a16:creationId xmlns:a16="http://schemas.microsoft.com/office/drawing/2014/main" id="{BC1DCEB9-60EA-B14A-8369-DF6D269C173C}"/>
+              </a:ext>
+            </a:extLst>
+          </p:cNvPr>
+          <p:cNvSpPr>
+            <a:spLocks noGrp="1"/>
+          </p:cNvSpPr>
+          <p:nvPr>
+            <p:ph type="title"/>
+          </p:nvPr>
+        </p:nvSpPr>
+        <p:spPr/>
+        <p:txBody>
+          <a:bodyPr/>
+          <a:lstStyle/>
+          <a:p>
+            <a:r>
+              <a:rPr lang="en-US" dirty="0"/>
+              <a:t>Recommendations</a:t>
+            </a:r>
+          </a:p>
+        </p:txBody>
+      </p:sp>
+      <p:sp>
+        <p:nvSpPr>
+          <p:cNvPr id="3" name="Content Placeholder 2">
+            <a:extLst>
+              <a:ext uri="{FF2B5EF4-FFF2-40B4-BE49-F238E27FC236}">
+                <a16:creationId xmlns:a16="http://schemas.microsoft.com/office/drawing/2014/main" id="{34493926-EA48-7243-AFA4-0AFE6EF87E04}"/>
+              </a:ext>
+            </a:extLst>
+          </p:cNvPr>
+          <p:cNvSpPr>
+            <a:spLocks noGrp="1"/>
+          </p:cNvSpPr>
+          <p:nvPr>
+            <p:ph idx="1"/>
+          </p:nvPr>
+        </p:nvSpPr>
+        <p:spPr/>
+        <p:txBody>
+          <a:bodyPr/>
+          <a:lstStyle/>
+          <a:p>
+            <a:r>
+              <a:rPr lang="en-US" dirty="0"/>
+              <a:t>The model can be improved by adding new information.  For example, weather information is not included in the original data but is widely available and can be added in. </a:t>
+            </a:r>
+          </a:p>
+          <a:p>
+            <a:r>
+              <a:rPr lang="en-US" dirty="0"/>
+              <a:t>Further analysis can be done calculating the expected number of missed appointments when there are multiple appointments available in a time slot.  Combining the likelihoods of each patient showing up in a specific time slot would allow the overall likelihood of a desired number of patients to be calculated.</a:t>
+            </a:r>
+          </a:p>
+          <a:p>
+            <a:r>
+              <a:rPr lang="en-US" dirty="0"/>
+              <a:t>There are some valuable insights in the data exploration. For example, patients who missed 10% or less of their prior appointments are overwhelmingly expected to make their appointments.  Making sure not to over-book these patients would be recommended because they are unlikely to miss anyway, and it would keep the best patients happy.</a:t>
+            </a:r>
+          </a:p>
+          <a:p>
+            <a:pPr marL="0" indent="0">
+              <a:buNone/>
+            </a:pPr>
+            <a:endParaRPr lang="en-US" dirty="0"/>
+          </a:p>
+        </p:txBody>
+      </p:sp>
+    </p:spTree>
+    <p:extLst>
+      <p:ext uri="{BB962C8B-B14F-4D97-AF65-F5344CB8AC3E}">
+        <p14:creationId xmlns:p14="http://schemas.microsoft.com/office/powerpoint/2010/main" val="4198729794"/>
+      </p:ext>
+    </p:extLst>
+  </p:cSld>
+  <p:clrMapOvr>
+    <a:masterClrMapping/>
+  </p:clrMapOvr>
+</p:sld>
+</file>
+
+<file path=ppt/slides/slide12.xml><?xml version="1.0" encoding="utf-8"?>
+<p:sld xmlns:a="http://schemas.openxmlformats.org/drawingml/2006/main" xmlns:r="http://schemas.openxmlformats.org/officeDocument/2006/relationships" xmlns:p="http://schemas.openxmlformats.org/presentationml/2006/main">
+  <p:cSld>
+    <p:spTree>
+      <p:nvGrpSpPr>
+        <p:cNvPr id="1" name=""/>
+        <p:cNvGrpSpPr/>
+        <p:nvPr/>
+      </p:nvGrpSpPr>
+      <p:grpSpPr>
+        <a:xfrm>
+          <a:off x="0" y="0"/>
+          <a:ext cx="0" cy="0"/>
+          <a:chOff x="0" y="0"/>
+          <a:chExt cx="0" cy="0"/>
+        </a:xfrm>
+      </p:grpSpPr>
+      <p:sp>
+        <p:nvSpPr>
+          <p:cNvPr id="2" name="Title 1">
+            <a:extLst>
+              <a:ext uri="{FF2B5EF4-FFF2-40B4-BE49-F238E27FC236}">
                 <a16:creationId xmlns:a16="http://schemas.microsoft.com/office/drawing/2014/main" id="{B1C90527-79F0-3247-A47D-210E0A289C76}"/>
               </a:ext>
             </a:extLst>
@@ -4578,7 +4775,7 @@
             </a:pPr>
             <a:r>
               <a:rPr lang="en-US" dirty="0"/>
-              <a:t>With a perfect prediction, a medical provider could completely make up for the lost revenue due to missed appointments by overbooking by just the right amount, without resulting in times the overbooking leads to having more patients than desired.  Due to the inherent prediction error,  there will still be times that the overbooking is too much or too little, meaning there will still times where there are more or less patients than desired. However, since the model predictions are better than predicting without a model,  the model allows a medical provider to over-book more intelligently, which will allow more lost revenue to be made up for with over-booking  with fewer  negative consequences.</a:t>
+              <a:t>With a perfect prediction, a medical provider could completely make up for the lost revenue due to missed appointments by overbooking by just the right amount, without resulting in times the overbooking leads to having more patients than desired.  Due to the inherent prediction error,  there will still be times that the overbooking is too much or too little, meaning there will still times where there are more or less patients than desired. However, since the model predictions are better than predicting without a model,  the model allows a medical provider to over-book more intelligently, which will allow more lost revenue to be made up for with over-booking with fewer  negative consequence</a:t>
             </a:r>
           </a:p>
         </p:txBody>
@@ -4906,7 +5103,12 @@
             <p:ph idx="1"/>
           </p:nvPr>
         </p:nvSpPr>
-        <p:spPr/>
+        <p:spPr>
+          <a:xfrm>
+            <a:off x="581192" y="2180497"/>
+            <a:ext cx="11029615" cy="2614788"/>
+          </a:xfrm>
+        </p:spPr>
         <p:txBody>
           <a:bodyPr/>
           <a:lstStyle/>
@@ -5914,7 +6116,7 @@
           <p:cNvPr id="2" name="Title 1">
             <a:extLst>
               <a:ext uri="{FF2B5EF4-FFF2-40B4-BE49-F238E27FC236}">
-                <a16:creationId xmlns:a16="http://schemas.microsoft.com/office/drawing/2014/main" id="{43F0D8AE-4F73-8740-ADF8-43402226855B}"/>
+                <a16:creationId xmlns:a16="http://schemas.microsoft.com/office/drawing/2014/main" id="{1E69625D-A682-1C47-AB58-5783CA622B4B}"/>
               </a:ext>
             </a:extLst>
           </p:cNvPr>
@@ -5932,7 +6134,7 @@
           <a:p>
             <a:r>
               <a:rPr lang="en-US" dirty="0"/>
-              <a:t>Model Performance</a:t>
+              <a:t>Modelling</a:t>
             </a:r>
           </a:p>
         </p:txBody>
@@ -5942,7 +6144,7 @@
           <p:cNvPr id="3" name="Content Placeholder 2">
             <a:extLst>
               <a:ext uri="{FF2B5EF4-FFF2-40B4-BE49-F238E27FC236}">
-                <a16:creationId xmlns:a16="http://schemas.microsoft.com/office/drawing/2014/main" id="{769FC80D-22B7-2241-90BD-BD58BB25E42D}"/>
+                <a16:creationId xmlns:a16="http://schemas.microsoft.com/office/drawing/2014/main" id="{6E70C8FC-6BCD-0D49-949F-FB5028104D4C}"/>
               </a:ext>
             </a:extLst>
           </p:cNvPr>
@@ -5955,45 +6157,51 @@
         </p:nvSpPr>
         <p:spPr/>
         <p:txBody>
-          <a:bodyPr>
-            <a:normAutofit lnSpcReduction="10000"/>
-          </a:bodyPr>
-          <a:lstStyle/>
-          <a:p>
-            <a:pPr marL="0" indent="0">
-              <a:buNone/>
-            </a:pPr>
+          <a:bodyPr/>
+          <a:lstStyle/>
+          <a:p>
+            <a:endParaRPr lang="en-US" dirty="0"/>
+          </a:p>
+          <a:p>
+            <a:endParaRPr lang="en-US" dirty="0"/>
+          </a:p>
+          <a:p>
             <a:r>
               <a:rPr lang="en-US" dirty="0"/>
-              <a:t>Two different machine learning models were tested, and the one that best predicted the missed appointments was chosen.  The chosen model can be used to predict whether or not an appointment will be missed, and the probability that an appointment will be kept or missed.</a:t>
-            </a:r>
-          </a:p>
-          <a:p>
-            <a:pPr marL="0" indent="0">
-              <a:buNone/>
-            </a:pPr>
+              <a:t>The data was split into a test set (60%), validation set (20%), and a test set (20%).</a:t>
+            </a:r>
+          </a:p>
+          <a:p>
             <a:r>
               <a:rPr lang="en-US" dirty="0"/>
-              <a:t>Model Performance Highlights:</a:t>
-            </a:r>
-          </a:p>
-          <a:p>
+              <a:t>Random Forest and </a:t>
+            </a:r>
+            <a:r>
+              <a:rPr lang="en-US" dirty="0" err="1"/>
+              <a:t>glm</a:t>
+            </a:r>
             <a:r>
               <a:rPr lang="en-US" dirty="0"/>
-              <a:t>When the model predicts an appointment will be missed, it is expected to be accurate 39 % of the time.</a:t>
+              <a:t> models were initially fit to the training set.</a:t>
             </a:r>
           </a:p>
           <a:p>
             <a:r>
               <a:rPr lang="en-US" dirty="0"/>
-              <a:t>The overall historical rate of missed appointments is 16%.  This means that with no model, predicting an appointment will be missed is only expected to be correct 16% of the time, and will be incorrect the remaining 84% of the time.</a:t>
+              <a:t>The validation set was used to see how well the models perform on unseen data to choose the best one.  The random forest model performed best.</a:t>
             </a:r>
           </a:p>
           <a:p>
             <a:r>
               <a:rPr lang="en-US" dirty="0"/>
-              <a:t>While 39% accuracy in predicting missed appointments means that 61% of the time the prediction will be in error, this is still a large improvement over having no model at all, where predicting an appointment will be missed is in error 84% of the time.</a:t>
-            </a:r>
+              <a:t>Finally,  the random forest model was tested on the test data to estimate the expected future results.</a:t>
+            </a:r>
+          </a:p>
+          <a:p>
+            <a:endParaRPr lang="en-US" dirty="0"/>
+          </a:p>
+          <a:p>
+            <a:endParaRPr lang="en-US" dirty="0"/>
           </a:p>
           <a:p>
             <a:endParaRPr lang="en-US" dirty="0"/>
@@ -6003,7 +6211,7 @@
     </p:spTree>
     <p:extLst>
       <p:ext uri="{BB962C8B-B14F-4D97-AF65-F5344CB8AC3E}">
-        <p14:creationId xmlns:p14="http://schemas.microsoft.com/office/powerpoint/2010/main" val="3023246864"/>
+        <p14:creationId xmlns:p14="http://schemas.microsoft.com/office/powerpoint/2010/main" val="3856963576"/>
       </p:ext>
     </p:extLst>
   </p:cSld>
